--- a/Fremlæggelse/Gruppe 4.pptx
+++ b/Fremlæggelse/Gruppe 4.pptx
@@ -6,7 +6,17 @@
   </p:sldMasterIdLst>
   <p:sldIdLst>
     <p:sldId id="256" r:id="rId2"/>
-    <p:sldId id="257" r:id="rId3"/>
+    <p:sldId id="265" r:id="rId3"/>
+    <p:sldId id="266" r:id="rId4"/>
+    <p:sldId id="267" r:id="rId5"/>
+    <p:sldId id="268" r:id="rId6"/>
+    <p:sldId id="258" r:id="rId7"/>
+    <p:sldId id="259" r:id="rId8"/>
+    <p:sldId id="260" r:id="rId9"/>
+    <p:sldId id="261" r:id="rId10"/>
+    <p:sldId id="262" r:id="rId11"/>
+    <p:sldId id="263" r:id="rId12"/>
+    <p:sldId id="264" r:id="rId13"/>
   </p:sldIdLst>
   <p:sldSz cx="12192000" cy="6858000"/>
   <p:notesSz cx="6858000" cy="9144000"/>
@@ -105,6 +115,11 @@
       </a:defRPr>
     </a:lvl9pPr>
   </p:defaultTextStyle>
+  <p:extLst>
+    <p:ext uri="{EFAFB233-063F-42B5-8137-9DF3F51BA10A}">
+      <p15:sldGuideLst xmlns:p15="http://schemas.microsoft.com/office/powerpoint/2012/main"/>
+    </p:ext>
+  </p:extLst>
 </p:presentation>
 </file>
 
@@ -255,7 +270,7 @@
           <a:p>
             <a:fld id="{9D333556-8676-42C6-A3C5-0A30E4618C13}" type="datetimeFigureOut">
               <a:rPr lang="da-DK" smtClean="0"/>
-              <a:t>29-05-2024</a:t>
+              <a:t>31-05-2024</a:t>
             </a:fld>
             <a:endParaRPr lang="da-DK"/>
           </a:p>
@@ -453,7 +468,7 @@
           <a:p>
             <a:fld id="{9D333556-8676-42C6-A3C5-0A30E4618C13}" type="datetimeFigureOut">
               <a:rPr lang="da-DK" smtClean="0"/>
-              <a:t>29-05-2024</a:t>
+              <a:t>31-05-2024</a:t>
             </a:fld>
             <a:endParaRPr lang="da-DK"/>
           </a:p>
@@ -661,7 +676,7 @@
           <a:p>
             <a:fld id="{9D333556-8676-42C6-A3C5-0A30E4618C13}" type="datetimeFigureOut">
               <a:rPr lang="da-DK" smtClean="0"/>
-              <a:t>29-05-2024</a:t>
+              <a:t>31-05-2024</a:t>
             </a:fld>
             <a:endParaRPr lang="da-DK"/>
           </a:p>
@@ -859,7 +874,7 @@
           <a:p>
             <a:fld id="{9D333556-8676-42C6-A3C5-0A30E4618C13}" type="datetimeFigureOut">
               <a:rPr lang="da-DK" smtClean="0"/>
-              <a:t>29-05-2024</a:t>
+              <a:t>31-05-2024</a:t>
             </a:fld>
             <a:endParaRPr lang="da-DK"/>
           </a:p>
@@ -1134,7 +1149,7 @@
           <a:p>
             <a:fld id="{9D333556-8676-42C6-A3C5-0A30E4618C13}" type="datetimeFigureOut">
               <a:rPr lang="da-DK" smtClean="0"/>
-              <a:t>29-05-2024</a:t>
+              <a:t>31-05-2024</a:t>
             </a:fld>
             <a:endParaRPr lang="da-DK"/>
           </a:p>
@@ -1399,7 +1414,7 @@
           <a:p>
             <a:fld id="{9D333556-8676-42C6-A3C5-0A30E4618C13}" type="datetimeFigureOut">
               <a:rPr lang="da-DK" smtClean="0"/>
-              <a:t>29-05-2024</a:t>
+              <a:t>31-05-2024</a:t>
             </a:fld>
             <a:endParaRPr lang="da-DK"/>
           </a:p>
@@ -1811,7 +1826,7 @@
           <a:p>
             <a:fld id="{9D333556-8676-42C6-A3C5-0A30E4618C13}" type="datetimeFigureOut">
               <a:rPr lang="da-DK" smtClean="0"/>
-              <a:t>29-05-2024</a:t>
+              <a:t>31-05-2024</a:t>
             </a:fld>
             <a:endParaRPr lang="da-DK"/>
           </a:p>
@@ -1952,7 +1967,7 @@
           <a:p>
             <a:fld id="{9D333556-8676-42C6-A3C5-0A30E4618C13}" type="datetimeFigureOut">
               <a:rPr lang="da-DK" smtClean="0"/>
-              <a:t>29-05-2024</a:t>
+              <a:t>31-05-2024</a:t>
             </a:fld>
             <a:endParaRPr lang="da-DK"/>
           </a:p>
@@ -2065,7 +2080,7 @@
           <a:p>
             <a:fld id="{9D333556-8676-42C6-A3C5-0A30E4618C13}" type="datetimeFigureOut">
               <a:rPr lang="da-DK" smtClean="0"/>
-              <a:t>29-05-2024</a:t>
+              <a:t>31-05-2024</a:t>
             </a:fld>
             <a:endParaRPr lang="da-DK"/>
           </a:p>
@@ -2376,7 +2391,7 @@
           <a:p>
             <a:fld id="{9D333556-8676-42C6-A3C5-0A30E4618C13}" type="datetimeFigureOut">
               <a:rPr lang="da-DK" smtClean="0"/>
-              <a:t>29-05-2024</a:t>
+              <a:t>31-05-2024</a:t>
             </a:fld>
             <a:endParaRPr lang="da-DK"/>
           </a:p>
@@ -2664,7 +2679,7 @@
           <a:p>
             <a:fld id="{9D333556-8676-42C6-A3C5-0A30E4618C13}" type="datetimeFigureOut">
               <a:rPr lang="da-DK" smtClean="0"/>
-              <a:t>29-05-2024</a:t>
+              <a:t>31-05-2024</a:t>
             </a:fld>
             <a:endParaRPr lang="da-DK"/>
           </a:p>
@@ -2905,7 +2920,7 @@
           <a:p>
             <a:fld id="{9D333556-8676-42C6-A3C5-0A30E4618C13}" type="datetimeFigureOut">
               <a:rPr lang="da-DK" smtClean="0"/>
-              <a:t>29-05-2024</a:t>
+              <a:t>31-05-2024</a:t>
             </a:fld>
             <a:endParaRPr lang="da-DK"/>
           </a:p>
@@ -3324,6 +3339,868 @@
       </p:grpSpPr>
       <p:sp>
         <p:nvSpPr>
+          <p:cNvPr id="53" name="Kombinationstegning: figur 52">
+            <a:extLst>
+              <a:ext uri="{FF2B5EF4-FFF2-40B4-BE49-F238E27FC236}">
+                <a16:creationId xmlns:a16="http://schemas.microsoft.com/office/drawing/2014/main" id="{DECD5724-8229-DA17-FB31-B4B5403C0784}"/>
+              </a:ext>
+            </a:extLst>
+          </p:cNvPr>
+          <p:cNvSpPr/>
+          <p:nvPr/>
+        </p:nvSpPr>
+        <p:spPr>
+          <a:xfrm>
+            <a:off x="-392963" y="3451431"/>
+            <a:ext cx="12793577" cy="4203321"/>
+          </a:xfrm>
+          <a:custGeom>
+            <a:avLst/>
+            <a:gdLst>
+              <a:gd name="connsiteX0" fmla="*/ 6583200 w 12793577"/>
+              <a:gd name="connsiteY0" fmla="*/ 2609817 h 4203321"/>
+              <a:gd name="connsiteX1" fmla="*/ 7634913 w 12793577"/>
+              <a:gd name="connsiteY1" fmla="*/ 2609817 h 4203321"/>
+              <a:gd name="connsiteX2" fmla="*/ 8033289 w 12793577"/>
+              <a:gd name="connsiteY2" fmla="*/ 3406569 h 4203321"/>
+              <a:gd name="connsiteX3" fmla="*/ 7634913 w 12793577"/>
+              <a:gd name="connsiteY3" fmla="*/ 4203321 h 4203321"/>
+              <a:gd name="connsiteX4" fmla="*/ 6583200 w 12793577"/>
+              <a:gd name="connsiteY4" fmla="*/ 4203321 h 4203321"/>
+              <a:gd name="connsiteX5" fmla="*/ 6184824 w 12793577"/>
+              <a:gd name="connsiteY5" fmla="*/ 3406569 h 4203321"/>
+              <a:gd name="connsiteX6" fmla="*/ 3490789 w 12793577"/>
+              <a:gd name="connsiteY6" fmla="*/ 2609817 h 4203321"/>
+              <a:gd name="connsiteX7" fmla="*/ 4542502 w 12793577"/>
+              <a:gd name="connsiteY7" fmla="*/ 2609817 h 4203321"/>
+              <a:gd name="connsiteX8" fmla="*/ 4940879 w 12793577"/>
+              <a:gd name="connsiteY8" fmla="*/ 3406569 h 4203321"/>
+              <a:gd name="connsiteX9" fmla="*/ 4542502 w 12793577"/>
+              <a:gd name="connsiteY9" fmla="*/ 4203321 h 4203321"/>
+              <a:gd name="connsiteX10" fmla="*/ 3490789 w 12793577"/>
+              <a:gd name="connsiteY10" fmla="*/ 4203321 h 4203321"/>
+              <a:gd name="connsiteX11" fmla="*/ 3092413 w 12793577"/>
+              <a:gd name="connsiteY11" fmla="*/ 3406569 h 4203321"/>
+              <a:gd name="connsiteX12" fmla="*/ 398376 w 12793577"/>
+              <a:gd name="connsiteY12" fmla="*/ 2609817 h 4203321"/>
+              <a:gd name="connsiteX13" fmla="*/ 1450089 w 12793577"/>
+              <a:gd name="connsiteY13" fmla="*/ 2609817 h 4203321"/>
+              <a:gd name="connsiteX14" fmla="*/ 1848465 w 12793577"/>
+              <a:gd name="connsiteY14" fmla="*/ 3406569 h 4203321"/>
+              <a:gd name="connsiteX15" fmla="*/ 1450089 w 12793577"/>
+              <a:gd name="connsiteY15" fmla="*/ 4203321 h 4203321"/>
+              <a:gd name="connsiteX16" fmla="*/ 398376 w 12793577"/>
+              <a:gd name="connsiteY16" fmla="*/ 4203321 h 4203321"/>
+              <a:gd name="connsiteX17" fmla="*/ 0 w 12793577"/>
+              <a:gd name="connsiteY17" fmla="*/ 3406569 h 4203321"/>
+              <a:gd name="connsiteX18" fmla="*/ 9675612 w 12793577"/>
+              <a:gd name="connsiteY18" fmla="*/ 2587264 h 4203321"/>
+              <a:gd name="connsiteX19" fmla="*/ 10727325 w 12793577"/>
+              <a:gd name="connsiteY19" fmla="*/ 2587264 h 4203321"/>
+              <a:gd name="connsiteX20" fmla="*/ 11125701 w 12793577"/>
+              <a:gd name="connsiteY20" fmla="*/ 3384016 h 4203321"/>
+              <a:gd name="connsiteX21" fmla="*/ 10727325 w 12793577"/>
+              <a:gd name="connsiteY21" fmla="*/ 4180768 h 4203321"/>
+              <a:gd name="connsiteX22" fmla="*/ 9675612 w 12793577"/>
+              <a:gd name="connsiteY22" fmla="*/ 4180768 h 4203321"/>
+              <a:gd name="connsiteX23" fmla="*/ 9277236 w 12793577"/>
+              <a:gd name="connsiteY23" fmla="*/ 3384016 h 4203321"/>
+              <a:gd name="connsiteX24" fmla="*/ 12793577 w 12793577"/>
+              <a:gd name="connsiteY24" fmla="*/ 2523828 h 4203321"/>
+              <a:gd name="connsiteX25" fmla="*/ 12765233 w 12793577"/>
+              <a:gd name="connsiteY25" fmla="*/ 3310420 h 4203321"/>
+              <a:gd name="connsiteX26" fmla="*/ 12773257 w 12793577"/>
+              <a:gd name="connsiteY26" fmla="*/ 4127492 h 4203321"/>
+              <a:gd name="connsiteX27" fmla="*/ 12768024 w 12793577"/>
+              <a:gd name="connsiteY27" fmla="*/ 4137652 h 4203321"/>
+              <a:gd name="connsiteX28" fmla="*/ 12369648 w 12793577"/>
+              <a:gd name="connsiteY28" fmla="*/ 3340900 h 4203321"/>
+              <a:gd name="connsiteX29" fmla="*/ 12768024 w 12793577"/>
+              <a:gd name="connsiteY29" fmla="*/ 2544148 h 4203321"/>
+              <a:gd name="connsiteX30" fmla="*/ 8131286 w 12793577"/>
+              <a:gd name="connsiteY30" fmla="*/ 1747396 h 4203321"/>
+              <a:gd name="connsiteX31" fmla="*/ 9182999 w 12793577"/>
+              <a:gd name="connsiteY31" fmla="*/ 1747396 h 4203321"/>
+              <a:gd name="connsiteX32" fmla="*/ 9581375 w 12793577"/>
+              <a:gd name="connsiteY32" fmla="*/ 2544148 h 4203321"/>
+              <a:gd name="connsiteX33" fmla="*/ 9182999 w 12793577"/>
+              <a:gd name="connsiteY33" fmla="*/ 3340900 h 4203321"/>
+              <a:gd name="connsiteX34" fmla="*/ 8131286 w 12793577"/>
+              <a:gd name="connsiteY34" fmla="*/ 3340900 h 4203321"/>
+              <a:gd name="connsiteX35" fmla="*/ 7732910 w 12793577"/>
+              <a:gd name="connsiteY35" fmla="*/ 2544148 h 4203321"/>
+              <a:gd name="connsiteX36" fmla="*/ 5038875 w 12793577"/>
+              <a:gd name="connsiteY36" fmla="*/ 1747396 h 4203321"/>
+              <a:gd name="connsiteX37" fmla="*/ 6090587 w 12793577"/>
+              <a:gd name="connsiteY37" fmla="*/ 1747396 h 4203321"/>
+              <a:gd name="connsiteX38" fmla="*/ 6488963 w 12793577"/>
+              <a:gd name="connsiteY38" fmla="*/ 2544148 h 4203321"/>
+              <a:gd name="connsiteX39" fmla="*/ 6090587 w 12793577"/>
+              <a:gd name="connsiteY39" fmla="*/ 3340900 h 4203321"/>
+              <a:gd name="connsiteX40" fmla="*/ 5038875 w 12793577"/>
+              <a:gd name="connsiteY40" fmla="*/ 3340900 h 4203321"/>
+              <a:gd name="connsiteX41" fmla="*/ 4640499 w 12793577"/>
+              <a:gd name="connsiteY41" fmla="*/ 2544148 h 4203321"/>
+              <a:gd name="connsiteX42" fmla="*/ 1946462 w 12793577"/>
+              <a:gd name="connsiteY42" fmla="*/ 1747396 h 4203321"/>
+              <a:gd name="connsiteX43" fmla="*/ 2998175 w 12793577"/>
+              <a:gd name="connsiteY43" fmla="*/ 1747396 h 4203321"/>
+              <a:gd name="connsiteX44" fmla="*/ 3396552 w 12793577"/>
+              <a:gd name="connsiteY44" fmla="*/ 2544148 h 4203321"/>
+              <a:gd name="connsiteX45" fmla="*/ 2998175 w 12793577"/>
+              <a:gd name="connsiteY45" fmla="*/ 3340900 h 4203321"/>
+              <a:gd name="connsiteX46" fmla="*/ 1946462 w 12793577"/>
+              <a:gd name="connsiteY46" fmla="*/ 3340900 h 4203321"/>
+              <a:gd name="connsiteX47" fmla="*/ 1548086 w 12793577"/>
+              <a:gd name="connsiteY47" fmla="*/ 2544148 h 4203321"/>
+              <a:gd name="connsiteX48" fmla="*/ 11223698 w 12793577"/>
+              <a:gd name="connsiteY48" fmla="*/ 1724843 h 4203321"/>
+              <a:gd name="connsiteX49" fmla="*/ 12275411 w 12793577"/>
+              <a:gd name="connsiteY49" fmla="*/ 1724843 h 4203321"/>
+              <a:gd name="connsiteX50" fmla="*/ 12673787 w 12793577"/>
+              <a:gd name="connsiteY50" fmla="*/ 2521595 h 4203321"/>
+              <a:gd name="connsiteX51" fmla="*/ 12275411 w 12793577"/>
+              <a:gd name="connsiteY51" fmla="*/ 3318347 h 4203321"/>
+              <a:gd name="connsiteX52" fmla="*/ 11223698 w 12793577"/>
+              <a:gd name="connsiteY52" fmla="*/ 3318347 h 4203321"/>
+              <a:gd name="connsiteX53" fmla="*/ 10825322 w 12793577"/>
+              <a:gd name="connsiteY53" fmla="*/ 2521595 h 4203321"/>
+              <a:gd name="connsiteX54" fmla="*/ 6583200 w 12793577"/>
+              <a:gd name="connsiteY54" fmla="*/ 884974 h 4203321"/>
+              <a:gd name="connsiteX55" fmla="*/ 7634913 w 12793577"/>
+              <a:gd name="connsiteY55" fmla="*/ 884974 h 4203321"/>
+              <a:gd name="connsiteX56" fmla="*/ 8033289 w 12793577"/>
+              <a:gd name="connsiteY56" fmla="*/ 1681726 h 4203321"/>
+              <a:gd name="connsiteX57" fmla="*/ 7634913 w 12793577"/>
+              <a:gd name="connsiteY57" fmla="*/ 2478478 h 4203321"/>
+              <a:gd name="connsiteX58" fmla="*/ 6583200 w 12793577"/>
+              <a:gd name="connsiteY58" fmla="*/ 2478478 h 4203321"/>
+              <a:gd name="connsiteX59" fmla="*/ 6184827 w 12793577"/>
+              <a:gd name="connsiteY59" fmla="*/ 1681726 h 4203321"/>
+              <a:gd name="connsiteX60" fmla="*/ 3490791 w 12793577"/>
+              <a:gd name="connsiteY60" fmla="*/ 884974 h 4203321"/>
+              <a:gd name="connsiteX61" fmla="*/ 4542503 w 12793577"/>
+              <a:gd name="connsiteY61" fmla="*/ 884974 h 4203321"/>
+              <a:gd name="connsiteX62" fmla="*/ 4940880 w 12793577"/>
+              <a:gd name="connsiteY62" fmla="*/ 1681726 h 4203321"/>
+              <a:gd name="connsiteX63" fmla="*/ 4542503 w 12793577"/>
+              <a:gd name="connsiteY63" fmla="*/ 2478478 h 4203321"/>
+              <a:gd name="connsiteX64" fmla="*/ 3490791 w 12793577"/>
+              <a:gd name="connsiteY64" fmla="*/ 2478478 h 4203321"/>
+              <a:gd name="connsiteX65" fmla="*/ 3092415 w 12793577"/>
+              <a:gd name="connsiteY65" fmla="*/ 1681726 h 4203321"/>
+              <a:gd name="connsiteX66" fmla="*/ 398378 w 12793577"/>
+              <a:gd name="connsiteY66" fmla="*/ 884974 h 4203321"/>
+              <a:gd name="connsiteX67" fmla="*/ 1450091 w 12793577"/>
+              <a:gd name="connsiteY67" fmla="*/ 884974 h 4203321"/>
+              <a:gd name="connsiteX68" fmla="*/ 1848467 w 12793577"/>
+              <a:gd name="connsiteY68" fmla="*/ 1681726 h 4203321"/>
+              <a:gd name="connsiteX69" fmla="*/ 1450091 w 12793577"/>
+              <a:gd name="connsiteY69" fmla="*/ 2478478 h 4203321"/>
+              <a:gd name="connsiteX70" fmla="*/ 398378 w 12793577"/>
+              <a:gd name="connsiteY70" fmla="*/ 2478478 h 4203321"/>
+              <a:gd name="connsiteX71" fmla="*/ 2 w 12793577"/>
+              <a:gd name="connsiteY71" fmla="*/ 1681726 h 4203321"/>
+              <a:gd name="connsiteX72" fmla="*/ 9675612 w 12793577"/>
+              <a:gd name="connsiteY72" fmla="*/ 862421 h 4203321"/>
+              <a:gd name="connsiteX73" fmla="*/ 10727325 w 12793577"/>
+              <a:gd name="connsiteY73" fmla="*/ 862421 h 4203321"/>
+              <a:gd name="connsiteX74" fmla="*/ 11125701 w 12793577"/>
+              <a:gd name="connsiteY74" fmla="*/ 1659173 h 4203321"/>
+              <a:gd name="connsiteX75" fmla="*/ 10727325 w 12793577"/>
+              <a:gd name="connsiteY75" fmla="*/ 2455925 h 4203321"/>
+              <a:gd name="connsiteX76" fmla="*/ 9675612 w 12793577"/>
+              <a:gd name="connsiteY76" fmla="*/ 2455925 h 4203321"/>
+              <a:gd name="connsiteX77" fmla="*/ 9277236 w 12793577"/>
+              <a:gd name="connsiteY77" fmla="*/ 1659173 h 4203321"/>
+              <a:gd name="connsiteX78" fmla="*/ 12768024 w 12793577"/>
+              <a:gd name="connsiteY78" fmla="*/ 847989 h 4203321"/>
+              <a:gd name="connsiteX79" fmla="*/ 12773257 w 12793577"/>
+              <a:gd name="connsiteY79" fmla="*/ 858149 h 4203321"/>
+              <a:gd name="connsiteX80" fmla="*/ 12765233 w 12793577"/>
+              <a:gd name="connsiteY80" fmla="*/ 1665061 h 4203321"/>
+              <a:gd name="connsiteX81" fmla="*/ 12763097 w 12793577"/>
+              <a:gd name="connsiteY81" fmla="*/ 2411013 h 4203321"/>
+              <a:gd name="connsiteX82" fmla="*/ 12768024 w 12793577"/>
+              <a:gd name="connsiteY82" fmla="*/ 2441493 h 4203321"/>
+              <a:gd name="connsiteX83" fmla="*/ 12369648 w 12793577"/>
+              <a:gd name="connsiteY83" fmla="*/ 1644741 h 4203321"/>
+              <a:gd name="connsiteX84" fmla="*/ 1946464 w 12793577"/>
+              <a:gd name="connsiteY84" fmla="*/ 19268 h 4203321"/>
+              <a:gd name="connsiteX85" fmla="*/ 2998178 w 12793577"/>
+              <a:gd name="connsiteY85" fmla="*/ 19268 h 4203321"/>
+              <a:gd name="connsiteX86" fmla="*/ 3396553 w 12793577"/>
+              <a:gd name="connsiteY86" fmla="*/ 816020 h 4203321"/>
+              <a:gd name="connsiteX87" fmla="*/ 2998178 w 12793577"/>
+              <a:gd name="connsiteY87" fmla="*/ 1612772 h 4203321"/>
+              <a:gd name="connsiteX88" fmla="*/ 1946464 w 12793577"/>
+              <a:gd name="connsiteY88" fmla="*/ 1612772 h 4203321"/>
+              <a:gd name="connsiteX89" fmla="*/ 1548088 w 12793577"/>
+              <a:gd name="connsiteY89" fmla="*/ 816020 h 4203321"/>
+              <a:gd name="connsiteX90" fmla="*/ 11223698 w 12793577"/>
+              <a:gd name="connsiteY90" fmla="*/ 0 h 4203321"/>
+              <a:gd name="connsiteX91" fmla="*/ 12275411 w 12793577"/>
+              <a:gd name="connsiteY91" fmla="*/ 0 h 4203321"/>
+              <a:gd name="connsiteX92" fmla="*/ 12673787 w 12793577"/>
+              <a:gd name="connsiteY92" fmla="*/ 796752 h 4203321"/>
+              <a:gd name="connsiteX93" fmla="*/ 12275411 w 12793577"/>
+              <a:gd name="connsiteY93" fmla="*/ 1593504 h 4203321"/>
+              <a:gd name="connsiteX94" fmla="*/ 11223698 w 12793577"/>
+              <a:gd name="connsiteY94" fmla="*/ 1593504 h 4203321"/>
+              <a:gd name="connsiteX95" fmla="*/ 10825322 w 12793577"/>
+              <a:gd name="connsiteY95" fmla="*/ 796752 h 4203321"/>
+            </a:gdLst>
+            <a:ahLst/>
+            <a:cxnLst>
+              <a:cxn ang="0">
+                <a:pos x="connsiteX0" y="connsiteY0"/>
+              </a:cxn>
+              <a:cxn ang="0">
+                <a:pos x="connsiteX1" y="connsiteY1"/>
+              </a:cxn>
+              <a:cxn ang="0">
+                <a:pos x="connsiteX2" y="connsiteY2"/>
+              </a:cxn>
+              <a:cxn ang="0">
+                <a:pos x="connsiteX3" y="connsiteY3"/>
+              </a:cxn>
+              <a:cxn ang="0">
+                <a:pos x="connsiteX4" y="connsiteY4"/>
+              </a:cxn>
+              <a:cxn ang="0">
+                <a:pos x="connsiteX5" y="connsiteY5"/>
+              </a:cxn>
+              <a:cxn ang="0">
+                <a:pos x="connsiteX6" y="connsiteY6"/>
+              </a:cxn>
+              <a:cxn ang="0">
+                <a:pos x="connsiteX7" y="connsiteY7"/>
+              </a:cxn>
+              <a:cxn ang="0">
+                <a:pos x="connsiteX8" y="connsiteY8"/>
+              </a:cxn>
+              <a:cxn ang="0">
+                <a:pos x="connsiteX9" y="connsiteY9"/>
+              </a:cxn>
+              <a:cxn ang="0">
+                <a:pos x="connsiteX10" y="connsiteY10"/>
+              </a:cxn>
+              <a:cxn ang="0">
+                <a:pos x="connsiteX11" y="connsiteY11"/>
+              </a:cxn>
+              <a:cxn ang="0">
+                <a:pos x="connsiteX12" y="connsiteY12"/>
+              </a:cxn>
+              <a:cxn ang="0">
+                <a:pos x="connsiteX13" y="connsiteY13"/>
+              </a:cxn>
+              <a:cxn ang="0">
+                <a:pos x="connsiteX14" y="connsiteY14"/>
+              </a:cxn>
+              <a:cxn ang="0">
+                <a:pos x="connsiteX15" y="connsiteY15"/>
+              </a:cxn>
+              <a:cxn ang="0">
+                <a:pos x="connsiteX16" y="connsiteY16"/>
+              </a:cxn>
+              <a:cxn ang="0">
+                <a:pos x="connsiteX17" y="connsiteY17"/>
+              </a:cxn>
+              <a:cxn ang="0">
+                <a:pos x="connsiteX18" y="connsiteY18"/>
+              </a:cxn>
+              <a:cxn ang="0">
+                <a:pos x="connsiteX19" y="connsiteY19"/>
+              </a:cxn>
+              <a:cxn ang="0">
+                <a:pos x="connsiteX20" y="connsiteY20"/>
+              </a:cxn>
+              <a:cxn ang="0">
+                <a:pos x="connsiteX21" y="connsiteY21"/>
+              </a:cxn>
+              <a:cxn ang="0">
+                <a:pos x="connsiteX22" y="connsiteY22"/>
+              </a:cxn>
+              <a:cxn ang="0">
+                <a:pos x="connsiteX23" y="connsiteY23"/>
+              </a:cxn>
+              <a:cxn ang="0">
+                <a:pos x="connsiteX24" y="connsiteY24"/>
+              </a:cxn>
+              <a:cxn ang="0">
+                <a:pos x="connsiteX25" y="connsiteY25"/>
+              </a:cxn>
+              <a:cxn ang="0">
+                <a:pos x="connsiteX26" y="connsiteY26"/>
+              </a:cxn>
+              <a:cxn ang="0">
+                <a:pos x="connsiteX27" y="connsiteY27"/>
+              </a:cxn>
+              <a:cxn ang="0">
+                <a:pos x="connsiteX28" y="connsiteY28"/>
+              </a:cxn>
+              <a:cxn ang="0">
+                <a:pos x="connsiteX29" y="connsiteY29"/>
+              </a:cxn>
+              <a:cxn ang="0">
+                <a:pos x="connsiteX30" y="connsiteY30"/>
+              </a:cxn>
+              <a:cxn ang="0">
+                <a:pos x="connsiteX31" y="connsiteY31"/>
+              </a:cxn>
+              <a:cxn ang="0">
+                <a:pos x="connsiteX32" y="connsiteY32"/>
+              </a:cxn>
+              <a:cxn ang="0">
+                <a:pos x="connsiteX33" y="connsiteY33"/>
+              </a:cxn>
+              <a:cxn ang="0">
+                <a:pos x="connsiteX34" y="connsiteY34"/>
+              </a:cxn>
+              <a:cxn ang="0">
+                <a:pos x="connsiteX35" y="connsiteY35"/>
+              </a:cxn>
+              <a:cxn ang="0">
+                <a:pos x="connsiteX36" y="connsiteY36"/>
+              </a:cxn>
+              <a:cxn ang="0">
+                <a:pos x="connsiteX37" y="connsiteY37"/>
+              </a:cxn>
+              <a:cxn ang="0">
+                <a:pos x="connsiteX38" y="connsiteY38"/>
+              </a:cxn>
+              <a:cxn ang="0">
+                <a:pos x="connsiteX39" y="connsiteY39"/>
+              </a:cxn>
+              <a:cxn ang="0">
+                <a:pos x="connsiteX40" y="connsiteY40"/>
+              </a:cxn>
+              <a:cxn ang="0">
+                <a:pos x="connsiteX41" y="connsiteY41"/>
+              </a:cxn>
+              <a:cxn ang="0">
+                <a:pos x="connsiteX42" y="connsiteY42"/>
+              </a:cxn>
+              <a:cxn ang="0">
+                <a:pos x="connsiteX43" y="connsiteY43"/>
+              </a:cxn>
+              <a:cxn ang="0">
+                <a:pos x="connsiteX44" y="connsiteY44"/>
+              </a:cxn>
+              <a:cxn ang="0">
+                <a:pos x="connsiteX45" y="connsiteY45"/>
+              </a:cxn>
+              <a:cxn ang="0">
+                <a:pos x="connsiteX46" y="connsiteY46"/>
+              </a:cxn>
+              <a:cxn ang="0">
+                <a:pos x="connsiteX47" y="connsiteY47"/>
+              </a:cxn>
+              <a:cxn ang="0">
+                <a:pos x="connsiteX48" y="connsiteY48"/>
+              </a:cxn>
+              <a:cxn ang="0">
+                <a:pos x="connsiteX49" y="connsiteY49"/>
+              </a:cxn>
+              <a:cxn ang="0">
+                <a:pos x="connsiteX50" y="connsiteY50"/>
+              </a:cxn>
+              <a:cxn ang="0">
+                <a:pos x="connsiteX51" y="connsiteY51"/>
+              </a:cxn>
+              <a:cxn ang="0">
+                <a:pos x="connsiteX52" y="connsiteY52"/>
+              </a:cxn>
+              <a:cxn ang="0">
+                <a:pos x="connsiteX53" y="connsiteY53"/>
+              </a:cxn>
+              <a:cxn ang="0">
+                <a:pos x="connsiteX54" y="connsiteY54"/>
+              </a:cxn>
+              <a:cxn ang="0">
+                <a:pos x="connsiteX55" y="connsiteY55"/>
+              </a:cxn>
+              <a:cxn ang="0">
+                <a:pos x="connsiteX56" y="connsiteY56"/>
+              </a:cxn>
+              <a:cxn ang="0">
+                <a:pos x="connsiteX57" y="connsiteY57"/>
+              </a:cxn>
+              <a:cxn ang="0">
+                <a:pos x="connsiteX58" y="connsiteY58"/>
+              </a:cxn>
+              <a:cxn ang="0">
+                <a:pos x="connsiteX59" y="connsiteY59"/>
+              </a:cxn>
+              <a:cxn ang="0">
+                <a:pos x="connsiteX60" y="connsiteY60"/>
+              </a:cxn>
+              <a:cxn ang="0">
+                <a:pos x="connsiteX61" y="connsiteY61"/>
+              </a:cxn>
+              <a:cxn ang="0">
+                <a:pos x="connsiteX62" y="connsiteY62"/>
+              </a:cxn>
+              <a:cxn ang="0">
+                <a:pos x="connsiteX63" y="connsiteY63"/>
+              </a:cxn>
+              <a:cxn ang="0">
+                <a:pos x="connsiteX64" y="connsiteY64"/>
+              </a:cxn>
+              <a:cxn ang="0">
+                <a:pos x="connsiteX65" y="connsiteY65"/>
+              </a:cxn>
+              <a:cxn ang="0">
+                <a:pos x="connsiteX66" y="connsiteY66"/>
+              </a:cxn>
+              <a:cxn ang="0">
+                <a:pos x="connsiteX67" y="connsiteY67"/>
+              </a:cxn>
+              <a:cxn ang="0">
+                <a:pos x="connsiteX68" y="connsiteY68"/>
+              </a:cxn>
+              <a:cxn ang="0">
+                <a:pos x="connsiteX69" y="connsiteY69"/>
+              </a:cxn>
+              <a:cxn ang="0">
+                <a:pos x="connsiteX70" y="connsiteY70"/>
+              </a:cxn>
+              <a:cxn ang="0">
+                <a:pos x="connsiteX71" y="connsiteY71"/>
+              </a:cxn>
+              <a:cxn ang="0">
+                <a:pos x="connsiteX72" y="connsiteY72"/>
+              </a:cxn>
+              <a:cxn ang="0">
+                <a:pos x="connsiteX73" y="connsiteY73"/>
+              </a:cxn>
+              <a:cxn ang="0">
+                <a:pos x="connsiteX74" y="connsiteY74"/>
+              </a:cxn>
+              <a:cxn ang="0">
+                <a:pos x="connsiteX75" y="connsiteY75"/>
+              </a:cxn>
+              <a:cxn ang="0">
+                <a:pos x="connsiteX76" y="connsiteY76"/>
+              </a:cxn>
+              <a:cxn ang="0">
+                <a:pos x="connsiteX77" y="connsiteY77"/>
+              </a:cxn>
+              <a:cxn ang="0">
+                <a:pos x="connsiteX78" y="connsiteY78"/>
+              </a:cxn>
+              <a:cxn ang="0">
+                <a:pos x="connsiteX79" y="connsiteY79"/>
+              </a:cxn>
+              <a:cxn ang="0">
+                <a:pos x="connsiteX80" y="connsiteY80"/>
+              </a:cxn>
+              <a:cxn ang="0">
+                <a:pos x="connsiteX81" y="connsiteY81"/>
+              </a:cxn>
+              <a:cxn ang="0">
+                <a:pos x="connsiteX82" y="connsiteY82"/>
+              </a:cxn>
+              <a:cxn ang="0">
+                <a:pos x="connsiteX83" y="connsiteY83"/>
+              </a:cxn>
+              <a:cxn ang="0">
+                <a:pos x="connsiteX84" y="connsiteY84"/>
+              </a:cxn>
+              <a:cxn ang="0">
+                <a:pos x="connsiteX85" y="connsiteY85"/>
+              </a:cxn>
+              <a:cxn ang="0">
+                <a:pos x="connsiteX86" y="connsiteY86"/>
+              </a:cxn>
+              <a:cxn ang="0">
+                <a:pos x="connsiteX87" y="connsiteY87"/>
+              </a:cxn>
+              <a:cxn ang="0">
+                <a:pos x="connsiteX88" y="connsiteY88"/>
+              </a:cxn>
+              <a:cxn ang="0">
+                <a:pos x="connsiteX89" y="connsiteY89"/>
+              </a:cxn>
+              <a:cxn ang="0">
+                <a:pos x="connsiteX90" y="connsiteY90"/>
+              </a:cxn>
+              <a:cxn ang="0">
+                <a:pos x="connsiteX91" y="connsiteY91"/>
+              </a:cxn>
+              <a:cxn ang="0">
+                <a:pos x="connsiteX92" y="connsiteY92"/>
+              </a:cxn>
+              <a:cxn ang="0">
+                <a:pos x="connsiteX93" y="connsiteY93"/>
+              </a:cxn>
+              <a:cxn ang="0">
+                <a:pos x="connsiteX94" y="connsiteY94"/>
+              </a:cxn>
+              <a:cxn ang="0">
+                <a:pos x="connsiteX95" y="connsiteY95"/>
+              </a:cxn>
+            </a:cxnLst>
+            <a:rect l="l" t="t" r="r" b="b"/>
+            <a:pathLst>
+              <a:path w="12793577" h="4203321">
+                <a:moveTo>
+                  <a:pt x="6583200" y="2609817"/>
+                </a:moveTo>
+                <a:lnTo>
+                  <a:pt x="7634913" y="2609817"/>
+                </a:lnTo>
+                <a:lnTo>
+                  <a:pt x="8033289" y="3406569"/>
+                </a:lnTo>
+                <a:lnTo>
+                  <a:pt x="7634913" y="4203321"/>
+                </a:lnTo>
+                <a:lnTo>
+                  <a:pt x="6583200" y="4203321"/>
+                </a:lnTo>
+                <a:lnTo>
+                  <a:pt x="6184824" y="3406569"/>
+                </a:lnTo>
+                <a:close/>
+                <a:moveTo>
+                  <a:pt x="3490789" y="2609817"/>
+                </a:moveTo>
+                <a:lnTo>
+                  <a:pt x="4542502" y="2609817"/>
+                </a:lnTo>
+                <a:lnTo>
+                  <a:pt x="4940879" y="3406569"/>
+                </a:lnTo>
+                <a:lnTo>
+                  <a:pt x="4542502" y="4203321"/>
+                </a:lnTo>
+                <a:lnTo>
+                  <a:pt x="3490789" y="4203321"/>
+                </a:lnTo>
+                <a:lnTo>
+                  <a:pt x="3092413" y="3406569"/>
+                </a:lnTo>
+                <a:close/>
+                <a:moveTo>
+                  <a:pt x="398376" y="2609817"/>
+                </a:moveTo>
+                <a:lnTo>
+                  <a:pt x="1450089" y="2609817"/>
+                </a:lnTo>
+                <a:lnTo>
+                  <a:pt x="1848465" y="3406569"/>
+                </a:lnTo>
+                <a:lnTo>
+                  <a:pt x="1450089" y="4203321"/>
+                </a:lnTo>
+                <a:lnTo>
+                  <a:pt x="398376" y="4203321"/>
+                </a:lnTo>
+                <a:lnTo>
+                  <a:pt x="0" y="3406569"/>
+                </a:lnTo>
+                <a:close/>
+                <a:moveTo>
+                  <a:pt x="9675612" y="2587264"/>
+                </a:moveTo>
+                <a:lnTo>
+                  <a:pt x="10727325" y="2587264"/>
+                </a:lnTo>
+                <a:lnTo>
+                  <a:pt x="11125701" y="3384016"/>
+                </a:lnTo>
+                <a:lnTo>
+                  <a:pt x="10727325" y="4180768"/>
+                </a:lnTo>
+                <a:lnTo>
+                  <a:pt x="9675612" y="4180768"/>
+                </a:lnTo>
+                <a:lnTo>
+                  <a:pt x="9277236" y="3384016"/>
+                </a:lnTo>
+                <a:close/>
+                <a:moveTo>
+                  <a:pt x="12793577" y="2523828"/>
+                </a:moveTo>
+                <a:lnTo>
+                  <a:pt x="12765233" y="3310420"/>
+                </a:lnTo>
+                <a:cubicBezTo>
+                  <a:pt x="12767908" y="3582777"/>
+                  <a:pt x="12770582" y="3855135"/>
+                  <a:pt x="12773257" y="4127492"/>
+                </a:cubicBezTo>
+                <a:lnTo>
+                  <a:pt x="12768024" y="4137652"/>
+                </a:lnTo>
+                <a:lnTo>
+                  <a:pt x="12369648" y="3340900"/>
+                </a:lnTo>
+                <a:lnTo>
+                  <a:pt x="12768024" y="2544148"/>
+                </a:lnTo>
+                <a:close/>
+                <a:moveTo>
+                  <a:pt x="8131286" y="1747396"/>
+                </a:moveTo>
+                <a:lnTo>
+                  <a:pt x="9182999" y="1747396"/>
+                </a:lnTo>
+                <a:lnTo>
+                  <a:pt x="9581375" y="2544148"/>
+                </a:lnTo>
+                <a:lnTo>
+                  <a:pt x="9182999" y="3340900"/>
+                </a:lnTo>
+                <a:lnTo>
+                  <a:pt x="8131286" y="3340900"/>
+                </a:lnTo>
+                <a:lnTo>
+                  <a:pt x="7732910" y="2544148"/>
+                </a:lnTo>
+                <a:close/>
+                <a:moveTo>
+                  <a:pt x="5038875" y="1747396"/>
+                </a:moveTo>
+                <a:lnTo>
+                  <a:pt x="6090587" y="1747396"/>
+                </a:lnTo>
+                <a:lnTo>
+                  <a:pt x="6488963" y="2544148"/>
+                </a:lnTo>
+                <a:lnTo>
+                  <a:pt x="6090587" y="3340900"/>
+                </a:lnTo>
+                <a:lnTo>
+                  <a:pt x="5038875" y="3340900"/>
+                </a:lnTo>
+                <a:lnTo>
+                  <a:pt x="4640499" y="2544148"/>
+                </a:lnTo>
+                <a:close/>
+                <a:moveTo>
+                  <a:pt x="1946462" y="1747396"/>
+                </a:moveTo>
+                <a:lnTo>
+                  <a:pt x="2998175" y="1747396"/>
+                </a:lnTo>
+                <a:lnTo>
+                  <a:pt x="3396552" y="2544148"/>
+                </a:lnTo>
+                <a:lnTo>
+                  <a:pt x="2998175" y="3340900"/>
+                </a:lnTo>
+                <a:lnTo>
+                  <a:pt x="1946462" y="3340900"/>
+                </a:lnTo>
+                <a:lnTo>
+                  <a:pt x="1548086" y="2544148"/>
+                </a:lnTo>
+                <a:close/>
+                <a:moveTo>
+                  <a:pt x="11223698" y="1724843"/>
+                </a:moveTo>
+                <a:lnTo>
+                  <a:pt x="12275411" y="1724843"/>
+                </a:lnTo>
+                <a:lnTo>
+                  <a:pt x="12673787" y="2521595"/>
+                </a:lnTo>
+                <a:lnTo>
+                  <a:pt x="12275411" y="3318347"/>
+                </a:lnTo>
+                <a:lnTo>
+                  <a:pt x="11223698" y="3318347"/>
+                </a:lnTo>
+                <a:lnTo>
+                  <a:pt x="10825322" y="2521595"/>
+                </a:lnTo>
+                <a:close/>
+                <a:moveTo>
+                  <a:pt x="6583200" y="884974"/>
+                </a:moveTo>
+                <a:lnTo>
+                  <a:pt x="7634913" y="884974"/>
+                </a:lnTo>
+                <a:lnTo>
+                  <a:pt x="8033289" y="1681726"/>
+                </a:lnTo>
+                <a:lnTo>
+                  <a:pt x="7634913" y="2478478"/>
+                </a:lnTo>
+                <a:lnTo>
+                  <a:pt x="6583200" y="2478478"/>
+                </a:lnTo>
+                <a:lnTo>
+                  <a:pt x="6184827" y="1681726"/>
+                </a:lnTo>
+                <a:close/>
+                <a:moveTo>
+                  <a:pt x="3490791" y="884974"/>
+                </a:moveTo>
+                <a:lnTo>
+                  <a:pt x="4542503" y="884974"/>
+                </a:lnTo>
+                <a:lnTo>
+                  <a:pt x="4940880" y="1681726"/>
+                </a:lnTo>
+                <a:lnTo>
+                  <a:pt x="4542503" y="2478478"/>
+                </a:lnTo>
+                <a:lnTo>
+                  <a:pt x="3490791" y="2478478"/>
+                </a:lnTo>
+                <a:lnTo>
+                  <a:pt x="3092415" y="1681726"/>
+                </a:lnTo>
+                <a:close/>
+                <a:moveTo>
+                  <a:pt x="398378" y="884974"/>
+                </a:moveTo>
+                <a:lnTo>
+                  <a:pt x="1450091" y="884974"/>
+                </a:lnTo>
+                <a:lnTo>
+                  <a:pt x="1848467" y="1681726"/>
+                </a:lnTo>
+                <a:lnTo>
+                  <a:pt x="1450091" y="2478478"/>
+                </a:lnTo>
+                <a:lnTo>
+                  <a:pt x="398378" y="2478478"/>
+                </a:lnTo>
+                <a:lnTo>
+                  <a:pt x="2" y="1681726"/>
+                </a:lnTo>
+                <a:close/>
+                <a:moveTo>
+                  <a:pt x="9675612" y="862421"/>
+                </a:moveTo>
+                <a:lnTo>
+                  <a:pt x="10727325" y="862421"/>
+                </a:lnTo>
+                <a:lnTo>
+                  <a:pt x="11125701" y="1659173"/>
+                </a:lnTo>
+                <a:lnTo>
+                  <a:pt x="10727325" y="2455925"/>
+                </a:lnTo>
+                <a:lnTo>
+                  <a:pt x="9675612" y="2455925"/>
+                </a:lnTo>
+                <a:lnTo>
+                  <a:pt x="9277236" y="1659173"/>
+                </a:lnTo>
+                <a:close/>
+                <a:moveTo>
+                  <a:pt x="12768024" y="847989"/>
+                </a:moveTo>
+                <a:lnTo>
+                  <a:pt x="12773257" y="858149"/>
+                </a:lnTo>
+                <a:cubicBezTo>
+                  <a:pt x="12770582" y="1127120"/>
+                  <a:pt x="12767908" y="1396090"/>
+                  <a:pt x="12765233" y="1665061"/>
+                </a:cubicBezTo>
+                <a:lnTo>
+                  <a:pt x="12763097" y="2411013"/>
+                </a:lnTo>
+                <a:lnTo>
+                  <a:pt x="12768024" y="2441493"/>
+                </a:lnTo>
+                <a:lnTo>
+                  <a:pt x="12369648" y="1644741"/>
+                </a:lnTo>
+                <a:close/>
+                <a:moveTo>
+                  <a:pt x="1946464" y="19268"/>
+                </a:moveTo>
+                <a:lnTo>
+                  <a:pt x="2998178" y="19268"/>
+                </a:lnTo>
+                <a:lnTo>
+                  <a:pt x="3396553" y="816020"/>
+                </a:lnTo>
+                <a:lnTo>
+                  <a:pt x="2998178" y="1612772"/>
+                </a:lnTo>
+                <a:lnTo>
+                  <a:pt x="1946464" y="1612772"/>
+                </a:lnTo>
+                <a:lnTo>
+                  <a:pt x="1548088" y="816020"/>
+                </a:lnTo>
+                <a:close/>
+                <a:moveTo>
+                  <a:pt x="11223698" y="0"/>
+                </a:moveTo>
+                <a:lnTo>
+                  <a:pt x="12275411" y="0"/>
+                </a:lnTo>
+                <a:lnTo>
+                  <a:pt x="12673787" y="796752"/>
+                </a:lnTo>
+                <a:lnTo>
+                  <a:pt x="12275411" y="1593504"/>
+                </a:lnTo>
+                <a:lnTo>
+                  <a:pt x="11223698" y="1593504"/>
+                </a:lnTo>
+                <a:lnTo>
+                  <a:pt x="10825322" y="796752"/>
+                </a:lnTo>
+                <a:close/>
+              </a:path>
+            </a:pathLst>
+          </a:custGeom>
+          <a:blipFill dpi="0" rotWithShape="1">
+            <a:blip r:embed="rId2">
+              <a:extLst>
+                <a:ext uri="{28A0092B-C50C-407E-A947-70E740481C1C}">
+                  <a14:useLocalDpi xmlns:a14="http://schemas.microsoft.com/office/drawing/2010/main" val="0"/>
+                </a:ext>
+              </a:extLst>
+            </a:blip>
+            <a:srcRect/>
+            <a:stretch>
+              <a:fillRect/>
+            </a:stretch>
+          </a:blipFill>
+          <a:ln>
+            <a:noFill/>
+          </a:ln>
+        </p:spPr>
+        <p:style>
+          <a:lnRef idx="2">
+            <a:schemeClr val="accent1">
+              <a:shade val="15000"/>
+            </a:schemeClr>
+          </a:lnRef>
+          <a:fillRef idx="1">
+            <a:schemeClr val="accent1"/>
+          </a:fillRef>
+          <a:effectRef idx="0">
+            <a:schemeClr val="accent1"/>
+          </a:effectRef>
+          <a:fontRef idx="minor">
+            <a:schemeClr val="lt1"/>
+          </a:fontRef>
+        </p:style>
+        <p:txBody>
+          <a:bodyPr wrap="square" rtlCol="0" anchor="ctr">
+            <a:noAutofit/>
+          </a:bodyPr>
+          <a:lstStyle/>
+          <a:p>
+            <a:pPr algn="ctr"/>
+            <a:endParaRPr lang="da-DK"/>
+          </a:p>
+        </p:txBody>
+      </p:sp>
+      <p:sp>
+        <p:nvSpPr>
           <p:cNvPr id="2" name="Titel 1">
             <a:extLst>
               <a:ext uri="{FF2B5EF4-FFF2-40B4-BE49-F238E27FC236}">
@@ -3387,6 +4264,58 @@
               <a:rPr lang="da-DK" dirty="0"/>
               <a:t>, Gro &amp; Luca</a:t>
             </a:r>
+          </a:p>
+        </p:txBody>
+      </p:sp>
+      <p:sp>
+        <p:nvSpPr>
+          <p:cNvPr id="11" name="Rektangel 10">
+            <a:extLst>
+              <a:ext uri="{FF2B5EF4-FFF2-40B4-BE49-F238E27FC236}">
+                <a16:creationId xmlns:a16="http://schemas.microsoft.com/office/drawing/2014/main" id="{C39C41FA-2579-23A3-7F28-1221AFCAFC88}"/>
+              </a:ext>
+            </a:extLst>
+          </p:cNvPr>
+          <p:cNvSpPr/>
+          <p:nvPr/>
+        </p:nvSpPr>
+        <p:spPr>
+          <a:xfrm>
+            <a:off x="4622800" y="3429000"/>
+            <a:ext cx="3002280" cy="45719"/>
+          </a:xfrm>
+          <a:prstGeom prst="rect">
+            <a:avLst/>
+          </a:prstGeom>
+          <a:solidFill>
+            <a:srgbClr val="3C5D4D"/>
+          </a:solidFill>
+          <a:ln>
+            <a:noFill/>
+          </a:ln>
+        </p:spPr>
+        <p:style>
+          <a:lnRef idx="2">
+            <a:schemeClr val="accent1">
+              <a:shade val="15000"/>
+            </a:schemeClr>
+          </a:lnRef>
+          <a:fillRef idx="1">
+            <a:schemeClr val="accent1"/>
+          </a:fillRef>
+          <a:effectRef idx="0">
+            <a:schemeClr val="accent1"/>
+          </a:effectRef>
+          <a:fontRef idx="minor">
+            <a:schemeClr val="lt1"/>
+          </a:fontRef>
+        </p:style>
+        <p:txBody>
+          <a:bodyPr rtlCol="0" anchor="ctr"/>
+          <a:lstStyle/>
+          <a:p>
+            <a:pPr algn="ctr"/>
+            <a:endParaRPr lang="da-DK"/>
           </a:p>
         </p:txBody>
       </p:sp>
@@ -3570,7 +4499,7 @@
           <p:nvPr/>
         </p:nvPicPr>
         <p:blipFill>
-          <a:blip r:embed="rId2">
+          <a:blip r:embed="rId3">
             <a:extLst>
               <a:ext uri="{28A0092B-C50C-407E-A947-70E740481C1C}">
                 <a14:useLocalDpi xmlns:a14="http://schemas.microsoft.com/office/drawing/2010/main" val="0"/>
@@ -3593,10 +4522,81 @@
       </p:pic>
       <p:sp>
         <p:nvSpPr>
-          <p:cNvPr id="11" name="Rektangel 10">
-            <a:extLst>
-              <a:ext uri="{FF2B5EF4-FFF2-40B4-BE49-F238E27FC236}">
-                <a16:creationId xmlns:a16="http://schemas.microsoft.com/office/drawing/2014/main" id="{C39C41FA-2579-23A3-7F28-1221AFCAFC88}"/>
+          <p:cNvPr id="9" name="Tekstfelt 8">
+            <a:extLst>
+              <a:ext uri="{FF2B5EF4-FFF2-40B4-BE49-F238E27FC236}">
+                <a16:creationId xmlns:a16="http://schemas.microsoft.com/office/drawing/2014/main" id="{DFED0775-96D9-9DB2-F62F-27CF18023DA8}"/>
+              </a:ext>
+            </a:extLst>
+          </p:cNvPr>
+          <p:cNvSpPr txBox="1"/>
+          <p:nvPr/>
+        </p:nvSpPr>
+        <p:spPr>
+          <a:xfrm>
+            <a:off x="12192007" y="415102"/>
+            <a:ext cx="2448725" cy="461665"/>
+          </a:xfrm>
+          <a:prstGeom prst="rect">
+            <a:avLst/>
+          </a:prstGeom>
+          <a:noFill/>
+        </p:spPr>
+        <p:txBody>
+          <a:bodyPr wrap="square" rtlCol="0">
+            <a:spAutoFit/>
+          </a:bodyPr>
+          <a:lstStyle/>
+          <a:p>
+            <a:pPr algn="r"/>
+            <a:r>
+              <a:rPr lang="da-DK" sz="2400" b="1" dirty="0">
+                <a:solidFill>
+                  <a:schemeClr val="bg1"/>
+                </a:solidFill>
+                <a:latin typeface="Arial" panose="020B0604020202020204" pitchFamily="34" charset="0"/>
+                <a:cs typeface="Arial" panose="020B0604020202020204" pitchFamily="34" charset="0"/>
+              </a:rPr>
+              <a:t>P</a:t>
+            </a:r>
+            <a:r>
+              <a:rPr lang="da-DK" sz="2400" b="1" i="0" u="none" strike="noStrike" dirty="0">
+                <a:solidFill>
+                  <a:schemeClr val="bg1"/>
+                </a:solidFill>
+                <a:effectLst/>
+                <a:latin typeface="Arial" panose="020B0604020202020204" pitchFamily="34" charset="0"/>
+                <a:cs typeface="Arial" panose="020B0604020202020204" pitchFamily="34" charset="0"/>
+              </a:rPr>
+              <a:t>rioriteringer</a:t>
+            </a:r>
+            <a:r>
+              <a:rPr lang="da-DK" sz="2400" i="0" u="none" strike="noStrike" dirty="0">
+                <a:solidFill>
+                  <a:schemeClr val="bg1"/>
+                </a:solidFill>
+                <a:effectLst/>
+                <a:latin typeface="Arial" panose="020B0604020202020204" pitchFamily="34" charset="0"/>
+                <a:cs typeface="Arial" panose="020B0604020202020204" pitchFamily="34" charset="0"/>
+              </a:rPr>
+              <a:t> </a:t>
+            </a:r>
+            <a:endParaRPr lang="da-DK" sz="2400" dirty="0">
+              <a:solidFill>
+                <a:schemeClr val="bg1"/>
+              </a:solidFill>
+              <a:latin typeface="Arial" panose="020B0604020202020204" pitchFamily="34" charset="0"/>
+              <a:cs typeface="Arial" panose="020B0604020202020204" pitchFamily="34" charset="0"/>
+            </a:endParaRPr>
+          </a:p>
+        </p:txBody>
+      </p:sp>
+      <p:sp>
+        <p:nvSpPr>
+          <p:cNvPr id="54" name="Rektangel 53">
+            <a:extLst>
+              <a:ext uri="{FF2B5EF4-FFF2-40B4-BE49-F238E27FC236}">
+                <a16:creationId xmlns:a16="http://schemas.microsoft.com/office/drawing/2014/main" id="{1F3894AF-B2C3-0AC2-3409-8447EB53B448}"/>
               </a:ext>
             </a:extLst>
           </p:cNvPr>
@@ -3605,14 +4605,14 @@
         </p:nvSpPr>
         <p:spPr>
           <a:xfrm>
-            <a:off x="4622800" y="3429000"/>
-            <a:ext cx="3002280" cy="45719"/>
+            <a:off x="0" y="7620317"/>
+            <a:ext cx="12192000" cy="4695061"/>
           </a:xfrm>
           <a:prstGeom prst="rect">
             <a:avLst/>
           </a:prstGeom>
           <a:solidFill>
-            <a:srgbClr val="3C5D4D"/>
+            <a:srgbClr val="FFEAEE"/>
           </a:solidFill>
           <a:ln>
             <a:noFill/>
@@ -3643,6 +4643,199 @@
           </a:p>
         </p:txBody>
       </p:sp>
+      <p:sp>
+        <p:nvSpPr>
+          <p:cNvPr id="58" name="Tekstfelt 57">
+            <a:extLst>
+              <a:ext uri="{FF2B5EF4-FFF2-40B4-BE49-F238E27FC236}">
+                <a16:creationId xmlns:a16="http://schemas.microsoft.com/office/drawing/2014/main" id="{E89E358C-14B8-F487-8841-090E4847CBD1}"/>
+              </a:ext>
+            </a:extLst>
+          </p:cNvPr>
+          <p:cNvSpPr txBox="1"/>
+          <p:nvPr/>
+        </p:nvSpPr>
+        <p:spPr>
+          <a:xfrm>
+            <a:off x="8190272" y="8626128"/>
+            <a:ext cx="2861187" cy="1200329"/>
+          </a:xfrm>
+          <a:prstGeom prst="rect">
+            <a:avLst/>
+          </a:prstGeom>
+          <a:noFill/>
+        </p:spPr>
+        <p:txBody>
+          <a:bodyPr wrap="square" rtlCol="0">
+            <a:spAutoFit/>
+          </a:bodyPr>
+          <a:lstStyle/>
+          <a:p>
+            <a:r>
+              <a:rPr lang="da-DK" b="1" dirty="0">
+                <a:solidFill>
+                  <a:srgbClr val="000000"/>
+                </a:solidFill>
+                <a:latin typeface="Arial" panose="020B0604020202020204" pitchFamily="34" charset="0"/>
+              </a:rPr>
+              <a:t>Valgte funktioner</a:t>
+            </a:r>
+            <a:br>
+              <a:rPr lang="da-DK" dirty="0">
+                <a:solidFill>
+                  <a:srgbClr val="000000"/>
+                </a:solidFill>
+                <a:latin typeface="Arial" panose="020B0604020202020204" pitchFamily="34" charset="0"/>
+              </a:rPr>
+            </a:br>
+            <a:r>
+              <a:rPr lang="da-DK" dirty="0">
+                <a:solidFill>
+                  <a:srgbClr val="000000"/>
+                </a:solidFill>
+                <a:latin typeface="Arial" panose="020B0604020202020204" pitchFamily="34" charset="0"/>
+              </a:rPr>
+              <a:t>- Karakter ark</a:t>
+            </a:r>
+          </a:p>
+          <a:p>
+            <a:r>
+              <a:rPr lang="da-DK" dirty="0">
+                <a:solidFill>
+                  <a:srgbClr val="000000"/>
+                </a:solidFill>
+                <a:latin typeface="Arial" panose="020B0604020202020204" pitchFamily="34" charset="0"/>
+              </a:rPr>
+              <a:t>- Terninger</a:t>
+            </a:r>
+            <a:br>
+              <a:rPr lang="da-DK" dirty="0">
+                <a:solidFill>
+                  <a:srgbClr val="000000"/>
+                </a:solidFill>
+                <a:latin typeface="Arial" panose="020B0604020202020204" pitchFamily="34" charset="0"/>
+              </a:rPr>
+            </a:br>
+            <a:r>
+              <a:rPr lang="da-DK" dirty="0">
+                <a:solidFill>
+                  <a:srgbClr val="000000"/>
+                </a:solidFill>
+                <a:latin typeface="Arial" panose="020B0604020202020204" pitchFamily="34" charset="0"/>
+              </a:rPr>
+              <a:t>- Mobile-</a:t>
+            </a:r>
+            <a:r>
+              <a:rPr lang="da-DK" dirty="0" err="1">
+                <a:solidFill>
+                  <a:srgbClr val="000000"/>
+                </a:solidFill>
+                <a:latin typeface="Arial" panose="020B0604020202020204" pitchFamily="34" charset="0"/>
+              </a:rPr>
+              <a:t>first</a:t>
+            </a:r>
+            <a:r>
+              <a:rPr lang="da-DK" dirty="0">
+                <a:solidFill>
+                  <a:srgbClr val="000000"/>
+                </a:solidFill>
+                <a:latin typeface="Arial" panose="020B0604020202020204" pitchFamily="34" charset="0"/>
+              </a:rPr>
+              <a:t> </a:t>
+            </a:r>
+            <a:r>
+              <a:rPr lang="da-DK" dirty="0" err="1">
+                <a:solidFill>
+                  <a:srgbClr val="000000"/>
+                </a:solidFill>
+                <a:latin typeface="Arial" panose="020B0604020202020204" pitchFamily="34" charset="0"/>
+              </a:rPr>
+              <a:t>responsiv</a:t>
+            </a:r>
+            <a:r>
+              <a:rPr lang="da-DK" dirty="0">
+                <a:solidFill>
+                  <a:srgbClr val="000000"/>
+                </a:solidFill>
+                <a:latin typeface="Arial" panose="020B0604020202020204" pitchFamily="34" charset="0"/>
+              </a:rPr>
+              <a:t> </a:t>
+            </a:r>
+          </a:p>
+        </p:txBody>
+      </p:sp>
+      <p:pic>
+        <p:nvPicPr>
+          <p:cNvPr id="59" name="Billede 58" descr="Et billede, der indeholder tekst, tegning, illustration/afbildning&#10;&#10;Automatisk genereret beskrivelse">
+            <a:extLst>
+              <a:ext uri="{FF2B5EF4-FFF2-40B4-BE49-F238E27FC236}">
+                <a16:creationId xmlns:a16="http://schemas.microsoft.com/office/drawing/2014/main" id="{9619D3EA-0127-E072-A8EC-908C63AC427D}"/>
+              </a:ext>
+            </a:extLst>
+          </p:cNvPr>
+          <p:cNvPicPr>
+            <a:picLocks noChangeAspect="1"/>
+          </p:cNvPicPr>
+          <p:nvPr/>
+        </p:nvPicPr>
+        <p:blipFill>
+          <a:blip r:embed="rId4">
+            <a:extLst>
+              <a:ext uri="{28A0092B-C50C-407E-A947-70E740481C1C}">
+                <a14:useLocalDpi xmlns:a14="http://schemas.microsoft.com/office/drawing/2010/main" val="0"/>
+              </a:ext>
+            </a:extLst>
+          </a:blip>
+          <a:stretch>
+            <a:fillRect/>
+          </a:stretch>
+        </p:blipFill>
+        <p:spPr>
+          <a:xfrm>
+            <a:off x="1189702" y="7881885"/>
+            <a:ext cx="4695061" cy="4695061"/>
+          </a:xfrm>
+          <a:prstGeom prst="rect">
+            <a:avLst/>
+          </a:prstGeom>
+        </p:spPr>
+      </p:pic>
+      <p:pic>
+        <p:nvPicPr>
+          <p:cNvPr id="60" name="Billede 59" descr="Et billede, der indeholder Symmetri, kunst, trekant&#10;&#10;Automatisk genereret beskrivelse">
+            <a:extLst>
+              <a:ext uri="{FF2B5EF4-FFF2-40B4-BE49-F238E27FC236}">
+                <a16:creationId xmlns:a16="http://schemas.microsoft.com/office/drawing/2014/main" id="{7D343740-A42C-8488-D751-EA16038B7E04}"/>
+              </a:ext>
+            </a:extLst>
+          </p:cNvPr>
+          <p:cNvPicPr>
+            <a:picLocks noChangeAspect="1"/>
+          </p:cNvPicPr>
+          <p:nvPr/>
+        </p:nvPicPr>
+        <p:blipFill>
+          <a:blip r:embed="rId5">
+            <a:extLst>
+              <a:ext uri="{28A0092B-C50C-407E-A947-70E740481C1C}">
+                <a14:useLocalDpi xmlns:a14="http://schemas.microsoft.com/office/drawing/2010/main" val="0"/>
+              </a:ext>
+            </a:extLst>
+          </a:blip>
+          <a:stretch>
+            <a:fillRect/>
+          </a:stretch>
+        </p:blipFill>
+        <p:spPr>
+          <a:xfrm>
+            <a:off x="7479276" y="10376766"/>
+            <a:ext cx="1812208" cy="1812208"/>
+          </a:xfrm>
+          <a:prstGeom prst="rect">
+            <a:avLst/>
+          </a:prstGeom>
+        </p:spPr>
+      </p:pic>
     </p:spTree>
     <p:extLst>
       <p:ext uri="{BB962C8B-B14F-4D97-AF65-F5344CB8AC3E}">
@@ -3653,13 +4846,1183 @@
   <p:clrMapOvr>
     <a:masterClrMapping/>
   </p:clrMapOvr>
-  <mc:AlternateContent xmlns:mc="http://schemas.openxmlformats.org/markup-compatibility/2006">
-    <mc:Choice xmlns:p159="http://schemas.microsoft.com/office/powerpoint/2015/09/main" Requires="p159">
-      <p:transition xmlns:p14="http://schemas.microsoft.com/office/powerpoint/2010/main" spd="slow" p14:dur="2000">
+  <mc:AlternateContent xmlns:mc="http://schemas.openxmlformats.org/markup-compatibility/2006" xmlns:p159="http://schemas.microsoft.com/office/powerpoint/2015/09/main">
+    <mc:Choice Requires="p159">
+      <p:transition spd="slow">
         <p159:morph option="byObject"/>
       </p:transition>
     </mc:Choice>
-    <mc:Fallback>
+    <mc:Fallback xmlns="">
+      <p:transition spd="slow">
+        <p:fade/>
+      </p:transition>
+    </mc:Fallback>
+  </mc:AlternateContent>
+  <p:timing>
+    <p:tnLst>
+      <p:par>
+        <p:cTn id="1" dur="indefinite" restart="never" nodeType="tmRoot">
+          <p:childTnLst>
+            <p:seq concurrent="1" nextAc="seek">
+              <p:cTn id="2" dur="indefinite" nodeType="mainSeq">
+                <p:childTnLst>
+                  <p:par>
+                    <p:cTn id="3" fill="hold">
+                      <p:stCondLst>
+                        <p:cond delay="indefinite"/>
+                        <p:cond evt="onBegin" delay="0">
+                          <p:tn val="2"/>
+                        </p:cond>
+                      </p:stCondLst>
+                      <p:childTnLst>
+                        <p:par>
+                          <p:cTn id="4" fill="hold">
+                            <p:stCondLst>
+                              <p:cond delay="0"/>
+                            </p:stCondLst>
+                            <p:childTnLst>
+                              <p:par>
+                                <p:cTn id="5" presetID="8" presetClass="emph" presetSubtype="0" repeatCount="indefinite" fill="hold" nodeType="withEffect">
+                                  <p:stCondLst>
+                                    <p:cond delay="0"/>
+                                  </p:stCondLst>
+                                  <p:childTnLst>
+                                    <p:animRot by="21600000">
+                                      <p:cBhvr>
+                                        <p:cTn id="6" dur="2000" fill="hold"/>
+                                        <p:tgtEl>
+                                          <p:spTgt spid="60"/>
+                                        </p:tgtEl>
+                                        <p:attrNameLst>
+                                          <p:attrName>r</p:attrName>
+                                        </p:attrNameLst>
+                                      </p:cBhvr>
+                                    </p:animRot>
+                                  </p:childTnLst>
+                                </p:cTn>
+                              </p:par>
+                            </p:childTnLst>
+                          </p:cTn>
+                        </p:par>
+                      </p:childTnLst>
+                    </p:cTn>
+                  </p:par>
+                </p:childTnLst>
+              </p:cTn>
+              <p:prevCondLst>
+                <p:cond evt="onPrev" delay="0">
+                  <p:tgtEl>
+                    <p:sldTgt/>
+                  </p:tgtEl>
+                </p:cond>
+              </p:prevCondLst>
+              <p:nextCondLst>
+                <p:cond evt="onNext" delay="0">
+                  <p:tgtEl>
+                    <p:sldTgt/>
+                  </p:tgtEl>
+                </p:cond>
+              </p:nextCondLst>
+            </p:seq>
+          </p:childTnLst>
+        </p:cTn>
+      </p:par>
+    </p:tnLst>
+  </p:timing>
+</p:sld>
+</file>
+
+<file path=ppt/slides/slide10.xml><?xml version="1.0" encoding="utf-8"?>
+<p:sld xmlns:a="http://schemas.openxmlformats.org/drawingml/2006/main" xmlns:r="http://schemas.openxmlformats.org/officeDocument/2006/relationships" xmlns:p="http://schemas.openxmlformats.org/presentationml/2006/main">
+  <p:cSld>
+    <p:spTree>
+      <p:nvGrpSpPr>
+        <p:cNvPr id="1" name=""/>
+        <p:cNvGrpSpPr/>
+        <p:nvPr/>
+      </p:nvGrpSpPr>
+      <p:grpSpPr>
+        <a:xfrm>
+          <a:off x="0" y="0"/>
+          <a:ext cx="0" cy="0"/>
+          <a:chOff x="0" y="0"/>
+          <a:chExt cx="0" cy="0"/>
+        </a:xfrm>
+      </p:grpSpPr>
+      <p:sp>
+        <p:nvSpPr>
+          <p:cNvPr id="4" name="Rektangel 3">
+            <a:extLst>
+              <a:ext uri="{FF2B5EF4-FFF2-40B4-BE49-F238E27FC236}">
+                <a16:creationId xmlns:a16="http://schemas.microsoft.com/office/drawing/2014/main" id="{15614B7A-38D6-DAB1-14B3-9E39F0F268AD}"/>
+              </a:ext>
+            </a:extLst>
+          </p:cNvPr>
+          <p:cNvSpPr/>
+          <p:nvPr/>
+        </p:nvSpPr>
+        <p:spPr>
+          <a:xfrm>
+            <a:off x="1" y="0"/>
+            <a:ext cx="12192000" cy="1199536"/>
+          </a:xfrm>
+          <a:prstGeom prst="rect">
+            <a:avLst/>
+          </a:prstGeom>
+          <a:solidFill>
+            <a:srgbClr val="53806A"/>
+          </a:solidFill>
+          <a:ln>
+            <a:noFill/>
+          </a:ln>
+        </p:spPr>
+        <p:style>
+          <a:lnRef idx="2">
+            <a:schemeClr val="accent1">
+              <a:shade val="15000"/>
+            </a:schemeClr>
+          </a:lnRef>
+          <a:fillRef idx="1">
+            <a:schemeClr val="accent1"/>
+          </a:fillRef>
+          <a:effectRef idx="0">
+            <a:schemeClr val="accent1"/>
+          </a:effectRef>
+          <a:fontRef idx="minor">
+            <a:schemeClr val="lt1"/>
+          </a:fontRef>
+        </p:style>
+        <p:txBody>
+          <a:bodyPr rtlCol="0" anchor="ctr"/>
+          <a:lstStyle/>
+          <a:p>
+            <a:pPr algn="ctr"/>
+            <a:endParaRPr lang="da-DK"/>
+          </a:p>
+        </p:txBody>
+      </p:sp>
+      <p:sp>
+        <p:nvSpPr>
+          <p:cNvPr id="5" name="Rektangel 4">
+            <a:extLst>
+              <a:ext uri="{FF2B5EF4-FFF2-40B4-BE49-F238E27FC236}">
+                <a16:creationId xmlns:a16="http://schemas.microsoft.com/office/drawing/2014/main" id="{622AF568-0B1A-E2F3-FBCD-91371B1B05CC}"/>
+              </a:ext>
+            </a:extLst>
+          </p:cNvPr>
+          <p:cNvSpPr/>
+          <p:nvPr/>
+        </p:nvSpPr>
+        <p:spPr>
+          <a:xfrm>
+            <a:off x="0" y="1199536"/>
+            <a:ext cx="12192000" cy="153162"/>
+          </a:xfrm>
+          <a:prstGeom prst="rect">
+            <a:avLst/>
+          </a:prstGeom>
+          <a:solidFill>
+            <a:srgbClr val="3C5D4D"/>
+          </a:solidFill>
+          <a:ln>
+            <a:noFill/>
+          </a:ln>
+        </p:spPr>
+        <p:style>
+          <a:lnRef idx="2">
+            <a:schemeClr val="accent1">
+              <a:shade val="15000"/>
+            </a:schemeClr>
+          </a:lnRef>
+          <a:fillRef idx="1">
+            <a:schemeClr val="accent1"/>
+          </a:fillRef>
+          <a:effectRef idx="0">
+            <a:schemeClr val="accent1"/>
+          </a:effectRef>
+          <a:fontRef idx="minor">
+            <a:schemeClr val="lt1"/>
+          </a:fontRef>
+        </p:style>
+        <p:txBody>
+          <a:bodyPr rtlCol="0" anchor="ctr"/>
+          <a:lstStyle/>
+          <a:p>
+            <a:pPr algn="ctr"/>
+            <a:endParaRPr lang="da-DK"/>
+          </a:p>
+        </p:txBody>
+      </p:sp>
+      <p:sp>
+        <p:nvSpPr>
+          <p:cNvPr id="6" name="Rektangel 5">
+            <a:extLst>
+              <a:ext uri="{FF2B5EF4-FFF2-40B4-BE49-F238E27FC236}">
+                <a16:creationId xmlns:a16="http://schemas.microsoft.com/office/drawing/2014/main" id="{B693ECBA-3E2C-49F0-DCE8-AF71440713A9}"/>
+              </a:ext>
+            </a:extLst>
+          </p:cNvPr>
+          <p:cNvSpPr/>
+          <p:nvPr/>
+        </p:nvSpPr>
+        <p:spPr>
+          <a:xfrm>
+            <a:off x="-1" y="1199535"/>
+            <a:ext cx="285136" cy="171979"/>
+          </a:xfrm>
+          <a:prstGeom prst="rect">
+            <a:avLst/>
+          </a:prstGeom>
+          <a:gradFill flip="none" rotWithShape="1">
+            <a:gsLst>
+              <a:gs pos="0">
+                <a:srgbClr val="A1D3FF"/>
+              </a:gs>
+              <a:gs pos="100000">
+                <a:srgbClr val="A6FFD4"/>
+              </a:gs>
+            </a:gsLst>
+            <a:lin ang="0" scaled="1"/>
+            <a:tileRect/>
+          </a:gradFill>
+          <a:ln>
+            <a:noFill/>
+          </a:ln>
+        </p:spPr>
+        <p:style>
+          <a:lnRef idx="2">
+            <a:schemeClr val="accent1">
+              <a:shade val="15000"/>
+            </a:schemeClr>
+          </a:lnRef>
+          <a:fillRef idx="1">
+            <a:schemeClr val="accent1"/>
+          </a:fillRef>
+          <a:effectRef idx="0">
+            <a:schemeClr val="accent1"/>
+          </a:effectRef>
+          <a:fontRef idx="minor">
+            <a:schemeClr val="lt1"/>
+          </a:fontRef>
+        </p:style>
+        <p:txBody>
+          <a:bodyPr rtlCol="0" anchor="ctr"/>
+          <a:lstStyle/>
+          <a:p>
+            <a:pPr algn="ctr"/>
+            <a:endParaRPr lang="da-DK"/>
+          </a:p>
+        </p:txBody>
+      </p:sp>
+      <p:pic>
+        <p:nvPicPr>
+          <p:cNvPr id="10" name="Billede 9" descr="Et billede, der indeholder tekst, Font/skrifttype, Grafik, logo&#10;&#10;Automatisk genereret beskrivelse">
+            <a:extLst>
+              <a:ext uri="{FF2B5EF4-FFF2-40B4-BE49-F238E27FC236}">
+                <a16:creationId xmlns:a16="http://schemas.microsoft.com/office/drawing/2014/main" id="{F7CEECE9-D736-B387-B8AE-1C1E69832D84}"/>
+              </a:ext>
+            </a:extLst>
+          </p:cNvPr>
+          <p:cNvPicPr>
+            <a:picLocks noChangeAspect="1"/>
+          </p:cNvPicPr>
+          <p:nvPr/>
+        </p:nvPicPr>
+        <p:blipFill>
+          <a:blip r:embed="rId2">
+            <a:extLst>
+              <a:ext uri="{28A0092B-C50C-407E-A947-70E740481C1C}">
+                <a14:useLocalDpi xmlns:a14="http://schemas.microsoft.com/office/drawing/2010/main" val="0"/>
+              </a:ext>
+            </a:extLst>
+          </a:blip>
+          <a:stretch>
+            <a:fillRect/>
+          </a:stretch>
+        </p:blipFill>
+        <p:spPr>
+          <a:xfrm>
+            <a:off x="412462" y="153162"/>
+            <a:ext cx="1554480" cy="874395"/>
+          </a:xfrm>
+          <a:prstGeom prst="rect">
+            <a:avLst/>
+          </a:prstGeom>
+        </p:spPr>
+      </p:pic>
+      <p:sp>
+        <p:nvSpPr>
+          <p:cNvPr id="7" name="Tekstfelt 6">
+            <a:extLst>
+              <a:ext uri="{FF2B5EF4-FFF2-40B4-BE49-F238E27FC236}">
+                <a16:creationId xmlns:a16="http://schemas.microsoft.com/office/drawing/2014/main" id="{56473B69-1AE1-CF54-B73F-5AD3FAAFA676}"/>
+              </a:ext>
+            </a:extLst>
+          </p:cNvPr>
+          <p:cNvSpPr txBox="1"/>
+          <p:nvPr/>
+        </p:nvSpPr>
+        <p:spPr>
+          <a:xfrm>
+            <a:off x="9330813" y="415102"/>
+            <a:ext cx="2448725" cy="461665"/>
+          </a:xfrm>
+          <a:prstGeom prst="rect">
+            <a:avLst/>
+          </a:prstGeom>
+          <a:noFill/>
+        </p:spPr>
+        <p:txBody>
+          <a:bodyPr wrap="square" rtlCol="0">
+            <a:spAutoFit/>
+          </a:bodyPr>
+          <a:lstStyle/>
+          <a:p>
+            <a:pPr algn="r"/>
+            <a:r>
+              <a:rPr lang="da-DK" sz="2400" b="1" dirty="0">
+                <a:solidFill>
+                  <a:schemeClr val="bg1"/>
+                </a:solidFill>
+                <a:latin typeface="Arial" panose="020B0604020202020204" pitchFamily="34" charset="0"/>
+                <a:cs typeface="Arial" panose="020B0604020202020204" pitchFamily="34" charset="0"/>
+              </a:rPr>
+              <a:t>Wireframes</a:t>
+            </a:r>
+          </a:p>
+        </p:txBody>
+      </p:sp>
+      <p:sp>
+        <p:nvSpPr>
+          <p:cNvPr id="3" name="Tekstfelt 2">
+            <a:extLst>
+              <a:ext uri="{FF2B5EF4-FFF2-40B4-BE49-F238E27FC236}">
+                <a16:creationId xmlns:a16="http://schemas.microsoft.com/office/drawing/2014/main" id="{CD844449-2E91-B18A-C28C-5F321A08FB0C}"/>
+              </a:ext>
+            </a:extLst>
+          </p:cNvPr>
+          <p:cNvSpPr txBox="1"/>
+          <p:nvPr/>
+        </p:nvSpPr>
+        <p:spPr>
+          <a:xfrm>
+            <a:off x="12074018" y="414678"/>
+            <a:ext cx="3313465" cy="461665"/>
+          </a:xfrm>
+          <a:prstGeom prst="rect">
+            <a:avLst/>
+          </a:prstGeom>
+          <a:noFill/>
+        </p:spPr>
+        <p:txBody>
+          <a:bodyPr wrap="square" rtlCol="0">
+            <a:spAutoFit/>
+          </a:bodyPr>
+          <a:lstStyle/>
+          <a:p>
+            <a:pPr algn="r"/>
+            <a:r>
+              <a:rPr lang="da-DK" sz="2400" b="1" dirty="0">
+                <a:solidFill>
+                  <a:schemeClr val="bg1"/>
+                </a:solidFill>
+                <a:latin typeface="Arial" panose="020B0604020202020204" pitchFamily="34" charset="0"/>
+                <a:cs typeface="Arial" panose="020B0604020202020204" pitchFamily="34" charset="0"/>
+              </a:rPr>
+              <a:t>SEO &amp; miljøvenlige </a:t>
+            </a:r>
+          </a:p>
+        </p:txBody>
+      </p:sp>
+      <p:sp>
+        <p:nvSpPr>
+          <p:cNvPr id="8" name="Undertitel 7">
+            <a:extLst>
+              <a:ext uri="{FF2B5EF4-FFF2-40B4-BE49-F238E27FC236}">
+                <a16:creationId xmlns:a16="http://schemas.microsoft.com/office/drawing/2014/main" id="{6B741C5C-834D-3BC1-EBE6-0932FF6EF5AB}"/>
+              </a:ext>
+            </a:extLst>
+          </p:cNvPr>
+          <p:cNvSpPr>
+            <a:spLocks noGrp="1"/>
+          </p:cNvSpPr>
+          <p:nvPr>
+            <p:ph type="subTitle" idx="1"/>
+          </p:nvPr>
+        </p:nvSpPr>
+        <p:spPr/>
+        <p:txBody>
+          <a:bodyPr/>
+          <a:lstStyle/>
+          <a:p>
+            <a:endParaRPr lang="da-DK"/>
+          </a:p>
+        </p:txBody>
+      </p:sp>
+      <p:sp>
+        <p:nvSpPr>
+          <p:cNvPr id="11" name="Titel 10">
+            <a:extLst>
+              <a:ext uri="{FF2B5EF4-FFF2-40B4-BE49-F238E27FC236}">
+                <a16:creationId xmlns:a16="http://schemas.microsoft.com/office/drawing/2014/main" id="{75AB6B0D-4A6D-50DE-F92A-255F0B1E8F0D}"/>
+              </a:ext>
+            </a:extLst>
+          </p:cNvPr>
+          <p:cNvSpPr>
+            <a:spLocks noGrp="1"/>
+          </p:cNvSpPr>
+          <p:nvPr>
+            <p:ph type="ctrTitle"/>
+          </p:nvPr>
+        </p:nvSpPr>
+        <p:spPr/>
+        <p:txBody>
+          <a:bodyPr/>
+          <a:lstStyle/>
+          <a:p>
+            <a:endParaRPr lang="da-DK"/>
+          </a:p>
+        </p:txBody>
+      </p:sp>
+    </p:spTree>
+    <p:extLst>
+      <p:ext uri="{BB962C8B-B14F-4D97-AF65-F5344CB8AC3E}">
+        <p14:creationId xmlns:p14="http://schemas.microsoft.com/office/powerpoint/2010/main" val="860063320"/>
+      </p:ext>
+    </p:extLst>
+  </p:cSld>
+  <p:clrMapOvr>
+    <a:masterClrMapping/>
+  </p:clrMapOvr>
+  <mc:AlternateContent xmlns:mc="http://schemas.openxmlformats.org/markup-compatibility/2006" xmlns:p159="http://schemas.microsoft.com/office/powerpoint/2015/09/main">
+    <mc:Choice Requires="p159">
+      <p:transition spd="slow">
+        <p159:morph option="byObject"/>
+      </p:transition>
+    </mc:Choice>
+    <mc:Fallback xmlns="">
+      <p:transition spd="slow">
+        <p:fade/>
+      </p:transition>
+    </mc:Fallback>
+  </mc:AlternateContent>
+</p:sld>
+</file>
+
+<file path=ppt/slides/slide11.xml><?xml version="1.0" encoding="utf-8"?>
+<p:sld xmlns:a="http://schemas.openxmlformats.org/drawingml/2006/main" xmlns:r="http://schemas.openxmlformats.org/officeDocument/2006/relationships" xmlns:p="http://schemas.openxmlformats.org/presentationml/2006/main">
+  <p:cSld>
+    <p:spTree>
+      <p:nvGrpSpPr>
+        <p:cNvPr id="1" name=""/>
+        <p:cNvGrpSpPr/>
+        <p:nvPr/>
+      </p:nvGrpSpPr>
+      <p:grpSpPr>
+        <a:xfrm>
+          <a:off x="0" y="0"/>
+          <a:ext cx="0" cy="0"/>
+          <a:chOff x="0" y="0"/>
+          <a:chExt cx="0" cy="0"/>
+        </a:xfrm>
+      </p:grpSpPr>
+      <p:sp>
+        <p:nvSpPr>
+          <p:cNvPr id="4" name="Rektangel 3">
+            <a:extLst>
+              <a:ext uri="{FF2B5EF4-FFF2-40B4-BE49-F238E27FC236}">
+                <a16:creationId xmlns:a16="http://schemas.microsoft.com/office/drawing/2014/main" id="{15614B7A-38D6-DAB1-14B3-9E39F0F268AD}"/>
+              </a:ext>
+            </a:extLst>
+          </p:cNvPr>
+          <p:cNvSpPr/>
+          <p:nvPr/>
+        </p:nvSpPr>
+        <p:spPr>
+          <a:xfrm>
+            <a:off x="1" y="0"/>
+            <a:ext cx="12192000" cy="1199536"/>
+          </a:xfrm>
+          <a:prstGeom prst="rect">
+            <a:avLst/>
+          </a:prstGeom>
+          <a:solidFill>
+            <a:srgbClr val="53806A"/>
+          </a:solidFill>
+          <a:ln>
+            <a:noFill/>
+          </a:ln>
+        </p:spPr>
+        <p:style>
+          <a:lnRef idx="2">
+            <a:schemeClr val="accent1">
+              <a:shade val="15000"/>
+            </a:schemeClr>
+          </a:lnRef>
+          <a:fillRef idx="1">
+            <a:schemeClr val="accent1"/>
+          </a:fillRef>
+          <a:effectRef idx="0">
+            <a:schemeClr val="accent1"/>
+          </a:effectRef>
+          <a:fontRef idx="minor">
+            <a:schemeClr val="lt1"/>
+          </a:fontRef>
+        </p:style>
+        <p:txBody>
+          <a:bodyPr rtlCol="0" anchor="ctr"/>
+          <a:lstStyle/>
+          <a:p>
+            <a:pPr algn="ctr"/>
+            <a:endParaRPr lang="da-DK"/>
+          </a:p>
+        </p:txBody>
+      </p:sp>
+      <p:sp>
+        <p:nvSpPr>
+          <p:cNvPr id="5" name="Rektangel 4">
+            <a:extLst>
+              <a:ext uri="{FF2B5EF4-FFF2-40B4-BE49-F238E27FC236}">
+                <a16:creationId xmlns:a16="http://schemas.microsoft.com/office/drawing/2014/main" id="{622AF568-0B1A-E2F3-FBCD-91371B1B05CC}"/>
+              </a:ext>
+            </a:extLst>
+          </p:cNvPr>
+          <p:cNvSpPr/>
+          <p:nvPr/>
+        </p:nvSpPr>
+        <p:spPr>
+          <a:xfrm>
+            <a:off x="0" y="1199536"/>
+            <a:ext cx="12192000" cy="153162"/>
+          </a:xfrm>
+          <a:prstGeom prst="rect">
+            <a:avLst/>
+          </a:prstGeom>
+          <a:solidFill>
+            <a:srgbClr val="3C5D4D"/>
+          </a:solidFill>
+          <a:ln>
+            <a:noFill/>
+          </a:ln>
+        </p:spPr>
+        <p:style>
+          <a:lnRef idx="2">
+            <a:schemeClr val="accent1">
+              <a:shade val="15000"/>
+            </a:schemeClr>
+          </a:lnRef>
+          <a:fillRef idx="1">
+            <a:schemeClr val="accent1"/>
+          </a:fillRef>
+          <a:effectRef idx="0">
+            <a:schemeClr val="accent1"/>
+          </a:effectRef>
+          <a:fontRef idx="minor">
+            <a:schemeClr val="lt1"/>
+          </a:fontRef>
+        </p:style>
+        <p:txBody>
+          <a:bodyPr rtlCol="0" anchor="ctr"/>
+          <a:lstStyle/>
+          <a:p>
+            <a:pPr algn="ctr"/>
+            <a:endParaRPr lang="da-DK"/>
+          </a:p>
+        </p:txBody>
+      </p:sp>
+      <p:sp>
+        <p:nvSpPr>
+          <p:cNvPr id="6" name="Rektangel 5">
+            <a:extLst>
+              <a:ext uri="{FF2B5EF4-FFF2-40B4-BE49-F238E27FC236}">
+                <a16:creationId xmlns:a16="http://schemas.microsoft.com/office/drawing/2014/main" id="{B693ECBA-3E2C-49F0-DCE8-AF71440713A9}"/>
+              </a:ext>
+            </a:extLst>
+          </p:cNvPr>
+          <p:cNvSpPr/>
+          <p:nvPr/>
+        </p:nvSpPr>
+        <p:spPr>
+          <a:xfrm>
+            <a:off x="-1" y="1199535"/>
+            <a:ext cx="285136" cy="171979"/>
+          </a:xfrm>
+          <a:prstGeom prst="rect">
+            <a:avLst/>
+          </a:prstGeom>
+          <a:gradFill flip="none" rotWithShape="1">
+            <a:gsLst>
+              <a:gs pos="0">
+                <a:srgbClr val="A1D3FF"/>
+              </a:gs>
+              <a:gs pos="100000">
+                <a:srgbClr val="A6FFD4"/>
+              </a:gs>
+            </a:gsLst>
+            <a:lin ang="0" scaled="1"/>
+            <a:tileRect/>
+          </a:gradFill>
+          <a:ln>
+            <a:noFill/>
+          </a:ln>
+        </p:spPr>
+        <p:style>
+          <a:lnRef idx="2">
+            <a:schemeClr val="accent1">
+              <a:shade val="15000"/>
+            </a:schemeClr>
+          </a:lnRef>
+          <a:fillRef idx="1">
+            <a:schemeClr val="accent1"/>
+          </a:fillRef>
+          <a:effectRef idx="0">
+            <a:schemeClr val="accent1"/>
+          </a:effectRef>
+          <a:fontRef idx="minor">
+            <a:schemeClr val="lt1"/>
+          </a:fontRef>
+        </p:style>
+        <p:txBody>
+          <a:bodyPr rtlCol="0" anchor="ctr"/>
+          <a:lstStyle/>
+          <a:p>
+            <a:pPr algn="ctr"/>
+            <a:endParaRPr lang="da-DK"/>
+          </a:p>
+        </p:txBody>
+      </p:sp>
+      <p:pic>
+        <p:nvPicPr>
+          <p:cNvPr id="10" name="Billede 9" descr="Et billede, der indeholder tekst, Font/skrifttype, Grafik, logo&#10;&#10;Automatisk genereret beskrivelse">
+            <a:extLst>
+              <a:ext uri="{FF2B5EF4-FFF2-40B4-BE49-F238E27FC236}">
+                <a16:creationId xmlns:a16="http://schemas.microsoft.com/office/drawing/2014/main" id="{F7CEECE9-D736-B387-B8AE-1C1E69832D84}"/>
+              </a:ext>
+            </a:extLst>
+          </p:cNvPr>
+          <p:cNvPicPr>
+            <a:picLocks noChangeAspect="1"/>
+          </p:cNvPicPr>
+          <p:nvPr/>
+        </p:nvPicPr>
+        <p:blipFill>
+          <a:blip r:embed="rId2">
+            <a:extLst>
+              <a:ext uri="{28A0092B-C50C-407E-A947-70E740481C1C}">
+                <a14:useLocalDpi xmlns:a14="http://schemas.microsoft.com/office/drawing/2010/main" val="0"/>
+              </a:ext>
+            </a:extLst>
+          </a:blip>
+          <a:stretch>
+            <a:fillRect/>
+          </a:stretch>
+        </p:blipFill>
+        <p:spPr>
+          <a:xfrm>
+            <a:off x="412462" y="153162"/>
+            <a:ext cx="1554480" cy="874395"/>
+          </a:xfrm>
+          <a:prstGeom prst="rect">
+            <a:avLst/>
+          </a:prstGeom>
+        </p:spPr>
+      </p:pic>
+      <p:sp>
+        <p:nvSpPr>
+          <p:cNvPr id="7" name="Tekstfelt 6">
+            <a:extLst>
+              <a:ext uri="{FF2B5EF4-FFF2-40B4-BE49-F238E27FC236}">
+                <a16:creationId xmlns:a16="http://schemas.microsoft.com/office/drawing/2014/main" id="{56473B69-1AE1-CF54-B73F-5AD3FAAFA676}"/>
+              </a:ext>
+            </a:extLst>
+          </p:cNvPr>
+          <p:cNvSpPr txBox="1"/>
+          <p:nvPr/>
+        </p:nvSpPr>
+        <p:spPr>
+          <a:xfrm>
+            <a:off x="8603227" y="415102"/>
+            <a:ext cx="3176312" cy="830997"/>
+          </a:xfrm>
+          <a:prstGeom prst="rect">
+            <a:avLst/>
+          </a:prstGeom>
+          <a:noFill/>
+        </p:spPr>
+        <p:txBody>
+          <a:bodyPr wrap="square" rtlCol="0">
+            <a:spAutoFit/>
+          </a:bodyPr>
+          <a:lstStyle/>
+          <a:p>
+            <a:pPr algn="r"/>
+            <a:r>
+              <a:rPr lang="da-DK" sz="2400" b="1" dirty="0">
+                <a:solidFill>
+                  <a:schemeClr val="bg1"/>
+                </a:solidFill>
+                <a:latin typeface="Arial" panose="020B0604020202020204" pitchFamily="34" charset="0"/>
+                <a:cs typeface="Arial" panose="020B0604020202020204" pitchFamily="34" charset="0"/>
+              </a:rPr>
+              <a:t>SEO &amp; miljøvenlige </a:t>
+            </a:r>
+          </a:p>
+          <a:p>
+            <a:pPr algn="r"/>
+            <a:endParaRPr lang="da-DK" sz="2400" b="1" dirty="0">
+              <a:solidFill>
+                <a:schemeClr val="bg1"/>
+              </a:solidFill>
+              <a:latin typeface="Arial" panose="020B0604020202020204" pitchFamily="34" charset="0"/>
+              <a:cs typeface="Arial" panose="020B0604020202020204" pitchFamily="34" charset="0"/>
+            </a:endParaRPr>
+          </a:p>
+        </p:txBody>
+      </p:sp>
+      <p:sp>
+        <p:nvSpPr>
+          <p:cNvPr id="3" name="Tekstfelt 2">
+            <a:extLst>
+              <a:ext uri="{FF2B5EF4-FFF2-40B4-BE49-F238E27FC236}">
+                <a16:creationId xmlns:a16="http://schemas.microsoft.com/office/drawing/2014/main" id="{CD844449-2E91-B18A-C28C-5F321A08FB0C}"/>
+              </a:ext>
+            </a:extLst>
+          </p:cNvPr>
+          <p:cNvSpPr txBox="1"/>
+          <p:nvPr/>
+        </p:nvSpPr>
+        <p:spPr>
+          <a:xfrm>
+            <a:off x="12074018" y="414678"/>
+            <a:ext cx="3313465" cy="461665"/>
+          </a:xfrm>
+          <a:prstGeom prst="rect">
+            <a:avLst/>
+          </a:prstGeom>
+          <a:noFill/>
+        </p:spPr>
+        <p:txBody>
+          <a:bodyPr wrap="square" rtlCol="0">
+            <a:spAutoFit/>
+          </a:bodyPr>
+          <a:lstStyle/>
+          <a:p>
+            <a:pPr algn="r"/>
+            <a:r>
+              <a:rPr lang="da-DK" sz="2400" b="1" dirty="0">
+                <a:solidFill>
+                  <a:schemeClr val="bg1"/>
+                </a:solidFill>
+                <a:latin typeface="Arial" panose="020B0604020202020204" pitchFamily="34" charset="0"/>
+                <a:cs typeface="Arial" panose="020B0604020202020204" pitchFamily="34" charset="0"/>
+              </a:rPr>
+              <a:t>Konklusion</a:t>
+            </a:r>
+          </a:p>
+        </p:txBody>
+      </p:sp>
+      <p:sp>
+        <p:nvSpPr>
+          <p:cNvPr id="8" name="Titel 7">
+            <a:extLst>
+              <a:ext uri="{FF2B5EF4-FFF2-40B4-BE49-F238E27FC236}">
+                <a16:creationId xmlns:a16="http://schemas.microsoft.com/office/drawing/2014/main" id="{F352EEC4-7DF4-DEFB-2097-1B40C84E3644}"/>
+              </a:ext>
+            </a:extLst>
+          </p:cNvPr>
+          <p:cNvSpPr>
+            <a:spLocks noGrp="1"/>
+          </p:cNvSpPr>
+          <p:nvPr>
+            <p:ph type="ctrTitle"/>
+          </p:nvPr>
+        </p:nvSpPr>
+        <p:spPr/>
+        <p:txBody>
+          <a:bodyPr/>
+          <a:lstStyle/>
+          <a:p>
+            <a:endParaRPr lang="da-DK"/>
+          </a:p>
+        </p:txBody>
+      </p:sp>
+      <p:sp>
+        <p:nvSpPr>
+          <p:cNvPr id="11" name="Undertitel 10">
+            <a:extLst>
+              <a:ext uri="{FF2B5EF4-FFF2-40B4-BE49-F238E27FC236}">
+                <a16:creationId xmlns:a16="http://schemas.microsoft.com/office/drawing/2014/main" id="{7ABDD709-567F-E2C1-7674-55479A4104CF}"/>
+              </a:ext>
+            </a:extLst>
+          </p:cNvPr>
+          <p:cNvSpPr>
+            <a:spLocks noGrp="1"/>
+          </p:cNvSpPr>
+          <p:nvPr>
+            <p:ph type="subTitle" idx="1"/>
+          </p:nvPr>
+        </p:nvSpPr>
+        <p:spPr/>
+        <p:txBody>
+          <a:bodyPr/>
+          <a:lstStyle/>
+          <a:p>
+            <a:endParaRPr lang="da-DK"/>
+          </a:p>
+        </p:txBody>
+      </p:sp>
+    </p:spTree>
+    <p:extLst>
+      <p:ext uri="{BB962C8B-B14F-4D97-AF65-F5344CB8AC3E}">
+        <p14:creationId xmlns:p14="http://schemas.microsoft.com/office/powerpoint/2010/main" val="2468732944"/>
+      </p:ext>
+    </p:extLst>
+  </p:cSld>
+  <p:clrMapOvr>
+    <a:masterClrMapping/>
+  </p:clrMapOvr>
+  <mc:AlternateContent xmlns:mc="http://schemas.openxmlformats.org/markup-compatibility/2006" xmlns:p159="http://schemas.microsoft.com/office/powerpoint/2015/09/main">
+    <mc:Choice Requires="p159">
+      <p:transition spd="slow">
+        <p159:morph option="byObject"/>
+      </p:transition>
+    </mc:Choice>
+    <mc:Fallback xmlns="">
+      <p:transition spd="slow">
+        <p:fade/>
+      </p:transition>
+    </mc:Fallback>
+  </mc:AlternateContent>
+</p:sld>
+</file>
+
+<file path=ppt/slides/slide12.xml><?xml version="1.0" encoding="utf-8"?>
+<p:sld xmlns:a="http://schemas.openxmlformats.org/drawingml/2006/main" xmlns:r="http://schemas.openxmlformats.org/officeDocument/2006/relationships" xmlns:p="http://schemas.openxmlformats.org/presentationml/2006/main">
+  <p:cSld>
+    <p:spTree>
+      <p:nvGrpSpPr>
+        <p:cNvPr id="1" name=""/>
+        <p:cNvGrpSpPr/>
+        <p:nvPr/>
+      </p:nvGrpSpPr>
+      <p:grpSpPr>
+        <a:xfrm>
+          <a:off x="0" y="0"/>
+          <a:ext cx="0" cy="0"/>
+          <a:chOff x="0" y="0"/>
+          <a:chExt cx="0" cy="0"/>
+        </a:xfrm>
+      </p:grpSpPr>
+      <p:sp>
+        <p:nvSpPr>
+          <p:cNvPr id="4" name="Rektangel 3">
+            <a:extLst>
+              <a:ext uri="{FF2B5EF4-FFF2-40B4-BE49-F238E27FC236}">
+                <a16:creationId xmlns:a16="http://schemas.microsoft.com/office/drawing/2014/main" id="{15614B7A-38D6-DAB1-14B3-9E39F0F268AD}"/>
+              </a:ext>
+            </a:extLst>
+          </p:cNvPr>
+          <p:cNvSpPr/>
+          <p:nvPr/>
+        </p:nvSpPr>
+        <p:spPr>
+          <a:xfrm>
+            <a:off x="1" y="0"/>
+            <a:ext cx="12192000" cy="1199536"/>
+          </a:xfrm>
+          <a:prstGeom prst="rect">
+            <a:avLst/>
+          </a:prstGeom>
+          <a:solidFill>
+            <a:srgbClr val="53806A"/>
+          </a:solidFill>
+          <a:ln>
+            <a:noFill/>
+          </a:ln>
+        </p:spPr>
+        <p:style>
+          <a:lnRef idx="2">
+            <a:schemeClr val="accent1">
+              <a:shade val="15000"/>
+            </a:schemeClr>
+          </a:lnRef>
+          <a:fillRef idx="1">
+            <a:schemeClr val="accent1"/>
+          </a:fillRef>
+          <a:effectRef idx="0">
+            <a:schemeClr val="accent1"/>
+          </a:effectRef>
+          <a:fontRef idx="minor">
+            <a:schemeClr val="lt1"/>
+          </a:fontRef>
+        </p:style>
+        <p:txBody>
+          <a:bodyPr rtlCol="0" anchor="ctr"/>
+          <a:lstStyle/>
+          <a:p>
+            <a:pPr algn="ctr"/>
+            <a:endParaRPr lang="da-DK"/>
+          </a:p>
+        </p:txBody>
+      </p:sp>
+      <p:sp>
+        <p:nvSpPr>
+          <p:cNvPr id="5" name="Rektangel 4">
+            <a:extLst>
+              <a:ext uri="{FF2B5EF4-FFF2-40B4-BE49-F238E27FC236}">
+                <a16:creationId xmlns:a16="http://schemas.microsoft.com/office/drawing/2014/main" id="{622AF568-0B1A-E2F3-FBCD-91371B1B05CC}"/>
+              </a:ext>
+            </a:extLst>
+          </p:cNvPr>
+          <p:cNvSpPr/>
+          <p:nvPr/>
+        </p:nvSpPr>
+        <p:spPr>
+          <a:xfrm>
+            <a:off x="0" y="1199536"/>
+            <a:ext cx="12192000" cy="153162"/>
+          </a:xfrm>
+          <a:prstGeom prst="rect">
+            <a:avLst/>
+          </a:prstGeom>
+          <a:solidFill>
+            <a:srgbClr val="3C5D4D"/>
+          </a:solidFill>
+          <a:ln>
+            <a:noFill/>
+          </a:ln>
+        </p:spPr>
+        <p:style>
+          <a:lnRef idx="2">
+            <a:schemeClr val="accent1">
+              <a:shade val="15000"/>
+            </a:schemeClr>
+          </a:lnRef>
+          <a:fillRef idx="1">
+            <a:schemeClr val="accent1"/>
+          </a:fillRef>
+          <a:effectRef idx="0">
+            <a:schemeClr val="accent1"/>
+          </a:effectRef>
+          <a:fontRef idx="minor">
+            <a:schemeClr val="lt1"/>
+          </a:fontRef>
+        </p:style>
+        <p:txBody>
+          <a:bodyPr rtlCol="0" anchor="ctr"/>
+          <a:lstStyle/>
+          <a:p>
+            <a:pPr algn="ctr"/>
+            <a:endParaRPr lang="da-DK"/>
+          </a:p>
+        </p:txBody>
+      </p:sp>
+      <p:sp>
+        <p:nvSpPr>
+          <p:cNvPr id="6" name="Rektangel 5">
+            <a:extLst>
+              <a:ext uri="{FF2B5EF4-FFF2-40B4-BE49-F238E27FC236}">
+                <a16:creationId xmlns:a16="http://schemas.microsoft.com/office/drawing/2014/main" id="{B693ECBA-3E2C-49F0-DCE8-AF71440713A9}"/>
+              </a:ext>
+            </a:extLst>
+          </p:cNvPr>
+          <p:cNvSpPr/>
+          <p:nvPr/>
+        </p:nvSpPr>
+        <p:spPr>
+          <a:xfrm>
+            <a:off x="-1" y="1199535"/>
+            <a:ext cx="285136" cy="171979"/>
+          </a:xfrm>
+          <a:prstGeom prst="rect">
+            <a:avLst/>
+          </a:prstGeom>
+          <a:gradFill flip="none" rotWithShape="1">
+            <a:gsLst>
+              <a:gs pos="0">
+                <a:srgbClr val="A1D3FF"/>
+              </a:gs>
+              <a:gs pos="100000">
+                <a:srgbClr val="A6FFD4"/>
+              </a:gs>
+            </a:gsLst>
+            <a:lin ang="0" scaled="1"/>
+            <a:tileRect/>
+          </a:gradFill>
+          <a:ln>
+            <a:noFill/>
+          </a:ln>
+        </p:spPr>
+        <p:style>
+          <a:lnRef idx="2">
+            <a:schemeClr val="accent1">
+              <a:shade val="15000"/>
+            </a:schemeClr>
+          </a:lnRef>
+          <a:fillRef idx="1">
+            <a:schemeClr val="accent1"/>
+          </a:fillRef>
+          <a:effectRef idx="0">
+            <a:schemeClr val="accent1"/>
+          </a:effectRef>
+          <a:fontRef idx="minor">
+            <a:schemeClr val="lt1"/>
+          </a:fontRef>
+        </p:style>
+        <p:txBody>
+          <a:bodyPr rtlCol="0" anchor="ctr"/>
+          <a:lstStyle/>
+          <a:p>
+            <a:pPr algn="ctr"/>
+            <a:endParaRPr lang="da-DK"/>
+          </a:p>
+        </p:txBody>
+      </p:sp>
+      <p:pic>
+        <p:nvPicPr>
+          <p:cNvPr id="10" name="Billede 9" descr="Et billede, der indeholder tekst, Font/skrifttype, Grafik, logo&#10;&#10;Automatisk genereret beskrivelse">
+            <a:extLst>
+              <a:ext uri="{FF2B5EF4-FFF2-40B4-BE49-F238E27FC236}">
+                <a16:creationId xmlns:a16="http://schemas.microsoft.com/office/drawing/2014/main" id="{F7CEECE9-D736-B387-B8AE-1C1E69832D84}"/>
+              </a:ext>
+            </a:extLst>
+          </p:cNvPr>
+          <p:cNvPicPr>
+            <a:picLocks noChangeAspect="1"/>
+          </p:cNvPicPr>
+          <p:nvPr/>
+        </p:nvPicPr>
+        <p:blipFill>
+          <a:blip r:embed="rId2">
+            <a:extLst>
+              <a:ext uri="{28A0092B-C50C-407E-A947-70E740481C1C}">
+                <a14:useLocalDpi xmlns:a14="http://schemas.microsoft.com/office/drawing/2010/main" val="0"/>
+              </a:ext>
+            </a:extLst>
+          </a:blip>
+          <a:stretch>
+            <a:fillRect/>
+          </a:stretch>
+        </p:blipFill>
+        <p:spPr>
+          <a:xfrm>
+            <a:off x="412462" y="153162"/>
+            <a:ext cx="1554480" cy="874395"/>
+          </a:xfrm>
+          <a:prstGeom prst="rect">
+            <a:avLst/>
+          </a:prstGeom>
+        </p:spPr>
+      </p:pic>
+      <p:sp>
+        <p:nvSpPr>
+          <p:cNvPr id="7" name="Tekstfelt 6">
+            <a:extLst>
+              <a:ext uri="{FF2B5EF4-FFF2-40B4-BE49-F238E27FC236}">
+                <a16:creationId xmlns:a16="http://schemas.microsoft.com/office/drawing/2014/main" id="{56473B69-1AE1-CF54-B73F-5AD3FAAFA676}"/>
+              </a:ext>
+            </a:extLst>
+          </p:cNvPr>
+          <p:cNvSpPr txBox="1"/>
+          <p:nvPr/>
+        </p:nvSpPr>
+        <p:spPr>
+          <a:xfrm>
+            <a:off x="8603227" y="415102"/>
+            <a:ext cx="3176312" cy="461665"/>
+          </a:xfrm>
+          <a:prstGeom prst="rect">
+            <a:avLst/>
+          </a:prstGeom>
+          <a:noFill/>
+        </p:spPr>
+        <p:txBody>
+          <a:bodyPr wrap="square" rtlCol="0">
+            <a:spAutoFit/>
+          </a:bodyPr>
+          <a:lstStyle/>
+          <a:p>
+            <a:pPr algn="r"/>
+            <a:r>
+              <a:rPr lang="da-DK" sz="2400" b="1" dirty="0">
+                <a:solidFill>
+                  <a:schemeClr val="bg1"/>
+                </a:solidFill>
+                <a:latin typeface="Arial" panose="020B0604020202020204" pitchFamily="34" charset="0"/>
+                <a:cs typeface="Arial" panose="020B0604020202020204" pitchFamily="34" charset="0"/>
+              </a:rPr>
+              <a:t>Konklusion</a:t>
+            </a:r>
+          </a:p>
+        </p:txBody>
+      </p:sp>
+      <p:sp>
+        <p:nvSpPr>
+          <p:cNvPr id="3" name="Titel 2">
+            <a:extLst>
+              <a:ext uri="{FF2B5EF4-FFF2-40B4-BE49-F238E27FC236}">
+                <a16:creationId xmlns:a16="http://schemas.microsoft.com/office/drawing/2014/main" id="{B8D7E004-4464-5FA6-E07F-858071FF902C}"/>
+              </a:ext>
+            </a:extLst>
+          </p:cNvPr>
+          <p:cNvSpPr>
+            <a:spLocks noGrp="1"/>
+          </p:cNvSpPr>
+          <p:nvPr>
+            <p:ph type="ctrTitle"/>
+          </p:nvPr>
+        </p:nvSpPr>
+        <p:spPr/>
+        <p:txBody>
+          <a:bodyPr/>
+          <a:lstStyle/>
+          <a:p>
+            <a:endParaRPr lang="da-DK"/>
+          </a:p>
+        </p:txBody>
+      </p:sp>
+      <p:sp>
+        <p:nvSpPr>
+          <p:cNvPr id="9" name="Undertitel 8">
+            <a:extLst>
+              <a:ext uri="{FF2B5EF4-FFF2-40B4-BE49-F238E27FC236}">
+                <a16:creationId xmlns:a16="http://schemas.microsoft.com/office/drawing/2014/main" id="{114173A3-7A7F-4AC6-0882-4ACFC06BA7B9}"/>
+              </a:ext>
+            </a:extLst>
+          </p:cNvPr>
+          <p:cNvSpPr>
+            <a:spLocks noGrp="1"/>
+          </p:cNvSpPr>
+          <p:nvPr>
+            <p:ph type="subTitle" idx="1"/>
+          </p:nvPr>
+        </p:nvSpPr>
+        <p:spPr/>
+        <p:txBody>
+          <a:bodyPr/>
+          <a:lstStyle/>
+          <a:p>
+            <a:endParaRPr lang="da-DK"/>
+          </a:p>
+        </p:txBody>
+      </p:sp>
+    </p:spTree>
+    <p:extLst>
+      <p:ext uri="{BB962C8B-B14F-4D97-AF65-F5344CB8AC3E}">
+        <p14:creationId xmlns:p14="http://schemas.microsoft.com/office/powerpoint/2010/main" val="2691266033"/>
+      </p:ext>
+    </p:extLst>
+  </p:cSld>
+  <p:clrMapOvr>
+    <a:masterClrMapping/>
+  </p:clrMapOvr>
+  <mc:AlternateContent xmlns:mc="http://schemas.openxmlformats.org/markup-compatibility/2006" xmlns:p159="http://schemas.microsoft.com/office/powerpoint/2015/09/main">
+    <mc:Choice Requires="p159">
+      <p:transition spd="slow">
+        <p159:morph option="byObject"/>
+      </p:transition>
+    </mc:Choice>
+    <mc:Fallback xmlns="">
       <p:transition spd="slow">
         <p:fade/>
       </p:transition>
@@ -3687,10 +6050,255 @@
       </p:grpSpPr>
       <p:sp>
         <p:nvSpPr>
-          <p:cNvPr id="2" name="Titel 1">
-            <a:extLst>
-              <a:ext uri="{FF2B5EF4-FFF2-40B4-BE49-F238E27FC236}">
-                <a16:creationId xmlns:a16="http://schemas.microsoft.com/office/drawing/2014/main" id="{AAC9AB7F-3F32-03C1-74C8-949CFAA23A18}"/>
+          <p:cNvPr id="3" name="Rektangel 2">
+            <a:extLst>
+              <a:ext uri="{FF2B5EF4-FFF2-40B4-BE49-F238E27FC236}">
+                <a16:creationId xmlns:a16="http://schemas.microsoft.com/office/drawing/2014/main" id="{2D815ACE-A322-00AB-5BA9-C081B1B9972F}"/>
+              </a:ext>
+            </a:extLst>
+          </p:cNvPr>
+          <p:cNvSpPr/>
+          <p:nvPr/>
+        </p:nvSpPr>
+        <p:spPr>
+          <a:xfrm>
+            <a:off x="0" y="1747837"/>
+            <a:ext cx="12192000" cy="4695061"/>
+          </a:xfrm>
+          <a:prstGeom prst="rect">
+            <a:avLst/>
+          </a:prstGeom>
+          <a:solidFill>
+            <a:srgbClr val="FFEAEE"/>
+          </a:solidFill>
+          <a:ln>
+            <a:noFill/>
+          </a:ln>
+        </p:spPr>
+        <p:style>
+          <a:lnRef idx="2">
+            <a:schemeClr val="accent1">
+              <a:shade val="15000"/>
+            </a:schemeClr>
+          </a:lnRef>
+          <a:fillRef idx="1">
+            <a:schemeClr val="accent1"/>
+          </a:fillRef>
+          <a:effectRef idx="0">
+            <a:schemeClr val="accent1"/>
+          </a:effectRef>
+          <a:fontRef idx="minor">
+            <a:schemeClr val="lt1"/>
+          </a:fontRef>
+        </p:style>
+        <p:txBody>
+          <a:bodyPr rtlCol="0" anchor="ctr"/>
+          <a:lstStyle/>
+          <a:p>
+            <a:pPr algn="ctr"/>
+            <a:endParaRPr lang="da-DK"/>
+          </a:p>
+        </p:txBody>
+      </p:sp>
+      <p:sp>
+        <p:nvSpPr>
+          <p:cNvPr id="2" name="Tekstfelt 1">
+            <a:extLst>
+              <a:ext uri="{FF2B5EF4-FFF2-40B4-BE49-F238E27FC236}">
+                <a16:creationId xmlns:a16="http://schemas.microsoft.com/office/drawing/2014/main" id="{4072E771-197B-818F-3336-7802878805DF}"/>
+              </a:ext>
+            </a:extLst>
+          </p:cNvPr>
+          <p:cNvSpPr txBox="1"/>
+          <p:nvPr/>
+        </p:nvSpPr>
+        <p:spPr>
+          <a:xfrm>
+            <a:off x="8190272" y="2367568"/>
+            <a:ext cx="2861187" cy="1200329"/>
+          </a:xfrm>
+          <a:prstGeom prst="rect">
+            <a:avLst/>
+          </a:prstGeom>
+          <a:noFill/>
+        </p:spPr>
+        <p:txBody>
+          <a:bodyPr wrap="square" rtlCol="0">
+            <a:spAutoFit/>
+          </a:bodyPr>
+          <a:lstStyle/>
+          <a:p>
+            <a:r>
+              <a:rPr lang="da-DK" b="1" dirty="0">
+                <a:solidFill>
+                  <a:srgbClr val="000000"/>
+                </a:solidFill>
+                <a:latin typeface="Arial" panose="020B0604020202020204" pitchFamily="34" charset="0"/>
+              </a:rPr>
+              <a:t>Valgte funktioner</a:t>
+            </a:r>
+            <a:br>
+              <a:rPr lang="da-DK" dirty="0">
+                <a:solidFill>
+                  <a:srgbClr val="000000"/>
+                </a:solidFill>
+                <a:latin typeface="Arial" panose="020B0604020202020204" pitchFamily="34" charset="0"/>
+              </a:rPr>
+            </a:br>
+            <a:r>
+              <a:rPr lang="da-DK" dirty="0">
+                <a:solidFill>
+                  <a:srgbClr val="000000"/>
+                </a:solidFill>
+                <a:latin typeface="Arial" panose="020B0604020202020204" pitchFamily="34" charset="0"/>
+              </a:rPr>
+              <a:t>- Karakter ark</a:t>
+            </a:r>
+          </a:p>
+          <a:p>
+            <a:r>
+              <a:rPr lang="da-DK" dirty="0">
+                <a:solidFill>
+                  <a:srgbClr val="000000"/>
+                </a:solidFill>
+                <a:latin typeface="Arial" panose="020B0604020202020204" pitchFamily="34" charset="0"/>
+              </a:rPr>
+              <a:t>- Terninger</a:t>
+            </a:r>
+            <a:br>
+              <a:rPr lang="da-DK" dirty="0">
+                <a:solidFill>
+                  <a:srgbClr val="000000"/>
+                </a:solidFill>
+                <a:latin typeface="Arial" panose="020B0604020202020204" pitchFamily="34" charset="0"/>
+              </a:rPr>
+            </a:br>
+            <a:r>
+              <a:rPr lang="da-DK" dirty="0">
+                <a:solidFill>
+                  <a:srgbClr val="000000"/>
+                </a:solidFill>
+                <a:latin typeface="Arial" panose="020B0604020202020204" pitchFamily="34" charset="0"/>
+              </a:rPr>
+              <a:t>- Mobile-</a:t>
+            </a:r>
+            <a:r>
+              <a:rPr lang="da-DK" dirty="0" err="1">
+                <a:solidFill>
+                  <a:srgbClr val="000000"/>
+                </a:solidFill>
+                <a:latin typeface="Arial" panose="020B0604020202020204" pitchFamily="34" charset="0"/>
+              </a:rPr>
+              <a:t>first</a:t>
+            </a:r>
+            <a:r>
+              <a:rPr lang="da-DK" dirty="0">
+                <a:solidFill>
+                  <a:srgbClr val="000000"/>
+                </a:solidFill>
+                <a:latin typeface="Arial" panose="020B0604020202020204" pitchFamily="34" charset="0"/>
+              </a:rPr>
+              <a:t> </a:t>
+            </a:r>
+            <a:r>
+              <a:rPr lang="da-DK" dirty="0" err="1">
+                <a:solidFill>
+                  <a:srgbClr val="000000"/>
+                </a:solidFill>
+                <a:latin typeface="Arial" panose="020B0604020202020204" pitchFamily="34" charset="0"/>
+              </a:rPr>
+              <a:t>responsiv</a:t>
+            </a:r>
+            <a:r>
+              <a:rPr lang="da-DK" dirty="0">
+                <a:solidFill>
+                  <a:srgbClr val="000000"/>
+                </a:solidFill>
+                <a:latin typeface="Arial" panose="020B0604020202020204" pitchFamily="34" charset="0"/>
+              </a:rPr>
+              <a:t> </a:t>
+            </a:r>
+          </a:p>
+        </p:txBody>
+      </p:sp>
+      <p:pic>
+        <p:nvPicPr>
+          <p:cNvPr id="17" name="Billede 16" descr="Et billede, der indeholder tekst, tegning, illustration/afbildning&#10;&#10;Automatisk genereret beskrivelse">
+            <a:extLst>
+              <a:ext uri="{FF2B5EF4-FFF2-40B4-BE49-F238E27FC236}">
+                <a16:creationId xmlns:a16="http://schemas.microsoft.com/office/drawing/2014/main" id="{6D6BE5AC-1418-5F67-CC2C-5BA84621012F}"/>
+              </a:ext>
+            </a:extLst>
+          </p:cNvPr>
+          <p:cNvPicPr>
+            <a:picLocks noChangeAspect="1"/>
+          </p:cNvPicPr>
+          <p:nvPr/>
+        </p:nvPicPr>
+        <p:blipFill>
+          <a:blip r:embed="rId2">
+            <a:extLst>
+              <a:ext uri="{28A0092B-C50C-407E-A947-70E740481C1C}">
+                <a14:useLocalDpi xmlns:a14="http://schemas.microsoft.com/office/drawing/2010/main" val="0"/>
+              </a:ext>
+            </a:extLst>
+          </a:blip>
+          <a:stretch>
+            <a:fillRect/>
+          </a:stretch>
+        </p:blipFill>
+        <p:spPr>
+          <a:xfrm>
+            <a:off x="1695907" y="1747913"/>
+            <a:ext cx="4695061" cy="4695061"/>
+          </a:xfrm>
+          <a:prstGeom prst="rect">
+            <a:avLst/>
+          </a:prstGeom>
+        </p:spPr>
+      </p:pic>
+      <p:pic>
+        <p:nvPicPr>
+          <p:cNvPr id="20" name="Billede 19" descr="Et billede, der indeholder Symmetri, kunst, trekant&#10;&#10;Automatisk genereret beskrivelse">
+            <a:extLst>
+              <a:ext uri="{FF2B5EF4-FFF2-40B4-BE49-F238E27FC236}">
+                <a16:creationId xmlns:a16="http://schemas.microsoft.com/office/drawing/2014/main" id="{C8A664BB-96FE-7EA4-D76B-9813FF731CCB}"/>
+              </a:ext>
+            </a:extLst>
+          </p:cNvPr>
+          <p:cNvPicPr>
+            <a:picLocks noChangeAspect="1"/>
+          </p:cNvPicPr>
+          <p:nvPr/>
+        </p:nvPicPr>
+        <p:blipFill>
+          <a:blip r:embed="rId3">
+            <a:extLst>
+              <a:ext uri="{28A0092B-C50C-407E-A947-70E740481C1C}">
+                <a14:useLocalDpi xmlns:a14="http://schemas.microsoft.com/office/drawing/2010/main" val="0"/>
+              </a:ext>
+            </a:extLst>
+          </a:blip>
+          <a:stretch>
+            <a:fillRect/>
+          </a:stretch>
+        </p:blipFill>
+        <p:spPr>
+          <a:xfrm>
+            <a:off x="7110409" y="4187628"/>
+            <a:ext cx="1812208" cy="1812208"/>
+          </a:xfrm>
+          <a:prstGeom prst="rect">
+            <a:avLst/>
+          </a:prstGeom>
+        </p:spPr>
+      </p:pic>
+      <p:sp>
+        <p:nvSpPr>
+          <p:cNvPr id="22" name="Titel 1">
+            <a:extLst>
+              <a:ext uri="{FF2B5EF4-FFF2-40B4-BE49-F238E27FC236}">
+                <a16:creationId xmlns:a16="http://schemas.microsoft.com/office/drawing/2014/main" id="{F1C6BC8C-4D9C-9BA4-8E74-E689649E8B23}"/>
               </a:ext>
             </a:extLst>
           </p:cNvPr>
@@ -3701,7 +6309,12 @@
             <p:ph type="ctrTitle"/>
           </p:nvPr>
         </p:nvSpPr>
-        <p:spPr/>
+        <p:spPr>
+          <a:xfrm>
+            <a:off x="1524000" y="-1590357"/>
+            <a:ext cx="9144000" cy="2387600"/>
+          </a:xfrm>
+        </p:spPr>
         <p:txBody>
           <a:bodyPr/>
           <a:lstStyle/>
@@ -3709,7 +6322,7 @@
             <a:r>
               <a:rPr lang="da-DK" b="1" dirty="0">
                 <a:solidFill>
-                  <a:schemeClr val="bg1"/>
+                  <a:srgbClr val="3C5D4D"/>
                 </a:solidFill>
               </a:rPr>
               <a:t>Gruppe 4</a:t>
@@ -3719,10 +6332,10 @@
       </p:sp>
       <p:sp>
         <p:nvSpPr>
-          <p:cNvPr id="3" name="Undertitel 2">
-            <a:extLst>
-              <a:ext uri="{FF2B5EF4-FFF2-40B4-BE49-F238E27FC236}">
-                <a16:creationId xmlns:a16="http://schemas.microsoft.com/office/drawing/2014/main" id="{AE43CB7B-9426-D2E0-5FBD-E7C6FF43BBA7}"/>
+          <p:cNvPr id="23" name="Undertitel 2">
+            <a:extLst>
+              <a:ext uri="{FF2B5EF4-FFF2-40B4-BE49-F238E27FC236}">
+                <a16:creationId xmlns:a16="http://schemas.microsoft.com/office/drawing/2014/main" id="{9B836C19-9E25-C6DC-E5B3-9FC438A9C331}"/>
               </a:ext>
             </a:extLst>
           </p:cNvPr>
@@ -3733,7 +6346,12 @@
             <p:ph type="subTitle" idx="1"/>
           </p:nvPr>
         </p:nvSpPr>
-        <p:spPr/>
+        <p:spPr>
+          <a:xfrm>
+            <a:off x="1524000" y="889318"/>
+            <a:ext cx="9144000" cy="1655762"/>
+          </a:xfrm>
+        </p:spPr>
         <p:txBody>
           <a:bodyPr/>
           <a:lstStyle/>
@@ -3750,6 +6368,868 @@
               <a:rPr lang="da-DK" dirty="0"/>
               <a:t>, Gro &amp; Luca</a:t>
             </a:r>
+          </a:p>
+        </p:txBody>
+      </p:sp>
+      <p:sp>
+        <p:nvSpPr>
+          <p:cNvPr id="21" name="Kombinationstegning: figur 20">
+            <a:extLst>
+              <a:ext uri="{FF2B5EF4-FFF2-40B4-BE49-F238E27FC236}">
+                <a16:creationId xmlns:a16="http://schemas.microsoft.com/office/drawing/2014/main" id="{66115CB7-0281-8F25-08F6-150D3A57377F}"/>
+              </a:ext>
+            </a:extLst>
+          </p:cNvPr>
+          <p:cNvSpPr/>
+          <p:nvPr/>
+        </p:nvSpPr>
+        <p:spPr>
+          <a:xfrm>
+            <a:off x="-392963" y="-3071289"/>
+            <a:ext cx="12793577" cy="4203321"/>
+          </a:xfrm>
+          <a:custGeom>
+            <a:avLst/>
+            <a:gdLst>
+              <a:gd name="connsiteX0" fmla="*/ 6583200 w 12793577"/>
+              <a:gd name="connsiteY0" fmla="*/ 2609817 h 4203321"/>
+              <a:gd name="connsiteX1" fmla="*/ 7634913 w 12793577"/>
+              <a:gd name="connsiteY1" fmla="*/ 2609817 h 4203321"/>
+              <a:gd name="connsiteX2" fmla="*/ 8033289 w 12793577"/>
+              <a:gd name="connsiteY2" fmla="*/ 3406569 h 4203321"/>
+              <a:gd name="connsiteX3" fmla="*/ 7634913 w 12793577"/>
+              <a:gd name="connsiteY3" fmla="*/ 4203321 h 4203321"/>
+              <a:gd name="connsiteX4" fmla="*/ 6583200 w 12793577"/>
+              <a:gd name="connsiteY4" fmla="*/ 4203321 h 4203321"/>
+              <a:gd name="connsiteX5" fmla="*/ 6184824 w 12793577"/>
+              <a:gd name="connsiteY5" fmla="*/ 3406569 h 4203321"/>
+              <a:gd name="connsiteX6" fmla="*/ 3490789 w 12793577"/>
+              <a:gd name="connsiteY6" fmla="*/ 2609817 h 4203321"/>
+              <a:gd name="connsiteX7" fmla="*/ 4542502 w 12793577"/>
+              <a:gd name="connsiteY7" fmla="*/ 2609817 h 4203321"/>
+              <a:gd name="connsiteX8" fmla="*/ 4940879 w 12793577"/>
+              <a:gd name="connsiteY8" fmla="*/ 3406569 h 4203321"/>
+              <a:gd name="connsiteX9" fmla="*/ 4542502 w 12793577"/>
+              <a:gd name="connsiteY9" fmla="*/ 4203321 h 4203321"/>
+              <a:gd name="connsiteX10" fmla="*/ 3490789 w 12793577"/>
+              <a:gd name="connsiteY10" fmla="*/ 4203321 h 4203321"/>
+              <a:gd name="connsiteX11" fmla="*/ 3092413 w 12793577"/>
+              <a:gd name="connsiteY11" fmla="*/ 3406569 h 4203321"/>
+              <a:gd name="connsiteX12" fmla="*/ 398376 w 12793577"/>
+              <a:gd name="connsiteY12" fmla="*/ 2609817 h 4203321"/>
+              <a:gd name="connsiteX13" fmla="*/ 1450089 w 12793577"/>
+              <a:gd name="connsiteY13" fmla="*/ 2609817 h 4203321"/>
+              <a:gd name="connsiteX14" fmla="*/ 1848465 w 12793577"/>
+              <a:gd name="connsiteY14" fmla="*/ 3406569 h 4203321"/>
+              <a:gd name="connsiteX15" fmla="*/ 1450089 w 12793577"/>
+              <a:gd name="connsiteY15" fmla="*/ 4203321 h 4203321"/>
+              <a:gd name="connsiteX16" fmla="*/ 398376 w 12793577"/>
+              <a:gd name="connsiteY16" fmla="*/ 4203321 h 4203321"/>
+              <a:gd name="connsiteX17" fmla="*/ 0 w 12793577"/>
+              <a:gd name="connsiteY17" fmla="*/ 3406569 h 4203321"/>
+              <a:gd name="connsiteX18" fmla="*/ 9675612 w 12793577"/>
+              <a:gd name="connsiteY18" fmla="*/ 2587264 h 4203321"/>
+              <a:gd name="connsiteX19" fmla="*/ 10727325 w 12793577"/>
+              <a:gd name="connsiteY19" fmla="*/ 2587264 h 4203321"/>
+              <a:gd name="connsiteX20" fmla="*/ 11125701 w 12793577"/>
+              <a:gd name="connsiteY20" fmla="*/ 3384016 h 4203321"/>
+              <a:gd name="connsiteX21" fmla="*/ 10727325 w 12793577"/>
+              <a:gd name="connsiteY21" fmla="*/ 4180768 h 4203321"/>
+              <a:gd name="connsiteX22" fmla="*/ 9675612 w 12793577"/>
+              <a:gd name="connsiteY22" fmla="*/ 4180768 h 4203321"/>
+              <a:gd name="connsiteX23" fmla="*/ 9277236 w 12793577"/>
+              <a:gd name="connsiteY23" fmla="*/ 3384016 h 4203321"/>
+              <a:gd name="connsiteX24" fmla="*/ 12793577 w 12793577"/>
+              <a:gd name="connsiteY24" fmla="*/ 2523828 h 4203321"/>
+              <a:gd name="connsiteX25" fmla="*/ 12765233 w 12793577"/>
+              <a:gd name="connsiteY25" fmla="*/ 3310420 h 4203321"/>
+              <a:gd name="connsiteX26" fmla="*/ 12773257 w 12793577"/>
+              <a:gd name="connsiteY26" fmla="*/ 4127492 h 4203321"/>
+              <a:gd name="connsiteX27" fmla="*/ 12768024 w 12793577"/>
+              <a:gd name="connsiteY27" fmla="*/ 4137652 h 4203321"/>
+              <a:gd name="connsiteX28" fmla="*/ 12369648 w 12793577"/>
+              <a:gd name="connsiteY28" fmla="*/ 3340900 h 4203321"/>
+              <a:gd name="connsiteX29" fmla="*/ 12768024 w 12793577"/>
+              <a:gd name="connsiteY29" fmla="*/ 2544148 h 4203321"/>
+              <a:gd name="connsiteX30" fmla="*/ 8131286 w 12793577"/>
+              <a:gd name="connsiteY30" fmla="*/ 1747396 h 4203321"/>
+              <a:gd name="connsiteX31" fmla="*/ 9182999 w 12793577"/>
+              <a:gd name="connsiteY31" fmla="*/ 1747396 h 4203321"/>
+              <a:gd name="connsiteX32" fmla="*/ 9581375 w 12793577"/>
+              <a:gd name="connsiteY32" fmla="*/ 2544148 h 4203321"/>
+              <a:gd name="connsiteX33" fmla="*/ 9182999 w 12793577"/>
+              <a:gd name="connsiteY33" fmla="*/ 3340900 h 4203321"/>
+              <a:gd name="connsiteX34" fmla="*/ 8131286 w 12793577"/>
+              <a:gd name="connsiteY34" fmla="*/ 3340900 h 4203321"/>
+              <a:gd name="connsiteX35" fmla="*/ 7732910 w 12793577"/>
+              <a:gd name="connsiteY35" fmla="*/ 2544148 h 4203321"/>
+              <a:gd name="connsiteX36" fmla="*/ 5038875 w 12793577"/>
+              <a:gd name="connsiteY36" fmla="*/ 1747396 h 4203321"/>
+              <a:gd name="connsiteX37" fmla="*/ 6090587 w 12793577"/>
+              <a:gd name="connsiteY37" fmla="*/ 1747396 h 4203321"/>
+              <a:gd name="connsiteX38" fmla="*/ 6488963 w 12793577"/>
+              <a:gd name="connsiteY38" fmla="*/ 2544148 h 4203321"/>
+              <a:gd name="connsiteX39" fmla="*/ 6090587 w 12793577"/>
+              <a:gd name="connsiteY39" fmla="*/ 3340900 h 4203321"/>
+              <a:gd name="connsiteX40" fmla="*/ 5038875 w 12793577"/>
+              <a:gd name="connsiteY40" fmla="*/ 3340900 h 4203321"/>
+              <a:gd name="connsiteX41" fmla="*/ 4640499 w 12793577"/>
+              <a:gd name="connsiteY41" fmla="*/ 2544148 h 4203321"/>
+              <a:gd name="connsiteX42" fmla="*/ 1946462 w 12793577"/>
+              <a:gd name="connsiteY42" fmla="*/ 1747396 h 4203321"/>
+              <a:gd name="connsiteX43" fmla="*/ 2998175 w 12793577"/>
+              <a:gd name="connsiteY43" fmla="*/ 1747396 h 4203321"/>
+              <a:gd name="connsiteX44" fmla="*/ 3396552 w 12793577"/>
+              <a:gd name="connsiteY44" fmla="*/ 2544148 h 4203321"/>
+              <a:gd name="connsiteX45" fmla="*/ 2998175 w 12793577"/>
+              <a:gd name="connsiteY45" fmla="*/ 3340900 h 4203321"/>
+              <a:gd name="connsiteX46" fmla="*/ 1946462 w 12793577"/>
+              <a:gd name="connsiteY46" fmla="*/ 3340900 h 4203321"/>
+              <a:gd name="connsiteX47" fmla="*/ 1548086 w 12793577"/>
+              <a:gd name="connsiteY47" fmla="*/ 2544148 h 4203321"/>
+              <a:gd name="connsiteX48" fmla="*/ 11223698 w 12793577"/>
+              <a:gd name="connsiteY48" fmla="*/ 1724843 h 4203321"/>
+              <a:gd name="connsiteX49" fmla="*/ 12275411 w 12793577"/>
+              <a:gd name="connsiteY49" fmla="*/ 1724843 h 4203321"/>
+              <a:gd name="connsiteX50" fmla="*/ 12673787 w 12793577"/>
+              <a:gd name="connsiteY50" fmla="*/ 2521595 h 4203321"/>
+              <a:gd name="connsiteX51" fmla="*/ 12275411 w 12793577"/>
+              <a:gd name="connsiteY51" fmla="*/ 3318347 h 4203321"/>
+              <a:gd name="connsiteX52" fmla="*/ 11223698 w 12793577"/>
+              <a:gd name="connsiteY52" fmla="*/ 3318347 h 4203321"/>
+              <a:gd name="connsiteX53" fmla="*/ 10825322 w 12793577"/>
+              <a:gd name="connsiteY53" fmla="*/ 2521595 h 4203321"/>
+              <a:gd name="connsiteX54" fmla="*/ 6583200 w 12793577"/>
+              <a:gd name="connsiteY54" fmla="*/ 884974 h 4203321"/>
+              <a:gd name="connsiteX55" fmla="*/ 7634913 w 12793577"/>
+              <a:gd name="connsiteY55" fmla="*/ 884974 h 4203321"/>
+              <a:gd name="connsiteX56" fmla="*/ 8033289 w 12793577"/>
+              <a:gd name="connsiteY56" fmla="*/ 1681726 h 4203321"/>
+              <a:gd name="connsiteX57" fmla="*/ 7634913 w 12793577"/>
+              <a:gd name="connsiteY57" fmla="*/ 2478478 h 4203321"/>
+              <a:gd name="connsiteX58" fmla="*/ 6583200 w 12793577"/>
+              <a:gd name="connsiteY58" fmla="*/ 2478478 h 4203321"/>
+              <a:gd name="connsiteX59" fmla="*/ 6184827 w 12793577"/>
+              <a:gd name="connsiteY59" fmla="*/ 1681726 h 4203321"/>
+              <a:gd name="connsiteX60" fmla="*/ 3490791 w 12793577"/>
+              <a:gd name="connsiteY60" fmla="*/ 884974 h 4203321"/>
+              <a:gd name="connsiteX61" fmla="*/ 4542503 w 12793577"/>
+              <a:gd name="connsiteY61" fmla="*/ 884974 h 4203321"/>
+              <a:gd name="connsiteX62" fmla="*/ 4940880 w 12793577"/>
+              <a:gd name="connsiteY62" fmla="*/ 1681726 h 4203321"/>
+              <a:gd name="connsiteX63" fmla="*/ 4542503 w 12793577"/>
+              <a:gd name="connsiteY63" fmla="*/ 2478478 h 4203321"/>
+              <a:gd name="connsiteX64" fmla="*/ 3490791 w 12793577"/>
+              <a:gd name="connsiteY64" fmla="*/ 2478478 h 4203321"/>
+              <a:gd name="connsiteX65" fmla="*/ 3092415 w 12793577"/>
+              <a:gd name="connsiteY65" fmla="*/ 1681726 h 4203321"/>
+              <a:gd name="connsiteX66" fmla="*/ 398378 w 12793577"/>
+              <a:gd name="connsiteY66" fmla="*/ 884974 h 4203321"/>
+              <a:gd name="connsiteX67" fmla="*/ 1450091 w 12793577"/>
+              <a:gd name="connsiteY67" fmla="*/ 884974 h 4203321"/>
+              <a:gd name="connsiteX68" fmla="*/ 1848467 w 12793577"/>
+              <a:gd name="connsiteY68" fmla="*/ 1681726 h 4203321"/>
+              <a:gd name="connsiteX69" fmla="*/ 1450091 w 12793577"/>
+              <a:gd name="connsiteY69" fmla="*/ 2478478 h 4203321"/>
+              <a:gd name="connsiteX70" fmla="*/ 398378 w 12793577"/>
+              <a:gd name="connsiteY70" fmla="*/ 2478478 h 4203321"/>
+              <a:gd name="connsiteX71" fmla="*/ 2 w 12793577"/>
+              <a:gd name="connsiteY71" fmla="*/ 1681726 h 4203321"/>
+              <a:gd name="connsiteX72" fmla="*/ 9675612 w 12793577"/>
+              <a:gd name="connsiteY72" fmla="*/ 862421 h 4203321"/>
+              <a:gd name="connsiteX73" fmla="*/ 10727325 w 12793577"/>
+              <a:gd name="connsiteY73" fmla="*/ 862421 h 4203321"/>
+              <a:gd name="connsiteX74" fmla="*/ 11125701 w 12793577"/>
+              <a:gd name="connsiteY74" fmla="*/ 1659173 h 4203321"/>
+              <a:gd name="connsiteX75" fmla="*/ 10727325 w 12793577"/>
+              <a:gd name="connsiteY75" fmla="*/ 2455925 h 4203321"/>
+              <a:gd name="connsiteX76" fmla="*/ 9675612 w 12793577"/>
+              <a:gd name="connsiteY76" fmla="*/ 2455925 h 4203321"/>
+              <a:gd name="connsiteX77" fmla="*/ 9277236 w 12793577"/>
+              <a:gd name="connsiteY77" fmla="*/ 1659173 h 4203321"/>
+              <a:gd name="connsiteX78" fmla="*/ 12768024 w 12793577"/>
+              <a:gd name="connsiteY78" fmla="*/ 847989 h 4203321"/>
+              <a:gd name="connsiteX79" fmla="*/ 12773257 w 12793577"/>
+              <a:gd name="connsiteY79" fmla="*/ 858149 h 4203321"/>
+              <a:gd name="connsiteX80" fmla="*/ 12765233 w 12793577"/>
+              <a:gd name="connsiteY80" fmla="*/ 1665061 h 4203321"/>
+              <a:gd name="connsiteX81" fmla="*/ 12763097 w 12793577"/>
+              <a:gd name="connsiteY81" fmla="*/ 2411013 h 4203321"/>
+              <a:gd name="connsiteX82" fmla="*/ 12768024 w 12793577"/>
+              <a:gd name="connsiteY82" fmla="*/ 2441493 h 4203321"/>
+              <a:gd name="connsiteX83" fmla="*/ 12369648 w 12793577"/>
+              <a:gd name="connsiteY83" fmla="*/ 1644741 h 4203321"/>
+              <a:gd name="connsiteX84" fmla="*/ 1946464 w 12793577"/>
+              <a:gd name="connsiteY84" fmla="*/ 19268 h 4203321"/>
+              <a:gd name="connsiteX85" fmla="*/ 2998178 w 12793577"/>
+              <a:gd name="connsiteY85" fmla="*/ 19268 h 4203321"/>
+              <a:gd name="connsiteX86" fmla="*/ 3396553 w 12793577"/>
+              <a:gd name="connsiteY86" fmla="*/ 816020 h 4203321"/>
+              <a:gd name="connsiteX87" fmla="*/ 2998178 w 12793577"/>
+              <a:gd name="connsiteY87" fmla="*/ 1612772 h 4203321"/>
+              <a:gd name="connsiteX88" fmla="*/ 1946464 w 12793577"/>
+              <a:gd name="connsiteY88" fmla="*/ 1612772 h 4203321"/>
+              <a:gd name="connsiteX89" fmla="*/ 1548088 w 12793577"/>
+              <a:gd name="connsiteY89" fmla="*/ 816020 h 4203321"/>
+              <a:gd name="connsiteX90" fmla="*/ 11223698 w 12793577"/>
+              <a:gd name="connsiteY90" fmla="*/ 0 h 4203321"/>
+              <a:gd name="connsiteX91" fmla="*/ 12275411 w 12793577"/>
+              <a:gd name="connsiteY91" fmla="*/ 0 h 4203321"/>
+              <a:gd name="connsiteX92" fmla="*/ 12673787 w 12793577"/>
+              <a:gd name="connsiteY92" fmla="*/ 796752 h 4203321"/>
+              <a:gd name="connsiteX93" fmla="*/ 12275411 w 12793577"/>
+              <a:gd name="connsiteY93" fmla="*/ 1593504 h 4203321"/>
+              <a:gd name="connsiteX94" fmla="*/ 11223698 w 12793577"/>
+              <a:gd name="connsiteY94" fmla="*/ 1593504 h 4203321"/>
+              <a:gd name="connsiteX95" fmla="*/ 10825322 w 12793577"/>
+              <a:gd name="connsiteY95" fmla="*/ 796752 h 4203321"/>
+            </a:gdLst>
+            <a:ahLst/>
+            <a:cxnLst>
+              <a:cxn ang="0">
+                <a:pos x="connsiteX0" y="connsiteY0"/>
+              </a:cxn>
+              <a:cxn ang="0">
+                <a:pos x="connsiteX1" y="connsiteY1"/>
+              </a:cxn>
+              <a:cxn ang="0">
+                <a:pos x="connsiteX2" y="connsiteY2"/>
+              </a:cxn>
+              <a:cxn ang="0">
+                <a:pos x="connsiteX3" y="connsiteY3"/>
+              </a:cxn>
+              <a:cxn ang="0">
+                <a:pos x="connsiteX4" y="connsiteY4"/>
+              </a:cxn>
+              <a:cxn ang="0">
+                <a:pos x="connsiteX5" y="connsiteY5"/>
+              </a:cxn>
+              <a:cxn ang="0">
+                <a:pos x="connsiteX6" y="connsiteY6"/>
+              </a:cxn>
+              <a:cxn ang="0">
+                <a:pos x="connsiteX7" y="connsiteY7"/>
+              </a:cxn>
+              <a:cxn ang="0">
+                <a:pos x="connsiteX8" y="connsiteY8"/>
+              </a:cxn>
+              <a:cxn ang="0">
+                <a:pos x="connsiteX9" y="connsiteY9"/>
+              </a:cxn>
+              <a:cxn ang="0">
+                <a:pos x="connsiteX10" y="connsiteY10"/>
+              </a:cxn>
+              <a:cxn ang="0">
+                <a:pos x="connsiteX11" y="connsiteY11"/>
+              </a:cxn>
+              <a:cxn ang="0">
+                <a:pos x="connsiteX12" y="connsiteY12"/>
+              </a:cxn>
+              <a:cxn ang="0">
+                <a:pos x="connsiteX13" y="connsiteY13"/>
+              </a:cxn>
+              <a:cxn ang="0">
+                <a:pos x="connsiteX14" y="connsiteY14"/>
+              </a:cxn>
+              <a:cxn ang="0">
+                <a:pos x="connsiteX15" y="connsiteY15"/>
+              </a:cxn>
+              <a:cxn ang="0">
+                <a:pos x="connsiteX16" y="connsiteY16"/>
+              </a:cxn>
+              <a:cxn ang="0">
+                <a:pos x="connsiteX17" y="connsiteY17"/>
+              </a:cxn>
+              <a:cxn ang="0">
+                <a:pos x="connsiteX18" y="connsiteY18"/>
+              </a:cxn>
+              <a:cxn ang="0">
+                <a:pos x="connsiteX19" y="connsiteY19"/>
+              </a:cxn>
+              <a:cxn ang="0">
+                <a:pos x="connsiteX20" y="connsiteY20"/>
+              </a:cxn>
+              <a:cxn ang="0">
+                <a:pos x="connsiteX21" y="connsiteY21"/>
+              </a:cxn>
+              <a:cxn ang="0">
+                <a:pos x="connsiteX22" y="connsiteY22"/>
+              </a:cxn>
+              <a:cxn ang="0">
+                <a:pos x="connsiteX23" y="connsiteY23"/>
+              </a:cxn>
+              <a:cxn ang="0">
+                <a:pos x="connsiteX24" y="connsiteY24"/>
+              </a:cxn>
+              <a:cxn ang="0">
+                <a:pos x="connsiteX25" y="connsiteY25"/>
+              </a:cxn>
+              <a:cxn ang="0">
+                <a:pos x="connsiteX26" y="connsiteY26"/>
+              </a:cxn>
+              <a:cxn ang="0">
+                <a:pos x="connsiteX27" y="connsiteY27"/>
+              </a:cxn>
+              <a:cxn ang="0">
+                <a:pos x="connsiteX28" y="connsiteY28"/>
+              </a:cxn>
+              <a:cxn ang="0">
+                <a:pos x="connsiteX29" y="connsiteY29"/>
+              </a:cxn>
+              <a:cxn ang="0">
+                <a:pos x="connsiteX30" y="connsiteY30"/>
+              </a:cxn>
+              <a:cxn ang="0">
+                <a:pos x="connsiteX31" y="connsiteY31"/>
+              </a:cxn>
+              <a:cxn ang="0">
+                <a:pos x="connsiteX32" y="connsiteY32"/>
+              </a:cxn>
+              <a:cxn ang="0">
+                <a:pos x="connsiteX33" y="connsiteY33"/>
+              </a:cxn>
+              <a:cxn ang="0">
+                <a:pos x="connsiteX34" y="connsiteY34"/>
+              </a:cxn>
+              <a:cxn ang="0">
+                <a:pos x="connsiteX35" y="connsiteY35"/>
+              </a:cxn>
+              <a:cxn ang="0">
+                <a:pos x="connsiteX36" y="connsiteY36"/>
+              </a:cxn>
+              <a:cxn ang="0">
+                <a:pos x="connsiteX37" y="connsiteY37"/>
+              </a:cxn>
+              <a:cxn ang="0">
+                <a:pos x="connsiteX38" y="connsiteY38"/>
+              </a:cxn>
+              <a:cxn ang="0">
+                <a:pos x="connsiteX39" y="connsiteY39"/>
+              </a:cxn>
+              <a:cxn ang="0">
+                <a:pos x="connsiteX40" y="connsiteY40"/>
+              </a:cxn>
+              <a:cxn ang="0">
+                <a:pos x="connsiteX41" y="connsiteY41"/>
+              </a:cxn>
+              <a:cxn ang="0">
+                <a:pos x="connsiteX42" y="connsiteY42"/>
+              </a:cxn>
+              <a:cxn ang="0">
+                <a:pos x="connsiteX43" y="connsiteY43"/>
+              </a:cxn>
+              <a:cxn ang="0">
+                <a:pos x="connsiteX44" y="connsiteY44"/>
+              </a:cxn>
+              <a:cxn ang="0">
+                <a:pos x="connsiteX45" y="connsiteY45"/>
+              </a:cxn>
+              <a:cxn ang="0">
+                <a:pos x="connsiteX46" y="connsiteY46"/>
+              </a:cxn>
+              <a:cxn ang="0">
+                <a:pos x="connsiteX47" y="connsiteY47"/>
+              </a:cxn>
+              <a:cxn ang="0">
+                <a:pos x="connsiteX48" y="connsiteY48"/>
+              </a:cxn>
+              <a:cxn ang="0">
+                <a:pos x="connsiteX49" y="connsiteY49"/>
+              </a:cxn>
+              <a:cxn ang="0">
+                <a:pos x="connsiteX50" y="connsiteY50"/>
+              </a:cxn>
+              <a:cxn ang="0">
+                <a:pos x="connsiteX51" y="connsiteY51"/>
+              </a:cxn>
+              <a:cxn ang="0">
+                <a:pos x="connsiteX52" y="connsiteY52"/>
+              </a:cxn>
+              <a:cxn ang="0">
+                <a:pos x="connsiteX53" y="connsiteY53"/>
+              </a:cxn>
+              <a:cxn ang="0">
+                <a:pos x="connsiteX54" y="connsiteY54"/>
+              </a:cxn>
+              <a:cxn ang="0">
+                <a:pos x="connsiteX55" y="connsiteY55"/>
+              </a:cxn>
+              <a:cxn ang="0">
+                <a:pos x="connsiteX56" y="connsiteY56"/>
+              </a:cxn>
+              <a:cxn ang="0">
+                <a:pos x="connsiteX57" y="connsiteY57"/>
+              </a:cxn>
+              <a:cxn ang="0">
+                <a:pos x="connsiteX58" y="connsiteY58"/>
+              </a:cxn>
+              <a:cxn ang="0">
+                <a:pos x="connsiteX59" y="connsiteY59"/>
+              </a:cxn>
+              <a:cxn ang="0">
+                <a:pos x="connsiteX60" y="connsiteY60"/>
+              </a:cxn>
+              <a:cxn ang="0">
+                <a:pos x="connsiteX61" y="connsiteY61"/>
+              </a:cxn>
+              <a:cxn ang="0">
+                <a:pos x="connsiteX62" y="connsiteY62"/>
+              </a:cxn>
+              <a:cxn ang="0">
+                <a:pos x="connsiteX63" y="connsiteY63"/>
+              </a:cxn>
+              <a:cxn ang="0">
+                <a:pos x="connsiteX64" y="connsiteY64"/>
+              </a:cxn>
+              <a:cxn ang="0">
+                <a:pos x="connsiteX65" y="connsiteY65"/>
+              </a:cxn>
+              <a:cxn ang="0">
+                <a:pos x="connsiteX66" y="connsiteY66"/>
+              </a:cxn>
+              <a:cxn ang="0">
+                <a:pos x="connsiteX67" y="connsiteY67"/>
+              </a:cxn>
+              <a:cxn ang="0">
+                <a:pos x="connsiteX68" y="connsiteY68"/>
+              </a:cxn>
+              <a:cxn ang="0">
+                <a:pos x="connsiteX69" y="connsiteY69"/>
+              </a:cxn>
+              <a:cxn ang="0">
+                <a:pos x="connsiteX70" y="connsiteY70"/>
+              </a:cxn>
+              <a:cxn ang="0">
+                <a:pos x="connsiteX71" y="connsiteY71"/>
+              </a:cxn>
+              <a:cxn ang="0">
+                <a:pos x="connsiteX72" y="connsiteY72"/>
+              </a:cxn>
+              <a:cxn ang="0">
+                <a:pos x="connsiteX73" y="connsiteY73"/>
+              </a:cxn>
+              <a:cxn ang="0">
+                <a:pos x="connsiteX74" y="connsiteY74"/>
+              </a:cxn>
+              <a:cxn ang="0">
+                <a:pos x="connsiteX75" y="connsiteY75"/>
+              </a:cxn>
+              <a:cxn ang="0">
+                <a:pos x="connsiteX76" y="connsiteY76"/>
+              </a:cxn>
+              <a:cxn ang="0">
+                <a:pos x="connsiteX77" y="connsiteY77"/>
+              </a:cxn>
+              <a:cxn ang="0">
+                <a:pos x="connsiteX78" y="connsiteY78"/>
+              </a:cxn>
+              <a:cxn ang="0">
+                <a:pos x="connsiteX79" y="connsiteY79"/>
+              </a:cxn>
+              <a:cxn ang="0">
+                <a:pos x="connsiteX80" y="connsiteY80"/>
+              </a:cxn>
+              <a:cxn ang="0">
+                <a:pos x="connsiteX81" y="connsiteY81"/>
+              </a:cxn>
+              <a:cxn ang="0">
+                <a:pos x="connsiteX82" y="connsiteY82"/>
+              </a:cxn>
+              <a:cxn ang="0">
+                <a:pos x="connsiteX83" y="connsiteY83"/>
+              </a:cxn>
+              <a:cxn ang="0">
+                <a:pos x="connsiteX84" y="connsiteY84"/>
+              </a:cxn>
+              <a:cxn ang="0">
+                <a:pos x="connsiteX85" y="connsiteY85"/>
+              </a:cxn>
+              <a:cxn ang="0">
+                <a:pos x="connsiteX86" y="connsiteY86"/>
+              </a:cxn>
+              <a:cxn ang="0">
+                <a:pos x="connsiteX87" y="connsiteY87"/>
+              </a:cxn>
+              <a:cxn ang="0">
+                <a:pos x="connsiteX88" y="connsiteY88"/>
+              </a:cxn>
+              <a:cxn ang="0">
+                <a:pos x="connsiteX89" y="connsiteY89"/>
+              </a:cxn>
+              <a:cxn ang="0">
+                <a:pos x="connsiteX90" y="connsiteY90"/>
+              </a:cxn>
+              <a:cxn ang="0">
+                <a:pos x="connsiteX91" y="connsiteY91"/>
+              </a:cxn>
+              <a:cxn ang="0">
+                <a:pos x="connsiteX92" y="connsiteY92"/>
+              </a:cxn>
+              <a:cxn ang="0">
+                <a:pos x="connsiteX93" y="connsiteY93"/>
+              </a:cxn>
+              <a:cxn ang="0">
+                <a:pos x="connsiteX94" y="connsiteY94"/>
+              </a:cxn>
+              <a:cxn ang="0">
+                <a:pos x="connsiteX95" y="connsiteY95"/>
+              </a:cxn>
+            </a:cxnLst>
+            <a:rect l="l" t="t" r="r" b="b"/>
+            <a:pathLst>
+              <a:path w="12793577" h="4203321">
+                <a:moveTo>
+                  <a:pt x="6583200" y="2609817"/>
+                </a:moveTo>
+                <a:lnTo>
+                  <a:pt x="7634913" y="2609817"/>
+                </a:lnTo>
+                <a:lnTo>
+                  <a:pt x="8033289" y="3406569"/>
+                </a:lnTo>
+                <a:lnTo>
+                  <a:pt x="7634913" y="4203321"/>
+                </a:lnTo>
+                <a:lnTo>
+                  <a:pt x="6583200" y="4203321"/>
+                </a:lnTo>
+                <a:lnTo>
+                  <a:pt x="6184824" y="3406569"/>
+                </a:lnTo>
+                <a:close/>
+                <a:moveTo>
+                  <a:pt x="3490789" y="2609817"/>
+                </a:moveTo>
+                <a:lnTo>
+                  <a:pt x="4542502" y="2609817"/>
+                </a:lnTo>
+                <a:lnTo>
+                  <a:pt x="4940879" y="3406569"/>
+                </a:lnTo>
+                <a:lnTo>
+                  <a:pt x="4542502" y="4203321"/>
+                </a:lnTo>
+                <a:lnTo>
+                  <a:pt x="3490789" y="4203321"/>
+                </a:lnTo>
+                <a:lnTo>
+                  <a:pt x="3092413" y="3406569"/>
+                </a:lnTo>
+                <a:close/>
+                <a:moveTo>
+                  <a:pt x="398376" y="2609817"/>
+                </a:moveTo>
+                <a:lnTo>
+                  <a:pt x="1450089" y="2609817"/>
+                </a:lnTo>
+                <a:lnTo>
+                  <a:pt x="1848465" y="3406569"/>
+                </a:lnTo>
+                <a:lnTo>
+                  <a:pt x="1450089" y="4203321"/>
+                </a:lnTo>
+                <a:lnTo>
+                  <a:pt x="398376" y="4203321"/>
+                </a:lnTo>
+                <a:lnTo>
+                  <a:pt x="0" y="3406569"/>
+                </a:lnTo>
+                <a:close/>
+                <a:moveTo>
+                  <a:pt x="9675612" y="2587264"/>
+                </a:moveTo>
+                <a:lnTo>
+                  <a:pt x="10727325" y="2587264"/>
+                </a:lnTo>
+                <a:lnTo>
+                  <a:pt x="11125701" y="3384016"/>
+                </a:lnTo>
+                <a:lnTo>
+                  <a:pt x="10727325" y="4180768"/>
+                </a:lnTo>
+                <a:lnTo>
+                  <a:pt x="9675612" y="4180768"/>
+                </a:lnTo>
+                <a:lnTo>
+                  <a:pt x="9277236" y="3384016"/>
+                </a:lnTo>
+                <a:close/>
+                <a:moveTo>
+                  <a:pt x="12793577" y="2523828"/>
+                </a:moveTo>
+                <a:lnTo>
+                  <a:pt x="12765233" y="3310420"/>
+                </a:lnTo>
+                <a:cubicBezTo>
+                  <a:pt x="12767908" y="3582777"/>
+                  <a:pt x="12770582" y="3855135"/>
+                  <a:pt x="12773257" y="4127492"/>
+                </a:cubicBezTo>
+                <a:lnTo>
+                  <a:pt x="12768024" y="4137652"/>
+                </a:lnTo>
+                <a:lnTo>
+                  <a:pt x="12369648" y="3340900"/>
+                </a:lnTo>
+                <a:lnTo>
+                  <a:pt x="12768024" y="2544148"/>
+                </a:lnTo>
+                <a:close/>
+                <a:moveTo>
+                  <a:pt x="8131286" y="1747396"/>
+                </a:moveTo>
+                <a:lnTo>
+                  <a:pt x="9182999" y="1747396"/>
+                </a:lnTo>
+                <a:lnTo>
+                  <a:pt x="9581375" y="2544148"/>
+                </a:lnTo>
+                <a:lnTo>
+                  <a:pt x="9182999" y="3340900"/>
+                </a:lnTo>
+                <a:lnTo>
+                  <a:pt x="8131286" y="3340900"/>
+                </a:lnTo>
+                <a:lnTo>
+                  <a:pt x="7732910" y="2544148"/>
+                </a:lnTo>
+                <a:close/>
+                <a:moveTo>
+                  <a:pt x="5038875" y="1747396"/>
+                </a:moveTo>
+                <a:lnTo>
+                  <a:pt x="6090587" y="1747396"/>
+                </a:lnTo>
+                <a:lnTo>
+                  <a:pt x="6488963" y="2544148"/>
+                </a:lnTo>
+                <a:lnTo>
+                  <a:pt x="6090587" y="3340900"/>
+                </a:lnTo>
+                <a:lnTo>
+                  <a:pt x="5038875" y="3340900"/>
+                </a:lnTo>
+                <a:lnTo>
+                  <a:pt x="4640499" y="2544148"/>
+                </a:lnTo>
+                <a:close/>
+                <a:moveTo>
+                  <a:pt x="1946462" y="1747396"/>
+                </a:moveTo>
+                <a:lnTo>
+                  <a:pt x="2998175" y="1747396"/>
+                </a:lnTo>
+                <a:lnTo>
+                  <a:pt x="3396552" y="2544148"/>
+                </a:lnTo>
+                <a:lnTo>
+                  <a:pt x="2998175" y="3340900"/>
+                </a:lnTo>
+                <a:lnTo>
+                  <a:pt x="1946462" y="3340900"/>
+                </a:lnTo>
+                <a:lnTo>
+                  <a:pt x="1548086" y="2544148"/>
+                </a:lnTo>
+                <a:close/>
+                <a:moveTo>
+                  <a:pt x="11223698" y="1724843"/>
+                </a:moveTo>
+                <a:lnTo>
+                  <a:pt x="12275411" y="1724843"/>
+                </a:lnTo>
+                <a:lnTo>
+                  <a:pt x="12673787" y="2521595"/>
+                </a:lnTo>
+                <a:lnTo>
+                  <a:pt x="12275411" y="3318347"/>
+                </a:lnTo>
+                <a:lnTo>
+                  <a:pt x="11223698" y="3318347"/>
+                </a:lnTo>
+                <a:lnTo>
+                  <a:pt x="10825322" y="2521595"/>
+                </a:lnTo>
+                <a:close/>
+                <a:moveTo>
+                  <a:pt x="6583200" y="884974"/>
+                </a:moveTo>
+                <a:lnTo>
+                  <a:pt x="7634913" y="884974"/>
+                </a:lnTo>
+                <a:lnTo>
+                  <a:pt x="8033289" y="1681726"/>
+                </a:lnTo>
+                <a:lnTo>
+                  <a:pt x="7634913" y="2478478"/>
+                </a:lnTo>
+                <a:lnTo>
+                  <a:pt x="6583200" y="2478478"/>
+                </a:lnTo>
+                <a:lnTo>
+                  <a:pt x="6184827" y="1681726"/>
+                </a:lnTo>
+                <a:close/>
+                <a:moveTo>
+                  <a:pt x="3490791" y="884974"/>
+                </a:moveTo>
+                <a:lnTo>
+                  <a:pt x="4542503" y="884974"/>
+                </a:lnTo>
+                <a:lnTo>
+                  <a:pt x="4940880" y="1681726"/>
+                </a:lnTo>
+                <a:lnTo>
+                  <a:pt x="4542503" y="2478478"/>
+                </a:lnTo>
+                <a:lnTo>
+                  <a:pt x="3490791" y="2478478"/>
+                </a:lnTo>
+                <a:lnTo>
+                  <a:pt x="3092415" y="1681726"/>
+                </a:lnTo>
+                <a:close/>
+                <a:moveTo>
+                  <a:pt x="398378" y="884974"/>
+                </a:moveTo>
+                <a:lnTo>
+                  <a:pt x="1450091" y="884974"/>
+                </a:lnTo>
+                <a:lnTo>
+                  <a:pt x="1848467" y="1681726"/>
+                </a:lnTo>
+                <a:lnTo>
+                  <a:pt x="1450091" y="2478478"/>
+                </a:lnTo>
+                <a:lnTo>
+                  <a:pt x="398378" y="2478478"/>
+                </a:lnTo>
+                <a:lnTo>
+                  <a:pt x="2" y="1681726"/>
+                </a:lnTo>
+                <a:close/>
+                <a:moveTo>
+                  <a:pt x="9675612" y="862421"/>
+                </a:moveTo>
+                <a:lnTo>
+                  <a:pt x="10727325" y="862421"/>
+                </a:lnTo>
+                <a:lnTo>
+                  <a:pt x="11125701" y="1659173"/>
+                </a:lnTo>
+                <a:lnTo>
+                  <a:pt x="10727325" y="2455925"/>
+                </a:lnTo>
+                <a:lnTo>
+                  <a:pt x="9675612" y="2455925"/>
+                </a:lnTo>
+                <a:lnTo>
+                  <a:pt x="9277236" y="1659173"/>
+                </a:lnTo>
+                <a:close/>
+                <a:moveTo>
+                  <a:pt x="12768024" y="847989"/>
+                </a:moveTo>
+                <a:lnTo>
+                  <a:pt x="12773257" y="858149"/>
+                </a:lnTo>
+                <a:cubicBezTo>
+                  <a:pt x="12770582" y="1127120"/>
+                  <a:pt x="12767908" y="1396090"/>
+                  <a:pt x="12765233" y="1665061"/>
+                </a:cubicBezTo>
+                <a:lnTo>
+                  <a:pt x="12763097" y="2411013"/>
+                </a:lnTo>
+                <a:lnTo>
+                  <a:pt x="12768024" y="2441493"/>
+                </a:lnTo>
+                <a:lnTo>
+                  <a:pt x="12369648" y="1644741"/>
+                </a:lnTo>
+                <a:close/>
+                <a:moveTo>
+                  <a:pt x="1946464" y="19268"/>
+                </a:moveTo>
+                <a:lnTo>
+                  <a:pt x="2998178" y="19268"/>
+                </a:lnTo>
+                <a:lnTo>
+                  <a:pt x="3396553" y="816020"/>
+                </a:lnTo>
+                <a:lnTo>
+                  <a:pt x="2998178" y="1612772"/>
+                </a:lnTo>
+                <a:lnTo>
+                  <a:pt x="1946464" y="1612772"/>
+                </a:lnTo>
+                <a:lnTo>
+                  <a:pt x="1548088" y="816020"/>
+                </a:lnTo>
+                <a:close/>
+                <a:moveTo>
+                  <a:pt x="11223698" y="0"/>
+                </a:moveTo>
+                <a:lnTo>
+                  <a:pt x="12275411" y="0"/>
+                </a:lnTo>
+                <a:lnTo>
+                  <a:pt x="12673787" y="796752"/>
+                </a:lnTo>
+                <a:lnTo>
+                  <a:pt x="12275411" y="1593504"/>
+                </a:lnTo>
+                <a:lnTo>
+                  <a:pt x="11223698" y="1593504"/>
+                </a:lnTo>
+                <a:lnTo>
+                  <a:pt x="10825322" y="796752"/>
+                </a:lnTo>
+                <a:close/>
+              </a:path>
+            </a:pathLst>
+          </a:custGeom>
+          <a:blipFill dpi="0" rotWithShape="1">
+            <a:blip r:embed="rId4">
+              <a:extLst>
+                <a:ext uri="{28A0092B-C50C-407E-A947-70E740481C1C}">
+                  <a14:useLocalDpi xmlns:a14="http://schemas.microsoft.com/office/drawing/2010/main" val="0"/>
+                </a:ext>
+              </a:extLst>
+            </a:blip>
+            <a:srcRect/>
+            <a:stretch>
+              <a:fillRect/>
+            </a:stretch>
+          </a:blipFill>
+          <a:ln>
+            <a:noFill/>
+          </a:ln>
+        </p:spPr>
+        <p:style>
+          <a:lnRef idx="2">
+            <a:schemeClr val="accent1">
+              <a:shade val="15000"/>
+            </a:schemeClr>
+          </a:lnRef>
+          <a:fillRef idx="1">
+            <a:schemeClr val="accent1"/>
+          </a:fillRef>
+          <a:effectRef idx="0">
+            <a:schemeClr val="accent1"/>
+          </a:effectRef>
+          <a:fontRef idx="minor">
+            <a:schemeClr val="lt1"/>
+          </a:fontRef>
+        </p:style>
+        <p:txBody>
+          <a:bodyPr wrap="square" rtlCol="0" anchor="ctr">
+            <a:noAutofit/>
+          </a:bodyPr>
+          <a:lstStyle/>
+          <a:p>
+            <a:pPr algn="ctr"/>
+            <a:endParaRPr lang="da-DK"/>
           </a:p>
         </p:txBody>
       </p:sp>
@@ -3933,7 +7413,7 @@
           <p:nvPr/>
         </p:nvPicPr>
         <p:blipFill>
-          <a:blip r:embed="rId2">
+          <a:blip r:embed="rId5">
             <a:extLst>
               <a:ext uri="{28A0092B-C50C-407E-A947-70E740481C1C}">
                 <a14:useLocalDpi xmlns:a14="http://schemas.microsoft.com/office/drawing/2010/main" val="0"/>
@@ -3956,25 +7436,147 @@
       </p:pic>
       <p:sp>
         <p:nvSpPr>
-          <p:cNvPr id="11" name="Rektangel 10">
-            <a:extLst>
-              <a:ext uri="{FF2B5EF4-FFF2-40B4-BE49-F238E27FC236}">
-                <a16:creationId xmlns:a16="http://schemas.microsoft.com/office/drawing/2014/main" id="{C39C41FA-2579-23A3-7F28-1221AFCAFC88}"/>
-              </a:ext>
-            </a:extLst>
-          </p:cNvPr>
-          <p:cNvSpPr/>
+          <p:cNvPr id="7" name="Tekstfelt 6">
+            <a:extLst>
+              <a:ext uri="{FF2B5EF4-FFF2-40B4-BE49-F238E27FC236}">
+                <a16:creationId xmlns:a16="http://schemas.microsoft.com/office/drawing/2014/main" id="{56473B69-1AE1-CF54-B73F-5AD3FAAFA676}"/>
+              </a:ext>
+            </a:extLst>
+          </p:cNvPr>
+          <p:cNvSpPr txBox="1"/>
           <p:nvPr/>
         </p:nvSpPr>
         <p:spPr>
           <a:xfrm>
-            <a:off x="285135" y="2998836"/>
-            <a:ext cx="11729884" cy="58994"/>
+            <a:off x="9330813" y="415102"/>
+            <a:ext cx="2448725" cy="461665"/>
           </a:xfrm>
           <a:prstGeom prst="rect">
             <a:avLst/>
           </a:prstGeom>
           <a:noFill/>
+        </p:spPr>
+        <p:txBody>
+          <a:bodyPr wrap="square" rtlCol="0">
+            <a:spAutoFit/>
+          </a:bodyPr>
+          <a:lstStyle/>
+          <a:p>
+            <a:pPr algn="r"/>
+            <a:r>
+              <a:rPr lang="da-DK" sz="2400" b="1" dirty="0">
+                <a:solidFill>
+                  <a:schemeClr val="bg1"/>
+                </a:solidFill>
+                <a:latin typeface="Arial" panose="020B0604020202020204" pitchFamily="34" charset="0"/>
+                <a:cs typeface="Arial" panose="020B0604020202020204" pitchFamily="34" charset="0"/>
+              </a:rPr>
+              <a:t>P</a:t>
+            </a:r>
+            <a:r>
+              <a:rPr lang="da-DK" sz="2400" b="1" i="0" u="none" strike="noStrike" dirty="0">
+                <a:solidFill>
+                  <a:schemeClr val="bg1"/>
+                </a:solidFill>
+                <a:effectLst/>
+                <a:latin typeface="Arial" panose="020B0604020202020204" pitchFamily="34" charset="0"/>
+                <a:cs typeface="Arial" panose="020B0604020202020204" pitchFamily="34" charset="0"/>
+              </a:rPr>
+              <a:t>rioriteringer</a:t>
+            </a:r>
+            <a:r>
+              <a:rPr lang="da-DK" sz="2400" i="0" u="none" strike="noStrike" dirty="0">
+                <a:solidFill>
+                  <a:schemeClr val="bg1"/>
+                </a:solidFill>
+                <a:effectLst/>
+                <a:latin typeface="Arial" panose="020B0604020202020204" pitchFamily="34" charset="0"/>
+                <a:cs typeface="Arial" panose="020B0604020202020204" pitchFamily="34" charset="0"/>
+              </a:rPr>
+              <a:t> </a:t>
+            </a:r>
+            <a:endParaRPr lang="da-DK" sz="2400" dirty="0">
+              <a:solidFill>
+                <a:schemeClr val="bg1"/>
+              </a:solidFill>
+              <a:latin typeface="Arial" panose="020B0604020202020204" pitchFamily="34" charset="0"/>
+              <a:cs typeface="Arial" panose="020B0604020202020204" pitchFamily="34" charset="0"/>
+            </a:endParaRPr>
+          </a:p>
+        </p:txBody>
+      </p:sp>
+      <p:sp>
+        <p:nvSpPr>
+          <p:cNvPr id="18" name="Tekstfelt 17">
+            <a:extLst>
+              <a:ext uri="{FF2B5EF4-FFF2-40B4-BE49-F238E27FC236}">
+                <a16:creationId xmlns:a16="http://schemas.microsoft.com/office/drawing/2014/main" id="{9625D84E-8142-561B-5AEE-491CB041BB8C}"/>
+              </a:ext>
+            </a:extLst>
+          </p:cNvPr>
+          <p:cNvSpPr txBox="1"/>
+          <p:nvPr/>
+        </p:nvSpPr>
+        <p:spPr>
+          <a:xfrm>
+            <a:off x="12074019" y="414678"/>
+            <a:ext cx="2448725" cy="461665"/>
+          </a:xfrm>
+          <a:prstGeom prst="rect">
+            <a:avLst/>
+          </a:prstGeom>
+          <a:noFill/>
+        </p:spPr>
+        <p:txBody>
+          <a:bodyPr wrap="square" rtlCol="0">
+            <a:spAutoFit/>
+          </a:bodyPr>
+          <a:lstStyle/>
+          <a:p>
+            <a:pPr algn="r"/>
+            <a:r>
+              <a:rPr lang="da-DK" sz="2400" b="1" dirty="0">
+                <a:solidFill>
+                  <a:schemeClr val="bg1"/>
+                </a:solidFill>
+                <a:latin typeface="Arial" panose="020B0604020202020204" pitchFamily="34" charset="0"/>
+                <a:cs typeface="Arial" panose="020B0604020202020204" pitchFamily="34" charset="0"/>
+              </a:rPr>
+              <a:t>Målgruppe</a:t>
+            </a:r>
+            <a:endParaRPr lang="da-DK" sz="2400" dirty="0">
+              <a:solidFill>
+                <a:schemeClr val="bg1"/>
+              </a:solidFill>
+              <a:latin typeface="Arial" panose="020B0604020202020204" pitchFamily="34" charset="0"/>
+              <a:cs typeface="Arial" panose="020B0604020202020204" pitchFamily="34" charset="0"/>
+            </a:endParaRPr>
+          </a:p>
+        </p:txBody>
+      </p:sp>
+      <p:sp>
+        <p:nvSpPr>
+          <p:cNvPr id="24" name="Rektangel 23">
+            <a:extLst>
+              <a:ext uri="{FF2B5EF4-FFF2-40B4-BE49-F238E27FC236}">
+                <a16:creationId xmlns:a16="http://schemas.microsoft.com/office/drawing/2014/main" id="{609566C5-5567-848A-1AF1-F7806EEB1715}"/>
+              </a:ext>
+            </a:extLst>
+          </p:cNvPr>
+          <p:cNvSpPr/>
+          <p:nvPr/>
+        </p:nvSpPr>
+        <p:spPr>
+          <a:xfrm>
+            <a:off x="4502685" y="1262664"/>
+            <a:ext cx="3002280" cy="45719"/>
+          </a:xfrm>
+          <a:prstGeom prst="rect">
+            <a:avLst/>
+          </a:prstGeom>
+          <a:solidFill>
+            <a:srgbClr val="3C5D4D"/>
+          </a:solidFill>
           <a:ln>
             <a:noFill/>
           </a:ln>
@@ -4004,23 +7606,3686 @@
           </a:p>
         </p:txBody>
       </p:sp>
+      <p:pic>
+        <p:nvPicPr>
+          <p:cNvPr id="28" name="Billede 27">
+            <a:extLst>
+              <a:ext uri="{FF2B5EF4-FFF2-40B4-BE49-F238E27FC236}">
+                <a16:creationId xmlns:a16="http://schemas.microsoft.com/office/drawing/2014/main" id="{811C5042-4428-8408-B47F-CE1D556A963F}"/>
+              </a:ext>
+            </a:extLst>
+          </p:cNvPr>
+          <p:cNvPicPr>
+            <a:picLocks noChangeAspect="1"/>
+          </p:cNvPicPr>
+          <p:nvPr/>
+        </p:nvPicPr>
+        <p:blipFill rotWithShape="1">
+          <a:blip r:embed="rId6"/>
+          <a:srcRect t="-1" b="1"/>
+          <a:stretch/>
+        </p:blipFill>
+        <p:spPr>
+          <a:xfrm>
+            <a:off x="877368" y="7571859"/>
+            <a:ext cx="6233041" cy="3160415"/>
+          </a:xfrm>
+          <a:prstGeom prst="rect">
+            <a:avLst/>
+          </a:prstGeom>
+        </p:spPr>
+      </p:pic>
+      <p:sp>
+        <p:nvSpPr>
+          <p:cNvPr id="29" name="Tekstfelt 28">
+            <a:extLst>
+              <a:ext uri="{FF2B5EF4-FFF2-40B4-BE49-F238E27FC236}">
+                <a16:creationId xmlns:a16="http://schemas.microsoft.com/office/drawing/2014/main" id="{D45BCEA7-F7F7-3AA4-512E-4BEC33D1246B}"/>
+              </a:ext>
+            </a:extLst>
+          </p:cNvPr>
+          <p:cNvSpPr txBox="1"/>
+          <p:nvPr/>
+        </p:nvSpPr>
+        <p:spPr>
+          <a:xfrm>
+            <a:off x="8190272" y="7539008"/>
+            <a:ext cx="2861187" cy="923330"/>
+          </a:xfrm>
+          <a:prstGeom prst="rect">
+            <a:avLst/>
+          </a:prstGeom>
+          <a:noFill/>
+        </p:spPr>
+        <p:txBody>
+          <a:bodyPr wrap="square" rtlCol="0">
+            <a:spAutoFit/>
+          </a:bodyPr>
+          <a:lstStyle/>
+          <a:p>
+            <a:r>
+              <a:rPr lang="da-DK" b="1" dirty="0">
+                <a:solidFill>
+                  <a:srgbClr val="000000"/>
+                </a:solidFill>
+                <a:latin typeface="Arial" panose="020B0604020202020204" pitchFamily="34" charset="0"/>
+              </a:rPr>
+              <a:t>V</a:t>
+            </a:r>
+            <a:r>
+              <a:rPr lang="da-DK" sz="1800" b="1" i="0" u="none" strike="noStrike" dirty="0">
+                <a:solidFill>
+                  <a:srgbClr val="000000"/>
+                </a:solidFill>
+                <a:effectLst/>
+                <a:latin typeface="Arial" panose="020B0604020202020204" pitchFamily="34" charset="0"/>
+              </a:rPr>
+              <a:t>ideo</a:t>
+            </a:r>
+            <a:br>
+              <a:rPr lang="da-DK" sz="1800" b="0" i="0" u="none" strike="noStrike" dirty="0">
+                <a:solidFill>
+                  <a:srgbClr val="000000"/>
+                </a:solidFill>
+                <a:effectLst/>
+                <a:latin typeface="Arial" panose="020B0604020202020204" pitchFamily="34" charset="0"/>
+              </a:rPr>
+            </a:br>
+            <a:r>
+              <a:rPr lang="da-DK" sz="1800" b="0" i="0" u="none" strike="noStrike" dirty="0">
+                <a:solidFill>
+                  <a:srgbClr val="000000"/>
+                </a:solidFill>
+                <a:effectLst/>
+                <a:latin typeface="Arial" panose="020B0604020202020204" pitchFamily="34" charset="0"/>
+              </a:rPr>
+              <a:t>- Photoshop</a:t>
+            </a:r>
+            <a:br>
+              <a:rPr lang="da-DK" sz="1800" b="0" i="0" u="none" strike="noStrike" dirty="0">
+                <a:solidFill>
+                  <a:srgbClr val="000000"/>
+                </a:solidFill>
+                <a:effectLst/>
+                <a:latin typeface="Arial" panose="020B0604020202020204" pitchFamily="34" charset="0"/>
+              </a:rPr>
+            </a:br>
+            <a:r>
+              <a:rPr lang="da-DK" sz="1800" b="0" i="0" u="none" strike="noStrike" dirty="0">
+                <a:solidFill>
+                  <a:srgbClr val="000000"/>
+                </a:solidFill>
+                <a:effectLst/>
+                <a:latin typeface="Arial" panose="020B0604020202020204" pitchFamily="34" charset="0"/>
+              </a:rPr>
+              <a:t>- AI stemme</a:t>
+            </a:r>
+            <a:endParaRPr lang="da-DK" dirty="0">
+              <a:solidFill>
+                <a:srgbClr val="000000"/>
+              </a:solidFill>
+              <a:latin typeface="Arial" panose="020B0604020202020204" pitchFamily="34" charset="0"/>
+            </a:endParaRPr>
+          </a:p>
+        </p:txBody>
+      </p:sp>
     </p:spTree>
     <p:extLst>
       <p:ext uri="{BB962C8B-B14F-4D97-AF65-F5344CB8AC3E}">
-        <p14:creationId xmlns:p14="http://schemas.microsoft.com/office/powerpoint/2010/main" val="4159412256"/>
+        <p14:creationId xmlns:p14="http://schemas.microsoft.com/office/powerpoint/2010/main" val="2725809272"/>
       </p:ext>
     </p:extLst>
   </p:cSld>
   <p:clrMapOvr>
     <a:masterClrMapping/>
   </p:clrMapOvr>
-  <mc:AlternateContent xmlns:mc="http://schemas.openxmlformats.org/markup-compatibility/2006">
-    <mc:Choice xmlns:p159="http://schemas.microsoft.com/office/powerpoint/2015/09/main" Requires="p159">
-      <p:transition xmlns:p14="http://schemas.microsoft.com/office/powerpoint/2010/main" spd="slow" p14:dur="2000">
+  <mc:AlternateContent xmlns:mc="http://schemas.openxmlformats.org/markup-compatibility/2006" xmlns:p159="http://schemas.microsoft.com/office/powerpoint/2015/09/main">
+    <mc:Choice Requires="p159">
+      <p:transition spd="slow">
         <p159:morph option="byObject"/>
       </p:transition>
     </mc:Choice>
-    <mc:Fallback>
+    <mc:Fallback xmlns="">
+      <p:transition spd="slow">
+        <p:fade/>
+      </p:transition>
+    </mc:Fallback>
+  </mc:AlternateContent>
+  <p:timing>
+    <p:tnLst>
+      <p:par>
+        <p:cTn id="1" dur="indefinite" restart="never" nodeType="tmRoot">
+          <p:childTnLst>
+            <p:seq concurrent="1" nextAc="seek">
+              <p:cTn id="2" dur="indefinite" nodeType="mainSeq">
+                <p:childTnLst>
+                  <p:par>
+                    <p:cTn id="3" fill="hold">
+                      <p:stCondLst>
+                        <p:cond delay="indefinite"/>
+                        <p:cond evt="onBegin" delay="0">
+                          <p:tn val="2"/>
+                        </p:cond>
+                      </p:stCondLst>
+                      <p:childTnLst>
+                        <p:par>
+                          <p:cTn id="4" fill="hold">
+                            <p:stCondLst>
+                              <p:cond delay="0"/>
+                            </p:stCondLst>
+                            <p:childTnLst>
+                              <p:par>
+                                <p:cTn id="5" presetID="8" presetClass="emph" presetSubtype="0" repeatCount="indefinite" fill="hold" nodeType="withEffect">
+                                  <p:stCondLst>
+                                    <p:cond delay="0"/>
+                                  </p:stCondLst>
+                                  <p:childTnLst>
+                                    <p:animRot by="21600000">
+                                      <p:cBhvr>
+                                        <p:cTn id="6" dur="2000" fill="hold"/>
+                                        <p:tgtEl>
+                                          <p:spTgt spid="20"/>
+                                        </p:tgtEl>
+                                        <p:attrNameLst>
+                                          <p:attrName>r</p:attrName>
+                                        </p:attrNameLst>
+                                      </p:cBhvr>
+                                    </p:animRot>
+                                  </p:childTnLst>
+                                </p:cTn>
+                              </p:par>
+                            </p:childTnLst>
+                          </p:cTn>
+                        </p:par>
+                      </p:childTnLst>
+                    </p:cTn>
+                  </p:par>
+                </p:childTnLst>
+              </p:cTn>
+              <p:prevCondLst>
+                <p:cond evt="onPrev" delay="0">
+                  <p:tgtEl>
+                    <p:sldTgt/>
+                  </p:tgtEl>
+                </p:cond>
+              </p:prevCondLst>
+              <p:nextCondLst>
+                <p:cond evt="onNext" delay="0">
+                  <p:tgtEl>
+                    <p:sldTgt/>
+                  </p:tgtEl>
+                </p:cond>
+              </p:nextCondLst>
+            </p:seq>
+          </p:childTnLst>
+        </p:cTn>
+      </p:par>
+    </p:tnLst>
+  </p:timing>
+</p:sld>
+</file>
+
+<file path=ppt/slides/slide3.xml><?xml version="1.0" encoding="utf-8"?>
+<p:sld xmlns:a="http://schemas.openxmlformats.org/drawingml/2006/main" xmlns:r="http://schemas.openxmlformats.org/officeDocument/2006/relationships" xmlns:p="http://schemas.openxmlformats.org/presentationml/2006/main">
+  <p:cSld>
+    <p:spTree>
+      <p:nvGrpSpPr>
+        <p:cNvPr id="1" name=""/>
+        <p:cNvGrpSpPr/>
+        <p:nvPr/>
+      </p:nvGrpSpPr>
+      <p:grpSpPr>
+        <a:xfrm>
+          <a:off x="0" y="0"/>
+          <a:ext cx="0" cy="0"/>
+          <a:chOff x="0" y="0"/>
+          <a:chExt cx="0" cy="0"/>
+        </a:xfrm>
+      </p:grpSpPr>
+      <p:pic>
+        <p:nvPicPr>
+          <p:cNvPr id="19" name="Picture 2" descr="Ingen tilgængelig beskrivelse.">
+            <a:extLst>
+              <a:ext uri="{FF2B5EF4-FFF2-40B4-BE49-F238E27FC236}">
+                <a16:creationId xmlns:a16="http://schemas.microsoft.com/office/drawing/2014/main" id="{2F4B2612-649A-8149-E1DE-0D098EE54359}"/>
+              </a:ext>
+            </a:extLst>
+          </p:cNvPr>
+          <p:cNvPicPr>
+            <a:picLocks noChangeAspect="1" noChangeArrowheads="1"/>
+          </p:cNvPicPr>
+          <p:nvPr/>
+        </p:nvPicPr>
+        <p:blipFill rotWithShape="1">
+          <a:blip r:embed="rId2">
+            <a:extLst>
+              <a:ext uri="{28A0092B-C50C-407E-A947-70E740481C1C}">
+                <a14:useLocalDpi xmlns:a14="http://schemas.microsoft.com/office/drawing/2010/main" val="0"/>
+              </a:ext>
+            </a:extLst>
+          </a:blip>
+          <a:srcRect l="22152" t="68825" r="73215" b="15086"/>
+          <a:stretch/>
+        </p:blipFill>
+        <p:spPr bwMode="auto">
+          <a:xfrm>
+            <a:off x="5760720" y="3051914"/>
+            <a:ext cx="1259840" cy="2078886"/>
+          </a:xfrm>
+          <a:prstGeom prst="rect">
+            <a:avLst/>
+          </a:prstGeom>
+          <a:noFill/>
+          <a:extLst>
+            <a:ext uri="{909E8E84-426E-40DD-AFC4-6F175D3DCCD1}">
+              <a14:hiddenFill xmlns:a14="http://schemas.microsoft.com/office/drawing/2010/main">
+                <a:solidFill>
+                  <a:srgbClr val="FFFFFF"/>
+                </a:solidFill>
+              </a14:hiddenFill>
+            </a:ext>
+          </a:extLst>
+        </p:spPr>
+      </p:pic>
+      <p:pic>
+        <p:nvPicPr>
+          <p:cNvPr id="9" name="Billede 8">
+            <a:extLst>
+              <a:ext uri="{FF2B5EF4-FFF2-40B4-BE49-F238E27FC236}">
+                <a16:creationId xmlns:a16="http://schemas.microsoft.com/office/drawing/2014/main" id="{C75E8BC8-6D19-B8DD-59CB-0003E9688586}"/>
+              </a:ext>
+            </a:extLst>
+          </p:cNvPr>
+          <p:cNvPicPr>
+            <a:picLocks noChangeAspect="1"/>
+          </p:cNvPicPr>
+          <p:nvPr/>
+        </p:nvPicPr>
+        <p:blipFill rotWithShape="1">
+          <a:blip r:embed="rId3"/>
+          <a:srcRect t="-1" b="1"/>
+          <a:stretch/>
+        </p:blipFill>
+        <p:spPr>
+          <a:xfrm>
+            <a:off x="877368" y="2400419"/>
+            <a:ext cx="6233041" cy="3160415"/>
+          </a:xfrm>
+          <a:prstGeom prst="rect">
+            <a:avLst/>
+          </a:prstGeom>
+        </p:spPr>
+      </p:pic>
+      <p:sp>
+        <p:nvSpPr>
+          <p:cNvPr id="12" name="Rektangel 11">
+            <a:extLst>
+              <a:ext uri="{FF2B5EF4-FFF2-40B4-BE49-F238E27FC236}">
+                <a16:creationId xmlns:a16="http://schemas.microsoft.com/office/drawing/2014/main" id="{F91C0B7F-C54F-EAE8-D02B-D8EAB56FA105}"/>
+              </a:ext>
+            </a:extLst>
+          </p:cNvPr>
+          <p:cNvSpPr/>
+          <p:nvPr/>
+        </p:nvSpPr>
+        <p:spPr>
+          <a:xfrm>
+            <a:off x="0" y="-4104323"/>
+            <a:ext cx="12192000" cy="4695061"/>
+          </a:xfrm>
+          <a:prstGeom prst="rect">
+            <a:avLst/>
+          </a:prstGeom>
+          <a:solidFill>
+            <a:srgbClr val="FFEAEE"/>
+          </a:solidFill>
+          <a:ln>
+            <a:noFill/>
+          </a:ln>
+        </p:spPr>
+        <p:style>
+          <a:lnRef idx="2">
+            <a:schemeClr val="accent1">
+              <a:shade val="15000"/>
+            </a:schemeClr>
+          </a:lnRef>
+          <a:fillRef idx="1">
+            <a:schemeClr val="accent1"/>
+          </a:fillRef>
+          <a:effectRef idx="0">
+            <a:schemeClr val="accent1"/>
+          </a:effectRef>
+          <a:fontRef idx="minor">
+            <a:schemeClr val="lt1"/>
+          </a:fontRef>
+        </p:style>
+        <p:txBody>
+          <a:bodyPr rtlCol="0" anchor="ctr"/>
+          <a:lstStyle/>
+          <a:p>
+            <a:pPr algn="ctr"/>
+            <a:endParaRPr lang="da-DK"/>
+          </a:p>
+        </p:txBody>
+      </p:sp>
+      <p:sp>
+        <p:nvSpPr>
+          <p:cNvPr id="13" name="Tekstfelt 12">
+            <a:extLst>
+              <a:ext uri="{FF2B5EF4-FFF2-40B4-BE49-F238E27FC236}">
+                <a16:creationId xmlns:a16="http://schemas.microsoft.com/office/drawing/2014/main" id="{EA696878-4B08-DD3F-C33C-3885436A29EA}"/>
+              </a:ext>
+            </a:extLst>
+          </p:cNvPr>
+          <p:cNvSpPr txBox="1"/>
+          <p:nvPr/>
+        </p:nvSpPr>
+        <p:spPr>
+          <a:xfrm>
+            <a:off x="8190272" y="-3484592"/>
+            <a:ext cx="2861187" cy="1200329"/>
+          </a:xfrm>
+          <a:prstGeom prst="rect">
+            <a:avLst/>
+          </a:prstGeom>
+          <a:noFill/>
+        </p:spPr>
+        <p:txBody>
+          <a:bodyPr wrap="square" rtlCol="0">
+            <a:spAutoFit/>
+          </a:bodyPr>
+          <a:lstStyle/>
+          <a:p>
+            <a:r>
+              <a:rPr lang="da-DK" b="1" dirty="0">
+                <a:solidFill>
+                  <a:srgbClr val="000000"/>
+                </a:solidFill>
+                <a:latin typeface="Arial" panose="020B0604020202020204" pitchFamily="34" charset="0"/>
+              </a:rPr>
+              <a:t>Valgte funktioner</a:t>
+            </a:r>
+            <a:br>
+              <a:rPr lang="da-DK" dirty="0">
+                <a:solidFill>
+                  <a:srgbClr val="000000"/>
+                </a:solidFill>
+                <a:latin typeface="Arial" panose="020B0604020202020204" pitchFamily="34" charset="0"/>
+              </a:rPr>
+            </a:br>
+            <a:r>
+              <a:rPr lang="da-DK" dirty="0">
+                <a:solidFill>
+                  <a:srgbClr val="000000"/>
+                </a:solidFill>
+                <a:latin typeface="Arial" panose="020B0604020202020204" pitchFamily="34" charset="0"/>
+              </a:rPr>
+              <a:t>- Karakter ark</a:t>
+            </a:r>
+          </a:p>
+          <a:p>
+            <a:r>
+              <a:rPr lang="da-DK" dirty="0">
+                <a:solidFill>
+                  <a:srgbClr val="000000"/>
+                </a:solidFill>
+                <a:latin typeface="Arial" panose="020B0604020202020204" pitchFamily="34" charset="0"/>
+              </a:rPr>
+              <a:t>- Terninger</a:t>
+            </a:r>
+            <a:br>
+              <a:rPr lang="da-DK" dirty="0">
+                <a:solidFill>
+                  <a:srgbClr val="000000"/>
+                </a:solidFill>
+                <a:latin typeface="Arial" panose="020B0604020202020204" pitchFamily="34" charset="0"/>
+              </a:rPr>
+            </a:br>
+            <a:r>
+              <a:rPr lang="da-DK" dirty="0">
+                <a:solidFill>
+                  <a:srgbClr val="000000"/>
+                </a:solidFill>
+                <a:latin typeface="Arial" panose="020B0604020202020204" pitchFamily="34" charset="0"/>
+              </a:rPr>
+              <a:t>- Mobile-</a:t>
+            </a:r>
+            <a:r>
+              <a:rPr lang="da-DK" dirty="0" err="1">
+                <a:solidFill>
+                  <a:srgbClr val="000000"/>
+                </a:solidFill>
+                <a:latin typeface="Arial" panose="020B0604020202020204" pitchFamily="34" charset="0"/>
+              </a:rPr>
+              <a:t>first</a:t>
+            </a:r>
+            <a:r>
+              <a:rPr lang="da-DK" dirty="0">
+                <a:solidFill>
+                  <a:srgbClr val="000000"/>
+                </a:solidFill>
+                <a:latin typeface="Arial" panose="020B0604020202020204" pitchFamily="34" charset="0"/>
+              </a:rPr>
+              <a:t> </a:t>
+            </a:r>
+            <a:r>
+              <a:rPr lang="da-DK" dirty="0" err="1">
+                <a:solidFill>
+                  <a:srgbClr val="000000"/>
+                </a:solidFill>
+                <a:latin typeface="Arial" panose="020B0604020202020204" pitchFamily="34" charset="0"/>
+              </a:rPr>
+              <a:t>responsiv</a:t>
+            </a:r>
+            <a:r>
+              <a:rPr lang="da-DK" dirty="0">
+                <a:solidFill>
+                  <a:srgbClr val="000000"/>
+                </a:solidFill>
+                <a:latin typeface="Arial" panose="020B0604020202020204" pitchFamily="34" charset="0"/>
+              </a:rPr>
+              <a:t> </a:t>
+            </a:r>
+          </a:p>
+        </p:txBody>
+      </p:sp>
+      <p:pic>
+        <p:nvPicPr>
+          <p:cNvPr id="14" name="Billede 13" descr="Et billede, der indeholder tekst, tegning, illustration/afbildning&#10;&#10;Automatisk genereret beskrivelse">
+            <a:extLst>
+              <a:ext uri="{FF2B5EF4-FFF2-40B4-BE49-F238E27FC236}">
+                <a16:creationId xmlns:a16="http://schemas.microsoft.com/office/drawing/2014/main" id="{75D3B095-1E00-86C0-3EC2-F279D78912B0}"/>
+              </a:ext>
+            </a:extLst>
+          </p:cNvPr>
+          <p:cNvPicPr>
+            <a:picLocks noChangeAspect="1"/>
+          </p:cNvPicPr>
+          <p:nvPr/>
+        </p:nvPicPr>
+        <p:blipFill>
+          <a:blip r:embed="rId4">
+            <a:extLst>
+              <a:ext uri="{28A0092B-C50C-407E-A947-70E740481C1C}">
+                <a14:useLocalDpi xmlns:a14="http://schemas.microsoft.com/office/drawing/2010/main" val="0"/>
+              </a:ext>
+            </a:extLst>
+          </a:blip>
+          <a:stretch>
+            <a:fillRect/>
+          </a:stretch>
+        </p:blipFill>
+        <p:spPr>
+          <a:xfrm>
+            <a:off x="1695907" y="-4104247"/>
+            <a:ext cx="4695061" cy="4695061"/>
+          </a:xfrm>
+          <a:prstGeom prst="rect">
+            <a:avLst/>
+          </a:prstGeom>
+        </p:spPr>
+      </p:pic>
+      <p:pic>
+        <p:nvPicPr>
+          <p:cNvPr id="15" name="Billede 14" descr="Et billede, der indeholder Symmetri, kunst, trekant&#10;&#10;Automatisk genereret beskrivelse">
+            <a:extLst>
+              <a:ext uri="{FF2B5EF4-FFF2-40B4-BE49-F238E27FC236}">
+                <a16:creationId xmlns:a16="http://schemas.microsoft.com/office/drawing/2014/main" id="{D1C82B80-2712-F857-67EB-28E19586B639}"/>
+              </a:ext>
+            </a:extLst>
+          </p:cNvPr>
+          <p:cNvPicPr>
+            <a:picLocks noChangeAspect="1"/>
+          </p:cNvPicPr>
+          <p:nvPr/>
+        </p:nvPicPr>
+        <p:blipFill>
+          <a:blip r:embed="rId5">
+            <a:extLst>
+              <a:ext uri="{28A0092B-C50C-407E-A947-70E740481C1C}">
+                <a14:useLocalDpi xmlns:a14="http://schemas.microsoft.com/office/drawing/2010/main" val="0"/>
+              </a:ext>
+            </a:extLst>
+          </a:blip>
+          <a:stretch>
+            <a:fillRect/>
+          </a:stretch>
+        </p:blipFill>
+        <p:spPr>
+          <a:xfrm>
+            <a:off x="7110409" y="-1664532"/>
+            <a:ext cx="1812208" cy="1812208"/>
+          </a:xfrm>
+          <a:prstGeom prst="rect">
+            <a:avLst/>
+          </a:prstGeom>
+        </p:spPr>
+      </p:pic>
+      <p:sp>
+        <p:nvSpPr>
+          <p:cNvPr id="4" name="Rektangel 3">
+            <a:extLst>
+              <a:ext uri="{FF2B5EF4-FFF2-40B4-BE49-F238E27FC236}">
+                <a16:creationId xmlns:a16="http://schemas.microsoft.com/office/drawing/2014/main" id="{15614B7A-38D6-DAB1-14B3-9E39F0F268AD}"/>
+              </a:ext>
+            </a:extLst>
+          </p:cNvPr>
+          <p:cNvSpPr/>
+          <p:nvPr/>
+        </p:nvSpPr>
+        <p:spPr>
+          <a:xfrm>
+            <a:off x="1" y="0"/>
+            <a:ext cx="12192000" cy="1199536"/>
+          </a:xfrm>
+          <a:prstGeom prst="rect">
+            <a:avLst/>
+          </a:prstGeom>
+          <a:solidFill>
+            <a:srgbClr val="53806A"/>
+          </a:solidFill>
+          <a:ln>
+            <a:noFill/>
+          </a:ln>
+        </p:spPr>
+        <p:style>
+          <a:lnRef idx="2">
+            <a:schemeClr val="accent1">
+              <a:shade val="15000"/>
+            </a:schemeClr>
+          </a:lnRef>
+          <a:fillRef idx="1">
+            <a:schemeClr val="accent1"/>
+          </a:fillRef>
+          <a:effectRef idx="0">
+            <a:schemeClr val="accent1"/>
+          </a:effectRef>
+          <a:fontRef idx="minor">
+            <a:schemeClr val="lt1"/>
+          </a:fontRef>
+        </p:style>
+        <p:txBody>
+          <a:bodyPr rtlCol="0" anchor="ctr"/>
+          <a:lstStyle/>
+          <a:p>
+            <a:pPr algn="ctr"/>
+            <a:endParaRPr lang="da-DK"/>
+          </a:p>
+        </p:txBody>
+      </p:sp>
+      <p:sp>
+        <p:nvSpPr>
+          <p:cNvPr id="5" name="Rektangel 4">
+            <a:extLst>
+              <a:ext uri="{FF2B5EF4-FFF2-40B4-BE49-F238E27FC236}">
+                <a16:creationId xmlns:a16="http://schemas.microsoft.com/office/drawing/2014/main" id="{622AF568-0B1A-E2F3-FBCD-91371B1B05CC}"/>
+              </a:ext>
+            </a:extLst>
+          </p:cNvPr>
+          <p:cNvSpPr/>
+          <p:nvPr/>
+        </p:nvSpPr>
+        <p:spPr>
+          <a:xfrm>
+            <a:off x="0" y="1199536"/>
+            <a:ext cx="12192000" cy="153162"/>
+          </a:xfrm>
+          <a:prstGeom prst="rect">
+            <a:avLst/>
+          </a:prstGeom>
+          <a:solidFill>
+            <a:srgbClr val="3C5D4D"/>
+          </a:solidFill>
+          <a:ln>
+            <a:noFill/>
+          </a:ln>
+        </p:spPr>
+        <p:style>
+          <a:lnRef idx="2">
+            <a:schemeClr val="accent1">
+              <a:shade val="15000"/>
+            </a:schemeClr>
+          </a:lnRef>
+          <a:fillRef idx="1">
+            <a:schemeClr val="accent1"/>
+          </a:fillRef>
+          <a:effectRef idx="0">
+            <a:schemeClr val="accent1"/>
+          </a:effectRef>
+          <a:fontRef idx="minor">
+            <a:schemeClr val="lt1"/>
+          </a:fontRef>
+        </p:style>
+        <p:txBody>
+          <a:bodyPr rtlCol="0" anchor="ctr"/>
+          <a:lstStyle/>
+          <a:p>
+            <a:pPr algn="ctr"/>
+            <a:endParaRPr lang="da-DK"/>
+          </a:p>
+        </p:txBody>
+      </p:sp>
+      <p:sp>
+        <p:nvSpPr>
+          <p:cNvPr id="6" name="Rektangel 5">
+            <a:extLst>
+              <a:ext uri="{FF2B5EF4-FFF2-40B4-BE49-F238E27FC236}">
+                <a16:creationId xmlns:a16="http://schemas.microsoft.com/office/drawing/2014/main" id="{B693ECBA-3E2C-49F0-DCE8-AF71440713A9}"/>
+              </a:ext>
+            </a:extLst>
+          </p:cNvPr>
+          <p:cNvSpPr/>
+          <p:nvPr/>
+        </p:nvSpPr>
+        <p:spPr>
+          <a:xfrm>
+            <a:off x="-1" y="1199535"/>
+            <a:ext cx="285136" cy="171979"/>
+          </a:xfrm>
+          <a:prstGeom prst="rect">
+            <a:avLst/>
+          </a:prstGeom>
+          <a:gradFill flip="none" rotWithShape="1">
+            <a:gsLst>
+              <a:gs pos="0">
+                <a:srgbClr val="A1D3FF"/>
+              </a:gs>
+              <a:gs pos="100000">
+                <a:srgbClr val="A6FFD4"/>
+              </a:gs>
+            </a:gsLst>
+            <a:lin ang="0" scaled="1"/>
+            <a:tileRect/>
+          </a:gradFill>
+          <a:ln>
+            <a:noFill/>
+          </a:ln>
+        </p:spPr>
+        <p:style>
+          <a:lnRef idx="2">
+            <a:schemeClr val="accent1">
+              <a:shade val="15000"/>
+            </a:schemeClr>
+          </a:lnRef>
+          <a:fillRef idx="1">
+            <a:schemeClr val="accent1"/>
+          </a:fillRef>
+          <a:effectRef idx="0">
+            <a:schemeClr val="accent1"/>
+          </a:effectRef>
+          <a:fontRef idx="minor">
+            <a:schemeClr val="lt1"/>
+          </a:fontRef>
+        </p:style>
+        <p:txBody>
+          <a:bodyPr rtlCol="0" anchor="ctr"/>
+          <a:lstStyle/>
+          <a:p>
+            <a:pPr algn="ctr"/>
+            <a:endParaRPr lang="da-DK"/>
+          </a:p>
+        </p:txBody>
+      </p:sp>
+      <p:pic>
+        <p:nvPicPr>
+          <p:cNvPr id="10" name="Billede 9" descr="Et billede, der indeholder tekst, Font/skrifttype, Grafik, logo&#10;&#10;Automatisk genereret beskrivelse">
+            <a:extLst>
+              <a:ext uri="{FF2B5EF4-FFF2-40B4-BE49-F238E27FC236}">
+                <a16:creationId xmlns:a16="http://schemas.microsoft.com/office/drawing/2014/main" id="{F7CEECE9-D736-B387-B8AE-1C1E69832D84}"/>
+              </a:ext>
+            </a:extLst>
+          </p:cNvPr>
+          <p:cNvPicPr>
+            <a:picLocks noChangeAspect="1"/>
+          </p:cNvPicPr>
+          <p:nvPr/>
+        </p:nvPicPr>
+        <p:blipFill>
+          <a:blip r:embed="rId6">
+            <a:extLst>
+              <a:ext uri="{28A0092B-C50C-407E-A947-70E740481C1C}">
+                <a14:useLocalDpi xmlns:a14="http://schemas.microsoft.com/office/drawing/2010/main" val="0"/>
+              </a:ext>
+            </a:extLst>
+          </a:blip>
+          <a:stretch>
+            <a:fillRect/>
+          </a:stretch>
+        </p:blipFill>
+        <p:spPr>
+          <a:xfrm>
+            <a:off x="412462" y="153162"/>
+            <a:ext cx="1554480" cy="874395"/>
+          </a:xfrm>
+          <a:prstGeom prst="rect">
+            <a:avLst/>
+          </a:prstGeom>
+        </p:spPr>
+      </p:pic>
+      <p:sp>
+        <p:nvSpPr>
+          <p:cNvPr id="7" name="Tekstfelt 6">
+            <a:extLst>
+              <a:ext uri="{FF2B5EF4-FFF2-40B4-BE49-F238E27FC236}">
+                <a16:creationId xmlns:a16="http://schemas.microsoft.com/office/drawing/2014/main" id="{56473B69-1AE1-CF54-B73F-5AD3FAAFA676}"/>
+              </a:ext>
+            </a:extLst>
+          </p:cNvPr>
+          <p:cNvSpPr txBox="1"/>
+          <p:nvPr/>
+        </p:nvSpPr>
+        <p:spPr>
+          <a:xfrm>
+            <a:off x="9330813" y="415102"/>
+            <a:ext cx="2448725" cy="461665"/>
+          </a:xfrm>
+          <a:prstGeom prst="rect">
+            <a:avLst/>
+          </a:prstGeom>
+          <a:noFill/>
+        </p:spPr>
+        <p:txBody>
+          <a:bodyPr wrap="square" rtlCol="0">
+            <a:spAutoFit/>
+          </a:bodyPr>
+          <a:lstStyle/>
+          <a:p>
+            <a:pPr algn="r"/>
+            <a:r>
+              <a:rPr lang="da-DK" sz="2400" b="1" dirty="0">
+                <a:solidFill>
+                  <a:schemeClr val="bg1"/>
+                </a:solidFill>
+                <a:latin typeface="Arial" panose="020B0604020202020204" pitchFamily="34" charset="0"/>
+                <a:cs typeface="Arial" panose="020B0604020202020204" pitchFamily="34" charset="0"/>
+              </a:rPr>
+              <a:t>P</a:t>
+            </a:r>
+            <a:r>
+              <a:rPr lang="da-DK" sz="2400" b="1" i="0" u="none" strike="noStrike" dirty="0">
+                <a:solidFill>
+                  <a:schemeClr val="bg1"/>
+                </a:solidFill>
+                <a:effectLst/>
+                <a:latin typeface="Arial" panose="020B0604020202020204" pitchFamily="34" charset="0"/>
+                <a:cs typeface="Arial" panose="020B0604020202020204" pitchFamily="34" charset="0"/>
+              </a:rPr>
+              <a:t>rioriteringer</a:t>
+            </a:r>
+            <a:r>
+              <a:rPr lang="da-DK" sz="2400" i="0" u="none" strike="noStrike" dirty="0">
+                <a:solidFill>
+                  <a:schemeClr val="bg1"/>
+                </a:solidFill>
+                <a:effectLst/>
+                <a:latin typeface="Arial" panose="020B0604020202020204" pitchFamily="34" charset="0"/>
+                <a:cs typeface="Arial" panose="020B0604020202020204" pitchFamily="34" charset="0"/>
+              </a:rPr>
+              <a:t> </a:t>
+            </a:r>
+            <a:endParaRPr lang="da-DK" sz="2400" dirty="0">
+              <a:solidFill>
+                <a:schemeClr val="bg1"/>
+              </a:solidFill>
+              <a:latin typeface="Arial" panose="020B0604020202020204" pitchFamily="34" charset="0"/>
+              <a:cs typeface="Arial" panose="020B0604020202020204" pitchFamily="34" charset="0"/>
+            </a:endParaRPr>
+          </a:p>
+        </p:txBody>
+      </p:sp>
+      <p:sp>
+        <p:nvSpPr>
+          <p:cNvPr id="18" name="Tekstfelt 17">
+            <a:extLst>
+              <a:ext uri="{FF2B5EF4-FFF2-40B4-BE49-F238E27FC236}">
+                <a16:creationId xmlns:a16="http://schemas.microsoft.com/office/drawing/2014/main" id="{9625D84E-8142-561B-5AEE-491CB041BB8C}"/>
+              </a:ext>
+            </a:extLst>
+          </p:cNvPr>
+          <p:cNvSpPr txBox="1"/>
+          <p:nvPr/>
+        </p:nvSpPr>
+        <p:spPr>
+          <a:xfrm>
+            <a:off x="12074019" y="414678"/>
+            <a:ext cx="2448725" cy="461665"/>
+          </a:xfrm>
+          <a:prstGeom prst="rect">
+            <a:avLst/>
+          </a:prstGeom>
+          <a:noFill/>
+        </p:spPr>
+        <p:txBody>
+          <a:bodyPr wrap="square" rtlCol="0">
+            <a:spAutoFit/>
+          </a:bodyPr>
+          <a:lstStyle/>
+          <a:p>
+            <a:pPr algn="r"/>
+            <a:r>
+              <a:rPr lang="da-DK" sz="2400" b="1" dirty="0">
+                <a:solidFill>
+                  <a:schemeClr val="bg1"/>
+                </a:solidFill>
+                <a:latin typeface="Arial" panose="020B0604020202020204" pitchFamily="34" charset="0"/>
+                <a:cs typeface="Arial" panose="020B0604020202020204" pitchFamily="34" charset="0"/>
+              </a:rPr>
+              <a:t>Målgruppe</a:t>
+            </a:r>
+            <a:endParaRPr lang="da-DK" sz="2400" dirty="0">
+              <a:solidFill>
+                <a:schemeClr val="bg1"/>
+              </a:solidFill>
+              <a:latin typeface="Arial" panose="020B0604020202020204" pitchFamily="34" charset="0"/>
+              <a:cs typeface="Arial" panose="020B0604020202020204" pitchFamily="34" charset="0"/>
+            </a:endParaRPr>
+          </a:p>
+        </p:txBody>
+      </p:sp>
+      <p:sp>
+        <p:nvSpPr>
+          <p:cNvPr id="8" name="Tekstfelt 7">
+            <a:extLst>
+              <a:ext uri="{FF2B5EF4-FFF2-40B4-BE49-F238E27FC236}">
+                <a16:creationId xmlns:a16="http://schemas.microsoft.com/office/drawing/2014/main" id="{DDBB91F5-F9C3-2210-B7AF-76B72E7DF7A8}"/>
+              </a:ext>
+            </a:extLst>
+          </p:cNvPr>
+          <p:cNvSpPr txBox="1"/>
+          <p:nvPr/>
+        </p:nvSpPr>
+        <p:spPr>
+          <a:xfrm>
+            <a:off x="8190272" y="2367568"/>
+            <a:ext cx="2861187" cy="923330"/>
+          </a:xfrm>
+          <a:prstGeom prst="rect">
+            <a:avLst/>
+          </a:prstGeom>
+          <a:noFill/>
+        </p:spPr>
+        <p:txBody>
+          <a:bodyPr wrap="square" rtlCol="0">
+            <a:spAutoFit/>
+          </a:bodyPr>
+          <a:lstStyle/>
+          <a:p>
+            <a:r>
+              <a:rPr lang="da-DK" b="1" dirty="0">
+                <a:solidFill>
+                  <a:srgbClr val="000000"/>
+                </a:solidFill>
+                <a:latin typeface="Arial" panose="020B0604020202020204" pitchFamily="34" charset="0"/>
+              </a:rPr>
+              <a:t>V</a:t>
+            </a:r>
+            <a:r>
+              <a:rPr lang="da-DK" sz="1800" b="1" i="0" u="none" strike="noStrike" dirty="0">
+                <a:solidFill>
+                  <a:srgbClr val="000000"/>
+                </a:solidFill>
+                <a:effectLst/>
+                <a:latin typeface="Arial" panose="020B0604020202020204" pitchFamily="34" charset="0"/>
+              </a:rPr>
+              <a:t>ideo</a:t>
+            </a:r>
+            <a:br>
+              <a:rPr lang="da-DK" sz="1800" b="0" i="0" u="none" strike="noStrike" dirty="0">
+                <a:solidFill>
+                  <a:srgbClr val="000000"/>
+                </a:solidFill>
+                <a:effectLst/>
+                <a:latin typeface="Arial" panose="020B0604020202020204" pitchFamily="34" charset="0"/>
+              </a:rPr>
+            </a:br>
+            <a:r>
+              <a:rPr lang="da-DK" sz="1800" b="0" i="0" u="none" strike="noStrike" dirty="0">
+                <a:solidFill>
+                  <a:srgbClr val="000000"/>
+                </a:solidFill>
+                <a:effectLst/>
+                <a:latin typeface="Arial" panose="020B0604020202020204" pitchFamily="34" charset="0"/>
+              </a:rPr>
+              <a:t>- Photoshop</a:t>
+            </a:r>
+            <a:br>
+              <a:rPr lang="da-DK" sz="1800" b="0" i="0" u="none" strike="noStrike" dirty="0">
+                <a:solidFill>
+                  <a:srgbClr val="000000"/>
+                </a:solidFill>
+                <a:effectLst/>
+                <a:latin typeface="Arial" panose="020B0604020202020204" pitchFamily="34" charset="0"/>
+              </a:rPr>
+            </a:br>
+            <a:r>
+              <a:rPr lang="da-DK" sz="1800" b="0" i="0" u="none" strike="noStrike" dirty="0">
+                <a:solidFill>
+                  <a:srgbClr val="000000"/>
+                </a:solidFill>
+                <a:effectLst/>
+                <a:latin typeface="Arial" panose="020B0604020202020204" pitchFamily="34" charset="0"/>
+              </a:rPr>
+              <a:t>- AI stemme</a:t>
+            </a:r>
+            <a:endParaRPr lang="da-DK" dirty="0">
+              <a:solidFill>
+                <a:srgbClr val="000000"/>
+              </a:solidFill>
+              <a:latin typeface="Arial" panose="020B0604020202020204" pitchFamily="34" charset="0"/>
+            </a:endParaRPr>
+          </a:p>
+        </p:txBody>
+      </p:sp>
+      <p:pic>
+        <p:nvPicPr>
+          <p:cNvPr id="11" name="Billede 10">
+            <a:extLst>
+              <a:ext uri="{FF2B5EF4-FFF2-40B4-BE49-F238E27FC236}">
+                <a16:creationId xmlns:a16="http://schemas.microsoft.com/office/drawing/2014/main" id="{BDC13D77-D233-1295-7F63-30D40C5E1491}"/>
+              </a:ext>
+            </a:extLst>
+          </p:cNvPr>
+          <p:cNvPicPr>
+            <a:picLocks noChangeAspect="1"/>
+          </p:cNvPicPr>
+          <p:nvPr/>
+        </p:nvPicPr>
+        <p:blipFill>
+          <a:blip r:embed="rId7"/>
+          <a:stretch>
+            <a:fillRect/>
+          </a:stretch>
+        </p:blipFill>
+        <p:spPr>
+          <a:xfrm>
+            <a:off x="4586121" y="2753691"/>
+            <a:ext cx="1804847" cy="1072186"/>
+          </a:xfrm>
+          <a:prstGeom prst="rect">
+            <a:avLst/>
+          </a:prstGeom>
+        </p:spPr>
+      </p:pic>
+    </p:spTree>
+    <p:extLst>
+      <p:ext uri="{BB962C8B-B14F-4D97-AF65-F5344CB8AC3E}">
+        <p14:creationId xmlns:p14="http://schemas.microsoft.com/office/powerpoint/2010/main" val="2838970926"/>
+      </p:ext>
+    </p:extLst>
+  </p:cSld>
+  <p:clrMapOvr>
+    <a:masterClrMapping/>
+  </p:clrMapOvr>
+  <mc:AlternateContent xmlns:mc="http://schemas.openxmlformats.org/markup-compatibility/2006" xmlns:p159="http://schemas.microsoft.com/office/powerpoint/2015/09/main">
+    <mc:Choice Requires="p159">
+      <p:transition spd="slow">
+        <p159:morph option="byObject"/>
+      </p:transition>
+    </mc:Choice>
+    <mc:Fallback xmlns="">
+      <p:transition spd="slow">
+        <p:fade/>
+      </p:transition>
+    </mc:Fallback>
+  </mc:AlternateContent>
+  <p:timing>
+    <p:tnLst>
+      <p:par>
+        <p:cTn id="1" dur="indefinite" restart="never" nodeType="tmRoot">
+          <p:childTnLst>
+            <p:seq concurrent="1" nextAc="seek">
+              <p:cTn id="2" dur="indefinite" nodeType="mainSeq">
+                <p:childTnLst>
+                  <p:par>
+                    <p:cTn id="3" fill="hold">
+                      <p:stCondLst>
+                        <p:cond delay="indefinite"/>
+                        <p:cond evt="onBegin" delay="0">
+                          <p:tn val="2"/>
+                        </p:cond>
+                      </p:stCondLst>
+                      <p:childTnLst>
+                        <p:par>
+                          <p:cTn id="4" fill="hold">
+                            <p:stCondLst>
+                              <p:cond delay="0"/>
+                            </p:stCondLst>
+                            <p:childTnLst>
+                              <p:par>
+                                <p:cTn id="5" presetID="8" presetClass="emph" presetSubtype="0" repeatCount="indefinite" fill="hold" nodeType="withEffect">
+                                  <p:stCondLst>
+                                    <p:cond delay="0"/>
+                                  </p:stCondLst>
+                                  <p:childTnLst>
+                                    <p:animRot by="21600000">
+                                      <p:cBhvr>
+                                        <p:cTn id="6" dur="2000" fill="hold"/>
+                                        <p:tgtEl>
+                                          <p:spTgt spid="15"/>
+                                        </p:tgtEl>
+                                        <p:attrNameLst>
+                                          <p:attrName>r</p:attrName>
+                                        </p:attrNameLst>
+                                      </p:cBhvr>
+                                    </p:animRot>
+                                  </p:childTnLst>
+                                </p:cTn>
+                              </p:par>
+                            </p:childTnLst>
+                          </p:cTn>
+                        </p:par>
+                      </p:childTnLst>
+                    </p:cTn>
+                  </p:par>
+                </p:childTnLst>
+              </p:cTn>
+              <p:prevCondLst>
+                <p:cond evt="onPrev" delay="0">
+                  <p:tgtEl>
+                    <p:sldTgt/>
+                  </p:tgtEl>
+                </p:cond>
+              </p:prevCondLst>
+              <p:nextCondLst>
+                <p:cond evt="onNext" delay="0">
+                  <p:tgtEl>
+                    <p:sldTgt/>
+                  </p:tgtEl>
+                </p:cond>
+              </p:nextCondLst>
+            </p:seq>
+          </p:childTnLst>
+        </p:cTn>
+      </p:par>
+    </p:tnLst>
+  </p:timing>
+</p:sld>
+</file>
+
+<file path=ppt/slides/slide4.xml><?xml version="1.0" encoding="utf-8"?>
+<p:sld xmlns:a="http://schemas.openxmlformats.org/drawingml/2006/main" xmlns:r="http://schemas.openxmlformats.org/officeDocument/2006/relationships" xmlns:p="http://schemas.openxmlformats.org/presentationml/2006/main">
+  <p:cSld>
+    <p:spTree>
+      <p:nvGrpSpPr>
+        <p:cNvPr id="1" name=""/>
+        <p:cNvGrpSpPr/>
+        <p:nvPr/>
+      </p:nvGrpSpPr>
+      <p:grpSpPr>
+        <a:xfrm>
+          <a:off x="0" y="0"/>
+          <a:ext cx="0" cy="0"/>
+          <a:chOff x="0" y="0"/>
+          <a:chExt cx="0" cy="0"/>
+        </a:xfrm>
+      </p:grpSpPr>
+      <p:pic>
+        <p:nvPicPr>
+          <p:cNvPr id="9" name="Billede 8">
+            <a:extLst>
+              <a:ext uri="{FF2B5EF4-FFF2-40B4-BE49-F238E27FC236}">
+                <a16:creationId xmlns:a16="http://schemas.microsoft.com/office/drawing/2014/main" id="{C75E8BC8-6D19-B8DD-59CB-0003E9688586}"/>
+              </a:ext>
+            </a:extLst>
+          </p:cNvPr>
+          <p:cNvPicPr>
+            <a:picLocks noChangeAspect="1"/>
+          </p:cNvPicPr>
+          <p:nvPr/>
+        </p:nvPicPr>
+        <p:blipFill rotWithShape="1">
+          <a:blip r:embed="rId2"/>
+          <a:srcRect t="-1" b="1"/>
+          <a:stretch/>
+        </p:blipFill>
+        <p:spPr>
+          <a:xfrm>
+            <a:off x="877368" y="2400419"/>
+            <a:ext cx="6233041" cy="3160415"/>
+          </a:xfrm>
+          <a:prstGeom prst="rect">
+            <a:avLst/>
+          </a:prstGeom>
+        </p:spPr>
+      </p:pic>
+      <p:pic>
+        <p:nvPicPr>
+          <p:cNvPr id="11" name="Billede 10">
+            <a:extLst>
+              <a:ext uri="{FF2B5EF4-FFF2-40B4-BE49-F238E27FC236}">
+                <a16:creationId xmlns:a16="http://schemas.microsoft.com/office/drawing/2014/main" id="{BDC13D77-D233-1295-7F63-30D40C5E1491}"/>
+              </a:ext>
+            </a:extLst>
+          </p:cNvPr>
+          <p:cNvPicPr>
+            <a:picLocks noChangeAspect="1"/>
+          </p:cNvPicPr>
+          <p:nvPr/>
+        </p:nvPicPr>
+        <p:blipFill>
+          <a:blip r:embed="rId3"/>
+          <a:stretch>
+            <a:fillRect/>
+          </a:stretch>
+        </p:blipFill>
+        <p:spPr>
+          <a:xfrm>
+            <a:off x="877368" y="1949773"/>
+            <a:ext cx="6225203" cy="3698139"/>
+          </a:xfrm>
+          <a:prstGeom prst="rect">
+            <a:avLst/>
+          </a:prstGeom>
+        </p:spPr>
+      </p:pic>
+      <p:pic>
+        <p:nvPicPr>
+          <p:cNvPr id="1026" name="Picture 2" descr="Ingen tilgængelig beskrivelse.">
+            <a:extLst>
+              <a:ext uri="{FF2B5EF4-FFF2-40B4-BE49-F238E27FC236}">
+                <a16:creationId xmlns:a16="http://schemas.microsoft.com/office/drawing/2014/main" id="{BE871E1E-F66A-C434-21FD-E2B96480407F}"/>
+              </a:ext>
+            </a:extLst>
+          </p:cNvPr>
+          <p:cNvPicPr>
+            <a:picLocks noChangeAspect="1" noChangeArrowheads="1"/>
+          </p:cNvPicPr>
+          <p:nvPr/>
+        </p:nvPicPr>
+        <p:blipFill rotWithShape="1">
+          <a:blip r:embed="rId4">
+            <a:extLst>
+              <a:ext uri="{28A0092B-C50C-407E-A947-70E740481C1C}">
+                <a14:useLocalDpi xmlns:a14="http://schemas.microsoft.com/office/drawing/2010/main" val="0"/>
+              </a:ext>
+            </a:extLst>
+          </a:blip>
+          <a:srcRect l="22152" t="68825" r="73215" b="15086"/>
+          <a:stretch/>
+        </p:blipFill>
+        <p:spPr bwMode="auto">
+          <a:xfrm>
+            <a:off x="5760720" y="3051914"/>
+            <a:ext cx="1259840" cy="2078886"/>
+          </a:xfrm>
+          <a:prstGeom prst="rect">
+            <a:avLst/>
+          </a:prstGeom>
+          <a:noFill/>
+          <a:extLst>
+            <a:ext uri="{909E8E84-426E-40DD-AFC4-6F175D3DCCD1}">
+              <a14:hiddenFill xmlns:a14="http://schemas.microsoft.com/office/drawing/2010/main">
+                <a:solidFill>
+                  <a:srgbClr val="FFFFFF"/>
+                </a:solidFill>
+              </a14:hiddenFill>
+            </a:ext>
+          </a:extLst>
+        </p:spPr>
+      </p:pic>
+      <p:sp>
+        <p:nvSpPr>
+          <p:cNvPr id="4" name="Rektangel 3">
+            <a:extLst>
+              <a:ext uri="{FF2B5EF4-FFF2-40B4-BE49-F238E27FC236}">
+                <a16:creationId xmlns:a16="http://schemas.microsoft.com/office/drawing/2014/main" id="{15614B7A-38D6-DAB1-14B3-9E39F0F268AD}"/>
+              </a:ext>
+            </a:extLst>
+          </p:cNvPr>
+          <p:cNvSpPr/>
+          <p:nvPr/>
+        </p:nvSpPr>
+        <p:spPr>
+          <a:xfrm>
+            <a:off x="1" y="0"/>
+            <a:ext cx="12192000" cy="1199536"/>
+          </a:xfrm>
+          <a:prstGeom prst="rect">
+            <a:avLst/>
+          </a:prstGeom>
+          <a:solidFill>
+            <a:srgbClr val="53806A"/>
+          </a:solidFill>
+          <a:ln>
+            <a:noFill/>
+          </a:ln>
+        </p:spPr>
+        <p:style>
+          <a:lnRef idx="2">
+            <a:schemeClr val="accent1">
+              <a:shade val="15000"/>
+            </a:schemeClr>
+          </a:lnRef>
+          <a:fillRef idx="1">
+            <a:schemeClr val="accent1"/>
+          </a:fillRef>
+          <a:effectRef idx="0">
+            <a:schemeClr val="accent1"/>
+          </a:effectRef>
+          <a:fontRef idx="minor">
+            <a:schemeClr val="lt1"/>
+          </a:fontRef>
+        </p:style>
+        <p:txBody>
+          <a:bodyPr rtlCol="0" anchor="ctr"/>
+          <a:lstStyle/>
+          <a:p>
+            <a:pPr algn="ctr"/>
+            <a:endParaRPr lang="da-DK"/>
+          </a:p>
+        </p:txBody>
+      </p:sp>
+      <p:sp>
+        <p:nvSpPr>
+          <p:cNvPr id="5" name="Rektangel 4">
+            <a:extLst>
+              <a:ext uri="{FF2B5EF4-FFF2-40B4-BE49-F238E27FC236}">
+                <a16:creationId xmlns:a16="http://schemas.microsoft.com/office/drawing/2014/main" id="{622AF568-0B1A-E2F3-FBCD-91371B1B05CC}"/>
+              </a:ext>
+            </a:extLst>
+          </p:cNvPr>
+          <p:cNvSpPr/>
+          <p:nvPr/>
+        </p:nvSpPr>
+        <p:spPr>
+          <a:xfrm>
+            <a:off x="0" y="1199536"/>
+            <a:ext cx="12192000" cy="153162"/>
+          </a:xfrm>
+          <a:prstGeom prst="rect">
+            <a:avLst/>
+          </a:prstGeom>
+          <a:solidFill>
+            <a:srgbClr val="3C5D4D"/>
+          </a:solidFill>
+          <a:ln>
+            <a:noFill/>
+          </a:ln>
+        </p:spPr>
+        <p:style>
+          <a:lnRef idx="2">
+            <a:schemeClr val="accent1">
+              <a:shade val="15000"/>
+            </a:schemeClr>
+          </a:lnRef>
+          <a:fillRef idx="1">
+            <a:schemeClr val="accent1"/>
+          </a:fillRef>
+          <a:effectRef idx="0">
+            <a:schemeClr val="accent1"/>
+          </a:effectRef>
+          <a:fontRef idx="minor">
+            <a:schemeClr val="lt1"/>
+          </a:fontRef>
+        </p:style>
+        <p:txBody>
+          <a:bodyPr rtlCol="0" anchor="ctr"/>
+          <a:lstStyle/>
+          <a:p>
+            <a:pPr algn="ctr"/>
+            <a:endParaRPr lang="da-DK"/>
+          </a:p>
+        </p:txBody>
+      </p:sp>
+      <p:sp>
+        <p:nvSpPr>
+          <p:cNvPr id="6" name="Rektangel 5">
+            <a:extLst>
+              <a:ext uri="{FF2B5EF4-FFF2-40B4-BE49-F238E27FC236}">
+                <a16:creationId xmlns:a16="http://schemas.microsoft.com/office/drawing/2014/main" id="{B693ECBA-3E2C-49F0-DCE8-AF71440713A9}"/>
+              </a:ext>
+            </a:extLst>
+          </p:cNvPr>
+          <p:cNvSpPr/>
+          <p:nvPr/>
+        </p:nvSpPr>
+        <p:spPr>
+          <a:xfrm>
+            <a:off x="-1" y="1199535"/>
+            <a:ext cx="285136" cy="171979"/>
+          </a:xfrm>
+          <a:prstGeom prst="rect">
+            <a:avLst/>
+          </a:prstGeom>
+          <a:gradFill flip="none" rotWithShape="1">
+            <a:gsLst>
+              <a:gs pos="0">
+                <a:srgbClr val="A1D3FF"/>
+              </a:gs>
+              <a:gs pos="100000">
+                <a:srgbClr val="A6FFD4"/>
+              </a:gs>
+            </a:gsLst>
+            <a:lin ang="0" scaled="1"/>
+            <a:tileRect/>
+          </a:gradFill>
+          <a:ln>
+            <a:noFill/>
+          </a:ln>
+        </p:spPr>
+        <p:style>
+          <a:lnRef idx="2">
+            <a:schemeClr val="accent1">
+              <a:shade val="15000"/>
+            </a:schemeClr>
+          </a:lnRef>
+          <a:fillRef idx="1">
+            <a:schemeClr val="accent1"/>
+          </a:fillRef>
+          <a:effectRef idx="0">
+            <a:schemeClr val="accent1"/>
+          </a:effectRef>
+          <a:fontRef idx="minor">
+            <a:schemeClr val="lt1"/>
+          </a:fontRef>
+        </p:style>
+        <p:txBody>
+          <a:bodyPr rtlCol="0" anchor="ctr"/>
+          <a:lstStyle/>
+          <a:p>
+            <a:pPr algn="ctr"/>
+            <a:endParaRPr lang="da-DK"/>
+          </a:p>
+        </p:txBody>
+      </p:sp>
+      <p:pic>
+        <p:nvPicPr>
+          <p:cNvPr id="10" name="Billede 9" descr="Et billede, der indeholder tekst, Font/skrifttype, Grafik, logo&#10;&#10;Automatisk genereret beskrivelse">
+            <a:extLst>
+              <a:ext uri="{FF2B5EF4-FFF2-40B4-BE49-F238E27FC236}">
+                <a16:creationId xmlns:a16="http://schemas.microsoft.com/office/drawing/2014/main" id="{F7CEECE9-D736-B387-B8AE-1C1E69832D84}"/>
+              </a:ext>
+            </a:extLst>
+          </p:cNvPr>
+          <p:cNvPicPr>
+            <a:picLocks noChangeAspect="1"/>
+          </p:cNvPicPr>
+          <p:nvPr/>
+        </p:nvPicPr>
+        <p:blipFill>
+          <a:blip r:embed="rId5">
+            <a:extLst>
+              <a:ext uri="{28A0092B-C50C-407E-A947-70E740481C1C}">
+                <a14:useLocalDpi xmlns:a14="http://schemas.microsoft.com/office/drawing/2010/main" val="0"/>
+              </a:ext>
+            </a:extLst>
+          </a:blip>
+          <a:stretch>
+            <a:fillRect/>
+          </a:stretch>
+        </p:blipFill>
+        <p:spPr>
+          <a:xfrm>
+            <a:off x="412462" y="153162"/>
+            <a:ext cx="1554480" cy="874395"/>
+          </a:xfrm>
+          <a:prstGeom prst="rect">
+            <a:avLst/>
+          </a:prstGeom>
+        </p:spPr>
+      </p:pic>
+      <p:sp>
+        <p:nvSpPr>
+          <p:cNvPr id="7" name="Tekstfelt 6">
+            <a:extLst>
+              <a:ext uri="{FF2B5EF4-FFF2-40B4-BE49-F238E27FC236}">
+                <a16:creationId xmlns:a16="http://schemas.microsoft.com/office/drawing/2014/main" id="{56473B69-1AE1-CF54-B73F-5AD3FAAFA676}"/>
+              </a:ext>
+            </a:extLst>
+          </p:cNvPr>
+          <p:cNvSpPr txBox="1"/>
+          <p:nvPr/>
+        </p:nvSpPr>
+        <p:spPr>
+          <a:xfrm>
+            <a:off x="9330813" y="415102"/>
+            <a:ext cx="2448725" cy="461665"/>
+          </a:xfrm>
+          <a:prstGeom prst="rect">
+            <a:avLst/>
+          </a:prstGeom>
+          <a:noFill/>
+        </p:spPr>
+        <p:txBody>
+          <a:bodyPr wrap="square" rtlCol="0">
+            <a:spAutoFit/>
+          </a:bodyPr>
+          <a:lstStyle/>
+          <a:p>
+            <a:pPr algn="r"/>
+            <a:r>
+              <a:rPr lang="da-DK" sz="2400" b="1" dirty="0">
+                <a:solidFill>
+                  <a:schemeClr val="bg1"/>
+                </a:solidFill>
+                <a:latin typeface="Arial" panose="020B0604020202020204" pitchFamily="34" charset="0"/>
+                <a:cs typeface="Arial" panose="020B0604020202020204" pitchFamily="34" charset="0"/>
+              </a:rPr>
+              <a:t>P</a:t>
+            </a:r>
+            <a:r>
+              <a:rPr lang="da-DK" sz="2400" b="1" i="0" u="none" strike="noStrike" dirty="0">
+                <a:solidFill>
+                  <a:schemeClr val="bg1"/>
+                </a:solidFill>
+                <a:effectLst/>
+                <a:latin typeface="Arial" panose="020B0604020202020204" pitchFamily="34" charset="0"/>
+                <a:cs typeface="Arial" panose="020B0604020202020204" pitchFamily="34" charset="0"/>
+              </a:rPr>
+              <a:t>rioriteringer</a:t>
+            </a:r>
+            <a:r>
+              <a:rPr lang="da-DK" sz="2400" i="0" u="none" strike="noStrike" dirty="0">
+                <a:solidFill>
+                  <a:schemeClr val="bg1"/>
+                </a:solidFill>
+                <a:effectLst/>
+                <a:latin typeface="Arial" panose="020B0604020202020204" pitchFamily="34" charset="0"/>
+                <a:cs typeface="Arial" panose="020B0604020202020204" pitchFamily="34" charset="0"/>
+              </a:rPr>
+              <a:t> </a:t>
+            </a:r>
+            <a:endParaRPr lang="da-DK" sz="2400" dirty="0">
+              <a:solidFill>
+                <a:schemeClr val="bg1"/>
+              </a:solidFill>
+              <a:latin typeface="Arial" panose="020B0604020202020204" pitchFamily="34" charset="0"/>
+              <a:cs typeface="Arial" panose="020B0604020202020204" pitchFamily="34" charset="0"/>
+            </a:endParaRPr>
+          </a:p>
+        </p:txBody>
+      </p:sp>
+      <p:sp>
+        <p:nvSpPr>
+          <p:cNvPr id="18" name="Tekstfelt 17">
+            <a:extLst>
+              <a:ext uri="{FF2B5EF4-FFF2-40B4-BE49-F238E27FC236}">
+                <a16:creationId xmlns:a16="http://schemas.microsoft.com/office/drawing/2014/main" id="{9625D84E-8142-561B-5AEE-491CB041BB8C}"/>
+              </a:ext>
+            </a:extLst>
+          </p:cNvPr>
+          <p:cNvSpPr txBox="1"/>
+          <p:nvPr/>
+        </p:nvSpPr>
+        <p:spPr>
+          <a:xfrm>
+            <a:off x="12074019" y="414678"/>
+            <a:ext cx="2448725" cy="461665"/>
+          </a:xfrm>
+          <a:prstGeom prst="rect">
+            <a:avLst/>
+          </a:prstGeom>
+          <a:noFill/>
+        </p:spPr>
+        <p:txBody>
+          <a:bodyPr wrap="square" rtlCol="0">
+            <a:spAutoFit/>
+          </a:bodyPr>
+          <a:lstStyle/>
+          <a:p>
+            <a:pPr algn="r"/>
+            <a:r>
+              <a:rPr lang="da-DK" sz="2400" b="1" dirty="0">
+                <a:solidFill>
+                  <a:schemeClr val="bg1"/>
+                </a:solidFill>
+                <a:latin typeface="Arial" panose="020B0604020202020204" pitchFamily="34" charset="0"/>
+                <a:cs typeface="Arial" panose="020B0604020202020204" pitchFamily="34" charset="0"/>
+              </a:rPr>
+              <a:t>Målgruppe</a:t>
+            </a:r>
+            <a:endParaRPr lang="da-DK" sz="2400" dirty="0">
+              <a:solidFill>
+                <a:schemeClr val="bg1"/>
+              </a:solidFill>
+              <a:latin typeface="Arial" panose="020B0604020202020204" pitchFamily="34" charset="0"/>
+              <a:cs typeface="Arial" panose="020B0604020202020204" pitchFamily="34" charset="0"/>
+            </a:endParaRPr>
+          </a:p>
+        </p:txBody>
+      </p:sp>
+      <p:sp>
+        <p:nvSpPr>
+          <p:cNvPr id="8" name="Tekstfelt 7">
+            <a:extLst>
+              <a:ext uri="{FF2B5EF4-FFF2-40B4-BE49-F238E27FC236}">
+                <a16:creationId xmlns:a16="http://schemas.microsoft.com/office/drawing/2014/main" id="{DDBB91F5-F9C3-2210-B7AF-76B72E7DF7A8}"/>
+              </a:ext>
+            </a:extLst>
+          </p:cNvPr>
+          <p:cNvSpPr txBox="1"/>
+          <p:nvPr/>
+        </p:nvSpPr>
+        <p:spPr>
+          <a:xfrm>
+            <a:off x="8190272" y="2367568"/>
+            <a:ext cx="2861187" cy="923330"/>
+          </a:xfrm>
+          <a:prstGeom prst="rect">
+            <a:avLst/>
+          </a:prstGeom>
+          <a:noFill/>
+        </p:spPr>
+        <p:txBody>
+          <a:bodyPr wrap="square" rtlCol="0">
+            <a:spAutoFit/>
+          </a:bodyPr>
+          <a:lstStyle/>
+          <a:p>
+            <a:r>
+              <a:rPr lang="da-DK" b="1" dirty="0">
+                <a:solidFill>
+                  <a:srgbClr val="000000"/>
+                </a:solidFill>
+                <a:latin typeface="Arial" panose="020B0604020202020204" pitchFamily="34" charset="0"/>
+              </a:rPr>
+              <a:t>V</a:t>
+            </a:r>
+            <a:r>
+              <a:rPr lang="da-DK" sz="1800" b="1" i="0" u="none" strike="noStrike" dirty="0">
+                <a:solidFill>
+                  <a:srgbClr val="000000"/>
+                </a:solidFill>
+                <a:effectLst/>
+                <a:latin typeface="Arial" panose="020B0604020202020204" pitchFamily="34" charset="0"/>
+              </a:rPr>
+              <a:t>ideo</a:t>
+            </a:r>
+            <a:br>
+              <a:rPr lang="da-DK" sz="1800" b="0" i="0" u="none" strike="noStrike" dirty="0">
+                <a:solidFill>
+                  <a:srgbClr val="000000"/>
+                </a:solidFill>
+                <a:effectLst/>
+                <a:latin typeface="Arial" panose="020B0604020202020204" pitchFamily="34" charset="0"/>
+              </a:rPr>
+            </a:br>
+            <a:r>
+              <a:rPr lang="da-DK" sz="1800" b="0" i="0" u="none" strike="noStrike" dirty="0">
+                <a:solidFill>
+                  <a:srgbClr val="000000"/>
+                </a:solidFill>
+                <a:effectLst/>
+                <a:latin typeface="Arial" panose="020B0604020202020204" pitchFamily="34" charset="0"/>
+              </a:rPr>
+              <a:t>- Photoshop</a:t>
+            </a:r>
+            <a:br>
+              <a:rPr lang="da-DK" sz="1800" b="0" i="0" u="none" strike="noStrike" dirty="0">
+                <a:solidFill>
+                  <a:srgbClr val="000000"/>
+                </a:solidFill>
+                <a:effectLst/>
+                <a:latin typeface="Arial" panose="020B0604020202020204" pitchFamily="34" charset="0"/>
+              </a:rPr>
+            </a:br>
+            <a:r>
+              <a:rPr lang="da-DK" sz="1800" b="0" i="0" u="none" strike="noStrike" dirty="0">
+                <a:solidFill>
+                  <a:srgbClr val="000000"/>
+                </a:solidFill>
+                <a:effectLst/>
+                <a:latin typeface="Arial" panose="020B0604020202020204" pitchFamily="34" charset="0"/>
+              </a:rPr>
+              <a:t>- AI stemme</a:t>
+            </a:r>
+            <a:endParaRPr lang="da-DK" dirty="0">
+              <a:solidFill>
+                <a:srgbClr val="000000"/>
+              </a:solidFill>
+              <a:latin typeface="Arial" panose="020B0604020202020204" pitchFamily="34" charset="0"/>
+            </a:endParaRPr>
+          </a:p>
+        </p:txBody>
+      </p:sp>
+    </p:spTree>
+    <p:extLst>
+      <p:ext uri="{BB962C8B-B14F-4D97-AF65-F5344CB8AC3E}">
+        <p14:creationId xmlns:p14="http://schemas.microsoft.com/office/powerpoint/2010/main" val="2612091884"/>
+      </p:ext>
+    </p:extLst>
+  </p:cSld>
+  <p:clrMapOvr>
+    <a:masterClrMapping/>
+  </p:clrMapOvr>
+  <mc:AlternateContent xmlns:mc="http://schemas.openxmlformats.org/markup-compatibility/2006" xmlns:p159="http://schemas.microsoft.com/office/powerpoint/2015/09/main">
+    <mc:Choice Requires="p159">
+      <p:transition spd="slow">
+        <p159:morph option="byObject"/>
+      </p:transition>
+    </mc:Choice>
+    <mc:Fallback xmlns="">
+      <p:transition spd="slow">
+        <p:fade/>
+      </p:transition>
+    </mc:Fallback>
+  </mc:AlternateContent>
+</p:sld>
+</file>
+
+<file path=ppt/slides/slide5.xml><?xml version="1.0" encoding="utf-8"?>
+<p:sld xmlns:a="http://schemas.openxmlformats.org/drawingml/2006/main" xmlns:r="http://schemas.openxmlformats.org/officeDocument/2006/relationships" xmlns:p="http://schemas.openxmlformats.org/presentationml/2006/main">
+  <p:cSld>
+    <p:spTree>
+      <p:nvGrpSpPr>
+        <p:cNvPr id="1" name=""/>
+        <p:cNvGrpSpPr/>
+        <p:nvPr/>
+      </p:nvGrpSpPr>
+      <p:grpSpPr>
+        <a:xfrm>
+          <a:off x="0" y="0"/>
+          <a:ext cx="0" cy="0"/>
+          <a:chOff x="0" y="0"/>
+          <a:chExt cx="0" cy="0"/>
+        </a:xfrm>
+      </p:grpSpPr>
+      <p:pic>
+        <p:nvPicPr>
+          <p:cNvPr id="2" name="Billede 1">
+            <a:extLst>
+              <a:ext uri="{FF2B5EF4-FFF2-40B4-BE49-F238E27FC236}">
+                <a16:creationId xmlns:a16="http://schemas.microsoft.com/office/drawing/2014/main" id="{14D0CE99-2E8F-613F-DD29-DE0C3E38B94C}"/>
+              </a:ext>
+            </a:extLst>
+          </p:cNvPr>
+          <p:cNvPicPr>
+            <a:picLocks noChangeAspect="1"/>
+          </p:cNvPicPr>
+          <p:nvPr/>
+        </p:nvPicPr>
+        <p:blipFill>
+          <a:blip r:embed="rId2"/>
+          <a:stretch>
+            <a:fillRect/>
+          </a:stretch>
+        </p:blipFill>
+        <p:spPr>
+          <a:xfrm>
+            <a:off x="877368" y="1949773"/>
+            <a:ext cx="6225203" cy="3698139"/>
+          </a:xfrm>
+          <a:prstGeom prst="rect">
+            <a:avLst/>
+          </a:prstGeom>
+        </p:spPr>
+      </p:pic>
+      <p:sp>
+        <p:nvSpPr>
+          <p:cNvPr id="4" name="Rektangel 3">
+            <a:extLst>
+              <a:ext uri="{FF2B5EF4-FFF2-40B4-BE49-F238E27FC236}">
+                <a16:creationId xmlns:a16="http://schemas.microsoft.com/office/drawing/2014/main" id="{15614B7A-38D6-DAB1-14B3-9E39F0F268AD}"/>
+              </a:ext>
+            </a:extLst>
+          </p:cNvPr>
+          <p:cNvSpPr/>
+          <p:nvPr/>
+        </p:nvSpPr>
+        <p:spPr>
+          <a:xfrm>
+            <a:off x="1" y="0"/>
+            <a:ext cx="12192000" cy="1199536"/>
+          </a:xfrm>
+          <a:prstGeom prst="rect">
+            <a:avLst/>
+          </a:prstGeom>
+          <a:solidFill>
+            <a:srgbClr val="53806A"/>
+          </a:solidFill>
+          <a:ln>
+            <a:noFill/>
+          </a:ln>
+        </p:spPr>
+        <p:style>
+          <a:lnRef idx="2">
+            <a:schemeClr val="accent1">
+              <a:shade val="15000"/>
+            </a:schemeClr>
+          </a:lnRef>
+          <a:fillRef idx="1">
+            <a:schemeClr val="accent1"/>
+          </a:fillRef>
+          <a:effectRef idx="0">
+            <a:schemeClr val="accent1"/>
+          </a:effectRef>
+          <a:fontRef idx="minor">
+            <a:schemeClr val="lt1"/>
+          </a:fontRef>
+        </p:style>
+        <p:txBody>
+          <a:bodyPr rtlCol="0" anchor="ctr"/>
+          <a:lstStyle/>
+          <a:p>
+            <a:pPr algn="ctr"/>
+            <a:endParaRPr lang="da-DK"/>
+          </a:p>
+        </p:txBody>
+      </p:sp>
+      <p:sp>
+        <p:nvSpPr>
+          <p:cNvPr id="5" name="Rektangel 4">
+            <a:extLst>
+              <a:ext uri="{FF2B5EF4-FFF2-40B4-BE49-F238E27FC236}">
+                <a16:creationId xmlns:a16="http://schemas.microsoft.com/office/drawing/2014/main" id="{622AF568-0B1A-E2F3-FBCD-91371B1B05CC}"/>
+              </a:ext>
+            </a:extLst>
+          </p:cNvPr>
+          <p:cNvSpPr/>
+          <p:nvPr/>
+        </p:nvSpPr>
+        <p:spPr>
+          <a:xfrm>
+            <a:off x="0" y="1199536"/>
+            <a:ext cx="12192000" cy="153162"/>
+          </a:xfrm>
+          <a:prstGeom prst="rect">
+            <a:avLst/>
+          </a:prstGeom>
+          <a:solidFill>
+            <a:srgbClr val="3C5D4D"/>
+          </a:solidFill>
+          <a:ln>
+            <a:noFill/>
+          </a:ln>
+        </p:spPr>
+        <p:style>
+          <a:lnRef idx="2">
+            <a:schemeClr val="accent1">
+              <a:shade val="15000"/>
+            </a:schemeClr>
+          </a:lnRef>
+          <a:fillRef idx="1">
+            <a:schemeClr val="accent1"/>
+          </a:fillRef>
+          <a:effectRef idx="0">
+            <a:schemeClr val="accent1"/>
+          </a:effectRef>
+          <a:fontRef idx="minor">
+            <a:schemeClr val="lt1"/>
+          </a:fontRef>
+        </p:style>
+        <p:txBody>
+          <a:bodyPr rtlCol="0" anchor="ctr"/>
+          <a:lstStyle/>
+          <a:p>
+            <a:pPr algn="ctr"/>
+            <a:endParaRPr lang="da-DK"/>
+          </a:p>
+        </p:txBody>
+      </p:sp>
+      <p:sp>
+        <p:nvSpPr>
+          <p:cNvPr id="6" name="Rektangel 5">
+            <a:extLst>
+              <a:ext uri="{FF2B5EF4-FFF2-40B4-BE49-F238E27FC236}">
+                <a16:creationId xmlns:a16="http://schemas.microsoft.com/office/drawing/2014/main" id="{B693ECBA-3E2C-49F0-DCE8-AF71440713A9}"/>
+              </a:ext>
+            </a:extLst>
+          </p:cNvPr>
+          <p:cNvSpPr/>
+          <p:nvPr/>
+        </p:nvSpPr>
+        <p:spPr>
+          <a:xfrm>
+            <a:off x="-1" y="1199535"/>
+            <a:ext cx="285136" cy="171979"/>
+          </a:xfrm>
+          <a:prstGeom prst="rect">
+            <a:avLst/>
+          </a:prstGeom>
+          <a:gradFill flip="none" rotWithShape="1">
+            <a:gsLst>
+              <a:gs pos="0">
+                <a:srgbClr val="A1D3FF"/>
+              </a:gs>
+              <a:gs pos="100000">
+                <a:srgbClr val="A6FFD4"/>
+              </a:gs>
+            </a:gsLst>
+            <a:lin ang="0" scaled="1"/>
+            <a:tileRect/>
+          </a:gradFill>
+          <a:ln>
+            <a:noFill/>
+          </a:ln>
+        </p:spPr>
+        <p:style>
+          <a:lnRef idx="2">
+            <a:schemeClr val="accent1">
+              <a:shade val="15000"/>
+            </a:schemeClr>
+          </a:lnRef>
+          <a:fillRef idx="1">
+            <a:schemeClr val="accent1"/>
+          </a:fillRef>
+          <a:effectRef idx="0">
+            <a:schemeClr val="accent1"/>
+          </a:effectRef>
+          <a:fontRef idx="minor">
+            <a:schemeClr val="lt1"/>
+          </a:fontRef>
+        </p:style>
+        <p:txBody>
+          <a:bodyPr rtlCol="0" anchor="ctr"/>
+          <a:lstStyle/>
+          <a:p>
+            <a:pPr algn="ctr"/>
+            <a:endParaRPr lang="da-DK"/>
+          </a:p>
+        </p:txBody>
+      </p:sp>
+      <p:pic>
+        <p:nvPicPr>
+          <p:cNvPr id="10" name="Billede 9" descr="Et billede, der indeholder tekst, Font/skrifttype, Grafik, logo&#10;&#10;Automatisk genereret beskrivelse">
+            <a:extLst>
+              <a:ext uri="{FF2B5EF4-FFF2-40B4-BE49-F238E27FC236}">
+                <a16:creationId xmlns:a16="http://schemas.microsoft.com/office/drawing/2014/main" id="{F7CEECE9-D736-B387-B8AE-1C1E69832D84}"/>
+              </a:ext>
+            </a:extLst>
+          </p:cNvPr>
+          <p:cNvPicPr>
+            <a:picLocks noChangeAspect="1"/>
+          </p:cNvPicPr>
+          <p:nvPr/>
+        </p:nvPicPr>
+        <p:blipFill>
+          <a:blip r:embed="rId3">
+            <a:extLst>
+              <a:ext uri="{28A0092B-C50C-407E-A947-70E740481C1C}">
+                <a14:useLocalDpi xmlns:a14="http://schemas.microsoft.com/office/drawing/2010/main" val="0"/>
+              </a:ext>
+            </a:extLst>
+          </a:blip>
+          <a:stretch>
+            <a:fillRect/>
+          </a:stretch>
+        </p:blipFill>
+        <p:spPr>
+          <a:xfrm>
+            <a:off x="412462" y="153162"/>
+            <a:ext cx="1554480" cy="874395"/>
+          </a:xfrm>
+          <a:prstGeom prst="rect">
+            <a:avLst/>
+          </a:prstGeom>
+        </p:spPr>
+      </p:pic>
+      <p:sp>
+        <p:nvSpPr>
+          <p:cNvPr id="7" name="Tekstfelt 6">
+            <a:extLst>
+              <a:ext uri="{FF2B5EF4-FFF2-40B4-BE49-F238E27FC236}">
+                <a16:creationId xmlns:a16="http://schemas.microsoft.com/office/drawing/2014/main" id="{56473B69-1AE1-CF54-B73F-5AD3FAAFA676}"/>
+              </a:ext>
+            </a:extLst>
+          </p:cNvPr>
+          <p:cNvSpPr txBox="1"/>
+          <p:nvPr/>
+        </p:nvSpPr>
+        <p:spPr>
+          <a:xfrm>
+            <a:off x="9330813" y="415102"/>
+            <a:ext cx="2448725" cy="461665"/>
+          </a:xfrm>
+          <a:prstGeom prst="rect">
+            <a:avLst/>
+          </a:prstGeom>
+          <a:noFill/>
+        </p:spPr>
+        <p:txBody>
+          <a:bodyPr wrap="square" rtlCol="0">
+            <a:spAutoFit/>
+          </a:bodyPr>
+          <a:lstStyle/>
+          <a:p>
+            <a:pPr algn="r"/>
+            <a:r>
+              <a:rPr lang="da-DK" sz="2400" b="1" dirty="0">
+                <a:solidFill>
+                  <a:schemeClr val="bg1"/>
+                </a:solidFill>
+                <a:latin typeface="Arial" panose="020B0604020202020204" pitchFamily="34" charset="0"/>
+                <a:cs typeface="Arial" panose="020B0604020202020204" pitchFamily="34" charset="0"/>
+              </a:rPr>
+              <a:t>P</a:t>
+            </a:r>
+            <a:r>
+              <a:rPr lang="da-DK" sz="2400" b="1" i="0" u="none" strike="noStrike" dirty="0">
+                <a:solidFill>
+                  <a:schemeClr val="bg1"/>
+                </a:solidFill>
+                <a:effectLst/>
+                <a:latin typeface="Arial" panose="020B0604020202020204" pitchFamily="34" charset="0"/>
+                <a:cs typeface="Arial" panose="020B0604020202020204" pitchFamily="34" charset="0"/>
+              </a:rPr>
+              <a:t>rioriteringer</a:t>
+            </a:r>
+            <a:r>
+              <a:rPr lang="da-DK" sz="2400" i="0" u="none" strike="noStrike" dirty="0">
+                <a:solidFill>
+                  <a:schemeClr val="bg1"/>
+                </a:solidFill>
+                <a:effectLst/>
+                <a:latin typeface="Arial" panose="020B0604020202020204" pitchFamily="34" charset="0"/>
+                <a:cs typeface="Arial" panose="020B0604020202020204" pitchFamily="34" charset="0"/>
+              </a:rPr>
+              <a:t> </a:t>
+            </a:r>
+            <a:endParaRPr lang="da-DK" sz="2400" dirty="0">
+              <a:solidFill>
+                <a:schemeClr val="bg1"/>
+              </a:solidFill>
+              <a:latin typeface="Arial" panose="020B0604020202020204" pitchFamily="34" charset="0"/>
+              <a:cs typeface="Arial" panose="020B0604020202020204" pitchFamily="34" charset="0"/>
+            </a:endParaRPr>
+          </a:p>
+        </p:txBody>
+      </p:sp>
+      <p:sp>
+        <p:nvSpPr>
+          <p:cNvPr id="18" name="Tekstfelt 17">
+            <a:extLst>
+              <a:ext uri="{FF2B5EF4-FFF2-40B4-BE49-F238E27FC236}">
+                <a16:creationId xmlns:a16="http://schemas.microsoft.com/office/drawing/2014/main" id="{9625D84E-8142-561B-5AEE-491CB041BB8C}"/>
+              </a:ext>
+            </a:extLst>
+          </p:cNvPr>
+          <p:cNvSpPr txBox="1"/>
+          <p:nvPr/>
+        </p:nvSpPr>
+        <p:spPr>
+          <a:xfrm>
+            <a:off x="12074019" y="414678"/>
+            <a:ext cx="2448725" cy="461665"/>
+          </a:xfrm>
+          <a:prstGeom prst="rect">
+            <a:avLst/>
+          </a:prstGeom>
+          <a:noFill/>
+        </p:spPr>
+        <p:txBody>
+          <a:bodyPr wrap="square" rtlCol="0">
+            <a:spAutoFit/>
+          </a:bodyPr>
+          <a:lstStyle/>
+          <a:p>
+            <a:pPr algn="r"/>
+            <a:r>
+              <a:rPr lang="da-DK" sz="2400" b="1" dirty="0">
+                <a:solidFill>
+                  <a:schemeClr val="bg1"/>
+                </a:solidFill>
+                <a:latin typeface="Arial" panose="020B0604020202020204" pitchFamily="34" charset="0"/>
+                <a:cs typeface="Arial" panose="020B0604020202020204" pitchFamily="34" charset="0"/>
+              </a:rPr>
+              <a:t>Målgruppe</a:t>
+            </a:r>
+            <a:endParaRPr lang="da-DK" sz="2400" dirty="0">
+              <a:solidFill>
+                <a:schemeClr val="bg1"/>
+              </a:solidFill>
+              <a:latin typeface="Arial" panose="020B0604020202020204" pitchFamily="34" charset="0"/>
+              <a:cs typeface="Arial" panose="020B0604020202020204" pitchFamily="34" charset="0"/>
+            </a:endParaRPr>
+          </a:p>
+        </p:txBody>
+      </p:sp>
+      <p:sp>
+        <p:nvSpPr>
+          <p:cNvPr id="8" name="Tekstfelt 7">
+            <a:extLst>
+              <a:ext uri="{FF2B5EF4-FFF2-40B4-BE49-F238E27FC236}">
+                <a16:creationId xmlns:a16="http://schemas.microsoft.com/office/drawing/2014/main" id="{DDBB91F5-F9C3-2210-B7AF-76B72E7DF7A8}"/>
+              </a:ext>
+            </a:extLst>
+          </p:cNvPr>
+          <p:cNvSpPr txBox="1"/>
+          <p:nvPr/>
+        </p:nvSpPr>
+        <p:spPr>
+          <a:xfrm>
+            <a:off x="8190272" y="2367568"/>
+            <a:ext cx="2861187" cy="923330"/>
+          </a:xfrm>
+          <a:prstGeom prst="rect">
+            <a:avLst/>
+          </a:prstGeom>
+          <a:noFill/>
+        </p:spPr>
+        <p:txBody>
+          <a:bodyPr wrap="square" rtlCol="0">
+            <a:spAutoFit/>
+          </a:bodyPr>
+          <a:lstStyle/>
+          <a:p>
+            <a:r>
+              <a:rPr lang="da-DK" b="1" dirty="0">
+                <a:solidFill>
+                  <a:srgbClr val="000000"/>
+                </a:solidFill>
+                <a:latin typeface="Arial" panose="020B0604020202020204" pitchFamily="34" charset="0"/>
+              </a:rPr>
+              <a:t>V</a:t>
+            </a:r>
+            <a:r>
+              <a:rPr lang="da-DK" sz="1800" b="1" i="0" u="none" strike="noStrike" dirty="0">
+                <a:solidFill>
+                  <a:srgbClr val="000000"/>
+                </a:solidFill>
+                <a:effectLst/>
+                <a:latin typeface="Arial" panose="020B0604020202020204" pitchFamily="34" charset="0"/>
+              </a:rPr>
+              <a:t>ideo</a:t>
+            </a:r>
+            <a:br>
+              <a:rPr lang="da-DK" sz="1800" b="0" i="0" u="none" strike="noStrike" dirty="0">
+                <a:solidFill>
+                  <a:srgbClr val="000000"/>
+                </a:solidFill>
+                <a:effectLst/>
+                <a:latin typeface="Arial" panose="020B0604020202020204" pitchFamily="34" charset="0"/>
+              </a:rPr>
+            </a:br>
+            <a:r>
+              <a:rPr lang="da-DK" sz="1800" b="0" i="0" u="none" strike="noStrike" dirty="0">
+                <a:solidFill>
+                  <a:srgbClr val="000000"/>
+                </a:solidFill>
+                <a:effectLst/>
+                <a:latin typeface="Arial" panose="020B0604020202020204" pitchFamily="34" charset="0"/>
+              </a:rPr>
+              <a:t>- Photoshop</a:t>
+            </a:r>
+            <a:br>
+              <a:rPr lang="da-DK" sz="1800" b="0" i="0" u="none" strike="noStrike" dirty="0">
+                <a:solidFill>
+                  <a:srgbClr val="000000"/>
+                </a:solidFill>
+                <a:effectLst/>
+                <a:latin typeface="Arial" panose="020B0604020202020204" pitchFamily="34" charset="0"/>
+              </a:rPr>
+            </a:br>
+            <a:r>
+              <a:rPr lang="da-DK" sz="1800" b="0" i="0" u="none" strike="noStrike" dirty="0">
+                <a:solidFill>
+                  <a:srgbClr val="000000"/>
+                </a:solidFill>
+                <a:effectLst/>
+                <a:latin typeface="Arial" panose="020B0604020202020204" pitchFamily="34" charset="0"/>
+              </a:rPr>
+              <a:t>- AI stemme</a:t>
+            </a:r>
+            <a:endParaRPr lang="da-DK" dirty="0">
+              <a:solidFill>
+                <a:srgbClr val="000000"/>
+              </a:solidFill>
+              <a:latin typeface="Arial" panose="020B0604020202020204" pitchFamily="34" charset="0"/>
+            </a:endParaRPr>
+          </a:p>
+        </p:txBody>
+      </p:sp>
+      <p:pic>
+        <p:nvPicPr>
+          <p:cNvPr id="1026" name="Picture 2" descr="Ingen tilgængelig beskrivelse.">
+            <a:extLst>
+              <a:ext uri="{FF2B5EF4-FFF2-40B4-BE49-F238E27FC236}">
+                <a16:creationId xmlns:a16="http://schemas.microsoft.com/office/drawing/2014/main" id="{BE871E1E-F66A-C434-21FD-E2B96480407F}"/>
+              </a:ext>
+            </a:extLst>
+          </p:cNvPr>
+          <p:cNvPicPr>
+            <a:picLocks noChangeAspect="1" noChangeArrowheads="1"/>
+          </p:cNvPicPr>
+          <p:nvPr/>
+        </p:nvPicPr>
+        <p:blipFill rotWithShape="1">
+          <a:blip r:embed="rId4">
+            <a:extLst>
+              <a:ext uri="{28A0092B-C50C-407E-A947-70E740481C1C}">
+                <a14:useLocalDpi xmlns:a14="http://schemas.microsoft.com/office/drawing/2010/main" val="0"/>
+              </a:ext>
+            </a:extLst>
+          </a:blip>
+          <a:srcRect l="99" t="-1257" r="249" b="801"/>
+          <a:stretch/>
+        </p:blipFill>
+        <p:spPr bwMode="auto">
+          <a:xfrm>
+            <a:off x="184136" y="1899547"/>
+            <a:ext cx="7718602" cy="3748365"/>
+          </a:xfrm>
+          <a:prstGeom prst="rect">
+            <a:avLst/>
+          </a:prstGeom>
+          <a:noFill/>
+          <a:extLst>
+            <a:ext uri="{909E8E84-426E-40DD-AFC4-6F175D3DCCD1}">
+              <a14:hiddenFill xmlns:a14="http://schemas.microsoft.com/office/drawing/2010/main">
+                <a:solidFill>
+                  <a:srgbClr val="FFFFFF"/>
+                </a:solidFill>
+              </a14:hiddenFill>
+            </a:ext>
+          </a:extLst>
+        </p:spPr>
+      </p:pic>
+    </p:spTree>
+    <p:extLst>
+      <p:ext uri="{BB962C8B-B14F-4D97-AF65-F5344CB8AC3E}">
+        <p14:creationId xmlns:p14="http://schemas.microsoft.com/office/powerpoint/2010/main" val="1141509015"/>
+      </p:ext>
+    </p:extLst>
+  </p:cSld>
+  <p:clrMapOvr>
+    <a:masterClrMapping/>
+  </p:clrMapOvr>
+  <mc:AlternateContent xmlns:mc="http://schemas.openxmlformats.org/markup-compatibility/2006" xmlns:p159="http://schemas.microsoft.com/office/powerpoint/2015/09/main">
+    <mc:Choice Requires="p159">
+      <p:transition spd="slow">
+        <p159:morph option="byObject"/>
+      </p:transition>
+    </mc:Choice>
+    <mc:Fallback xmlns="">
+      <p:transition spd="slow">
+        <p:fade/>
+      </p:transition>
+    </mc:Fallback>
+  </mc:AlternateContent>
+</p:sld>
+</file>
+
+<file path=ppt/slides/slide6.xml><?xml version="1.0" encoding="utf-8"?>
+<p:sld xmlns:a="http://schemas.openxmlformats.org/drawingml/2006/main" xmlns:r="http://schemas.openxmlformats.org/officeDocument/2006/relationships" xmlns:p="http://schemas.openxmlformats.org/presentationml/2006/main">
+  <p:cSld>
+    <p:spTree>
+      <p:nvGrpSpPr>
+        <p:cNvPr id="1" name=""/>
+        <p:cNvGrpSpPr/>
+        <p:nvPr/>
+      </p:nvGrpSpPr>
+      <p:grpSpPr>
+        <a:xfrm>
+          <a:off x="0" y="0"/>
+          <a:ext cx="0" cy="0"/>
+          <a:chOff x="0" y="0"/>
+          <a:chExt cx="0" cy="0"/>
+        </a:xfrm>
+      </p:grpSpPr>
+      <p:sp>
+        <p:nvSpPr>
+          <p:cNvPr id="4" name="Rektangel 3">
+            <a:extLst>
+              <a:ext uri="{FF2B5EF4-FFF2-40B4-BE49-F238E27FC236}">
+                <a16:creationId xmlns:a16="http://schemas.microsoft.com/office/drawing/2014/main" id="{15614B7A-38D6-DAB1-14B3-9E39F0F268AD}"/>
+              </a:ext>
+            </a:extLst>
+          </p:cNvPr>
+          <p:cNvSpPr/>
+          <p:nvPr/>
+        </p:nvSpPr>
+        <p:spPr>
+          <a:xfrm>
+            <a:off x="1" y="0"/>
+            <a:ext cx="12192000" cy="1199536"/>
+          </a:xfrm>
+          <a:prstGeom prst="rect">
+            <a:avLst/>
+          </a:prstGeom>
+          <a:solidFill>
+            <a:srgbClr val="53806A"/>
+          </a:solidFill>
+          <a:ln>
+            <a:noFill/>
+          </a:ln>
+        </p:spPr>
+        <p:style>
+          <a:lnRef idx="2">
+            <a:schemeClr val="accent1">
+              <a:shade val="15000"/>
+            </a:schemeClr>
+          </a:lnRef>
+          <a:fillRef idx="1">
+            <a:schemeClr val="accent1"/>
+          </a:fillRef>
+          <a:effectRef idx="0">
+            <a:schemeClr val="accent1"/>
+          </a:effectRef>
+          <a:fontRef idx="minor">
+            <a:schemeClr val="lt1"/>
+          </a:fontRef>
+        </p:style>
+        <p:txBody>
+          <a:bodyPr rtlCol="0" anchor="ctr"/>
+          <a:lstStyle/>
+          <a:p>
+            <a:pPr algn="ctr"/>
+            <a:endParaRPr lang="da-DK"/>
+          </a:p>
+        </p:txBody>
+      </p:sp>
+      <p:sp>
+        <p:nvSpPr>
+          <p:cNvPr id="5" name="Rektangel 4">
+            <a:extLst>
+              <a:ext uri="{FF2B5EF4-FFF2-40B4-BE49-F238E27FC236}">
+                <a16:creationId xmlns:a16="http://schemas.microsoft.com/office/drawing/2014/main" id="{622AF568-0B1A-E2F3-FBCD-91371B1B05CC}"/>
+              </a:ext>
+            </a:extLst>
+          </p:cNvPr>
+          <p:cNvSpPr/>
+          <p:nvPr/>
+        </p:nvSpPr>
+        <p:spPr>
+          <a:xfrm>
+            <a:off x="0" y="1199536"/>
+            <a:ext cx="12192000" cy="153162"/>
+          </a:xfrm>
+          <a:prstGeom prst="rect">
+            <a:avLst/>
+          </a:prstGeom>
+          <a:solidFill>
+            <a:srgbClr val="3C5D4D"/>
+          </a:solidFill>
+          <a:ln>
+            <a:noFill/>
+          </a:ln>
+        </p:spPr>
+        <p:style>
+          <a:lnRef idx="2">
+            <a:schemeClr val="accent1">
+              <a:shade val="15000"/>
+            </a:schemeClr>
+          </a:lnRef>
+          <a:fillRef idx="1">
+            <a:schemeClr val="accent1"/>
+          </a:fillRef>
+          <a:effectRef idx="0">
+            <a:schemeClr val="accent1"/>
+          </a:effectRef>
+          <a:fontRef idx="minor">
+            <a:schemeClr val="lt1"/>
+          </a:fontRef>
+        </p:style>
+        <p:txBody>
+          <a:bodyPr rtlCol="0" anchor="ctr"/>
+          <a:lstStyle/>
+          <a:p>
+            <a:pPr algn="ctr"/>
+            <a:endParaRPr lang="da-DK"/>
+          </a:p>
+        </p:txBody>
+      </p:sp>
+      <p:sp>
+        <p:nvSpPr>
+          <p:cNvPr id="6" name="Rektangel 5">
+            <a:extLst>
+              <a:ext uri="{FF2B5EF4-FFF2-40B4-BE49-F238E27FC236}">
+                <a16:creationId xmlns:a16="http://schemas.microsoft.com/office/drawing/2014/main" id="{B693ECBA-3E2C-49F0-DCE8-AF71440713A9}"/>
+              </a:ext>
+            </a:extLst>
+          </p:cNvPr>
+          <p:cNvSpPr/>
+          <p:nvPr/>
+        </p:nvSpPr>
+        <p:spPr>
+          <a:xfrm>
+            <a:off x="-1" y="1199535"/>
+            <a:ext cx="285136" cy="171979"/>
+          </a:xfrm>
+          <a:prstGeom prst="rect">
+            <a:avLst/>
+          </a:prstGeom>
+          <a:gradFill flip="none" rotWithShape="1">
+            <a:gsLst>
+              <a:gs pos="0">
+                <a:srgbClr val="A1D3FF"/>
+              </a:gs>
+              <a:gs pos="100000">
+                <a:srgbClr val="A6FFD4"/>
+              </a:gs>
+            </a:gsLst>
+            <a:lin ang="0" scaled="1"/>
+            <a:tileRect/>
+          </a:gradFill>
+          <a:ln>
+            <a:noFill/>
+          </a:ln>
+        </p:spPr>
+        <p:style>
+          <a:lnRef idx="2">
+            <a:schemeClr val="accent1">
+              <a:shade val="15000"/>
+            </a:schemeClr>
+          </a:lnRef>
+          <a:fillRef idx="1">
+            <a:schemeClr val="accent1"/>
+          </a:fillRef>
+          <a:effectRef idx="0">
+            <a:schemeClr val="accent1"/>
+          </a:effectRef>
+          <a:fontRef idx="minor">
+            <a:schemeClr val="lt1"/>
+          </a:fontRef>
+        </p:style>
+        <p:txBody>
+          <a:bodyPr rtlCol="0" anchor="ctr"/>
+          <a:lstStyle/>
+          <a:p>
+            <a:pPr algn="ctr"/>
+            <a:endParaRPr lang="da-DK"/>
+          </a:p>
+        </p:txBody>
+      </p:sp>
+      <p:pic>
+        <p:nvPicPr>
+          <p:cNvPr id="10" name="Billede 9" descr="Et billede, der indeholder tekst, Font/skrifttype, Grafik, logo&#10;&#10;Automatisk genereret beskrivelse">
+            <a:extLst>
+              <a:ext uri="{FF2B5EF4-FFF2-40B4-BE49-F238E27FC236}">
+                <a16:creationId xmlns:a16="http://schemas.microsoft.com/office/drawing/2014/main" id="{F7CEECE9-D736-B387-B8AE-1C1E69832D84}"/>
+              </a:ext>
+            </a:extLst>
+          </p:cNvPr>
+          <p:cNvPicPr>
+            <a:picLocks noChangeAspect="1"/>
+          </p:cNvPicPr>
+          <p:nvPr/>
+        </p:nvPicPr>
+        <p:blipFill>
+          <a:blip r:embed="rId2">
+            <a:extLst>
+              <a:ext uri="{28A0092B-C50C-407E-A947-70E740481C1C}">
+                <a14:useLocalDpi xmlns:a14="http://schemas.microsoft.com/office/drawing/2010/main" val="0"/>
+              </a:ext>
+            </a:extLst>
+          </a:blip>
+          <a:stretch>
+            <a:fillRect/>
+          </a:stretch>
+        </p:blipFill>
+        <p:spPr>
+          <a:xfrm>
+            <a:off x="412462" y="153162"/>
+            <a:ext cx="1554480" cy="874395"/>
+          </a:xfrm>
+          <a:prstGeom prst="rect">
+            <a:avLst/>
+          </a:prstGeom>
+        </p:spPr>
+      </p:pic>
+      <p:sp>
+        <p:nvSpPr>
+          <p:cNvPr id="7" name="Tekstfelt 6">
+            <a:extLst>
+              <a:ext uri="{FF2B5EF4-FFF2-40B4-BE49-F238E27FC236}">
+                <a16:creationId xmlns:a16="http://schemas.microsoft.com/office/drawing/2014/main" id="{56473B69-1AE1-CF54-B73F-5AD3FAAFA676}"/>
+              </a:ext>
+            </a:extLst>
+          </p:cNvPr>
+          <p:cNvSpPr txBox="1"/>
+          <p:nvPr/>
+        </p:nvSpPr>
+        <p:spPr>
+          <a:xfrm>
+            <a:off x="9330813" y="415102"/>
+            <a:ext cx="2448725" cy="461665"/>
+          </a:xfrm>
+          <a:prstGeom prst="rect">
+            <a:avLst/>
+          </a:prstGeom>
+          <a:noFill/>
+        </p:spPr>
+        <p:txBody>
+          <a:bodyPr wrap="square" rtlCol="0">
+            <a:spAutoFit/>
+          </a:bodyPr>
+          <a:lstStyle/>
+          <a:p>
+            <a:pPr algn="r"/>
+            <a:r>
+              <a:rPr lang="da-DK" sz="2400" b="1" dirty="0">
+                <a:solidFill>
+                  <a:schemeClr val="bg1"/>
+                </a:solidFill>
+                <a:latin typeface="Arial" panose="020B0604020202020204" pitchFamily="34" charset="0"/>
+                <a:cs typeface="Arial" panose="020B0604020202020204" pitchFamily="34" charset="0"/>
+              </a:rPr>
+              <a:t>Målgruppe</a:t>
+            </a:r>
+            <a:endParaRPr lang="da-DK" sz="2400" dirty="0">
+              <a:solidFill>
+                <a:schemeClr val="bg1"/>
+              </a:solidFill>
+              <a:latin typeface="Arial" panose="020B0604020202020204" pitchFamily="34" charset="0"/>
+              <a:cs typeface="Arial" panose="020B0604020202020204" pitchFamily="34" charset="0"/>
+            </a:endParaRPr>
+          </a:p>
+        </p:txBody>
+      </p:sp>
+      <p:sp>
+        <p:nvSpPr>
+          <p:cNvPr id="3" name="Tekstfelt 2">
+            <a:extLst>
+              <a:ext uri="{FF2B5EF4-FFF2-40B4-BE49-F238E27FC236}">
+                <a16:creationId xmlns:a16="http://schemas.microsoft.com/office/drawing/2014/main" id="{CD844449-2E91-B18A-C28C-5F321A08FB0C}"/>
+              </a:ext>
+            </a:extLst>
+          </p:cNvPr>
+          <p:cNvSpPr txBox="1"/>
+          <p:nvPr/>
+        </p:nvSpPr>
+        <p:spPr>
+          <a:xfrm>
+            <a:off x="12074019" y="414678"/>
+            <a:ext cx="2448725" cy="461665"/>
+          </a:xfrm>
+          <a:prstGeom prst="rect">
+            <a:avLst/>
+          </a:prstGeom>
+          <a:noFill/>
+        </p:spPr>
+        <p:txBody>
+          <a:bodyPr wrap="square" rtlCol="0">
+            <a:spAutoFit/>
+          </a:bodyPr>
+          <a:lstStyle/>
+          <a:p>
+            <a:pPr algn="r"/>
+            <a:r>
+              <a:rPr lang="da-DK" sz="2400" b="1" dirty="0">
+                <a:solidFill>
+                  <a:schemeClr val="bg1"/>
+                </a:solidFill>
+                <a:latin typeface="Arial" panose="020B0604020202020204" pitchFamily="34" charset="0"/>
+                <a:cs typeface="Arial" panose="020B0604020202020204" pitchFamily="34" charset="0"/>
+              </a:rPr>
+              <a:t>Test</a:t>
+            </a:r>
+            <a:endParaRPr lang="da-DK" sz="2400" dirty="0">
+              <a:solidFill>
+                <a:schemeClr val="bg1"/>
+              </a:solidFill>
+              <a:latin typeface="Arial" panose="020B0604020202020204" pitchFamily="34" charset="0"/>
+              <a:cs typeface="Arial" panose="020B0604020202020204" pitchFamily="34" charset="0"/>
+            </a:endParaRPr>
+          </a:p>
+        </p:txBody>
+      </p:sp>
+    </p:spTree>
+    <p:extLst>
+      <p:ext uri="{BB962C8B-B14F-4D97-AF65-F5344CB8AC3E}">
+        <p14:creationId xmlns:p14="http://schemas.microsoft.com/office/powerpoint/2010/main" val="1099747552"/>
+      </p:ext>
+    </p:extLst>
+  </p:cSld>
+  <p:clrMapOvr>
+    <a:masterClrMapping/>
+  </p:clrMapOvr>
+  <mc:AlternateContent xmlns:mc="http://schemas.openxmlformats.org/markup-compatibility/2006" xmlns:p159="http://schemas.microsoft.com/office/powerpoint/2015/09/main">
+    <mc:Choice Requires="p159">
+      <p:transition spd="slow">
+        <p159:morph option="byObject"/>
+      </p:transition>
+    </mc:Choice>
+    <mc:Fallback xmlns="">
+      <p:transition spd="slow">
+        <p:fade/>
+      </p:transition>
+    </mc:Fallback>
+  </mc:AlternateContent>
+</p:sld>
+</file>
+
+<file path=ppt/slides/slide7.xml><?xml version="1.0" encoding="utf-8"?>
+<p:sld xmlns:a="http://schemas.openxmlformats.org/drawingml/2006/main" xmlns:r="http://schemas.openxmlformats.org/officeDocument/2006/relationships" xmlns:p="http://schemas.openxmlformats.org/presentationml/2006/main">
+  <p:cSld>
+    <p:spTree>
+      <p:nvGrpSpPr>
+        <p:cNvPr id="1" name=""/>
+        <p:cNvGrpSpPr/>
+        <p:nvPr/>
+      </p:nvGrpSpPr>
+      <p:grpSpPr>
+        <a:xfrm>
+          <a:off x="0" y="0"/>
+          <a:ext cx="0" cy="0"/>
+          <a:chOff x="0" y="0"/>
+          <a:chExt cx="0" cy="0"/>
+        </a:xfrm>
+      </p:grpSpPr>
+      <p:sp>
+        <p:nvSpPr>
+          <p:cNvPr id="4" name="Rektangel 3">
+            <a:extLst>
+              <a:ext uri="{FF2B5EF4-FFF2-40B4-BE49-F238E27FC236}">
+                <a16:creationId xmlns:a16="http://schemas.microsoft.com/office/drawing/2014/main" id="{15614B7A-38D6-DAB1-14B3-9E39F0F268AD}"/>
+              </a:ext>
+            </a:extLst>
+          </p:cNvPr>
+          <p:cNvSpPr/>
+          <p:nvPr/>
+        </p:nvSpPr>
+        <p:spPr>
+          <a:xfrm>
+            <a:off x="1" y="0"/>
+            <a:ext cx="12192000" cy="1199536"/>
+          </a:xfrm>
+          <a:prstGeom prst="rect">
+            <a:avLst/>
+          </a:prstGeom>
+          <a:solidFill>
+            <a:srgbClr val="53806A"/>
+          </a:solidFill>
+          <a:ln>
+            <a:noFill/>
+          </a:ln>
+        </p:spPr>
+        <p:style>
+          <a:lnRef idx="2">
+            <a:schemeClr val="accent1">
+              <a:shade val="15000"/>
+            </a:schemeClr>
+          </a:lnRef>
+          <a:fillRef idx="1">
+            <a:schemeClr val="accent1"/>
+          </a:fillRef>
+          <a:effectRef idx="0">
+            <a:schemeClr val="accent1"/>
+          </a:effectRef>
+          <a:fontRef idx="minor">
+            <a:schemeClr val="lt1"/>
+          </a:fontRef>
+        </p:style>
+        <p:txBody>
+          <a:bodyPr rtlCol="0" anchor="ctr"/>
+          <a:lstStyle/>
+          <a:p>
+            <a:pPr algn="ctr"/>
+            <a:endParaRPr lang="da-DK"/>
+          </a:p>
+        </p:txBody>
+      </p:sp>
+      <p:sp>
+        <p:nvSpPr>
+          <p:cNvPr id="5" name="Rektangel 4">
+            <a:extLst>
+              <a:ext uri="{FF2B5EF4-FFF2-40B4-BE49-F238E27FC236}">
+                <a16:creationId xmlns:a16="http://schemas.microsoft.com/office/drawing/2014/main" id="{622AF568-0B1A-E2F3-FBCD-91371B1B05CC}"/>
+              </a:ext>
+            </a:extLst>
+          </p:cNvPr>
+          <p:cNvSpPr/>
+          <p:nvPr/>
+        </p:nvSpPr>
+        <p:spPr>
+          <a:xfrm>
+            <a:off x="0" y="1199536"/>
+            <a:ext cx="12192000" cy="153162"/>
+          </a:xfrm>
+          <a:prstGeom prst="rect">
+            <a:avLst/>
+          </a:prstGeom>
+          <a:solidFill>
+            <a:srgbClr val="3C5D4D"/>
+          </a:solidFill>
+          <a:ln>
+            <a:noFill/>
+          </a:ln>
+        </p:spPr>
+        <p:style>
+          <a:lnRef idx="2">
+            <a:schemeClr val="accent1">
+              <a:shade val="15000"/>
+            </a:schemeClr>
+          </a:lnRef>
+          <a:fillRef idx="1">
+            <a:schemeClr val="accent1"/>
+          </a:fillRef>
+          <a:effectRef idx="0">
+            <a:schemeClr val="accent1"/>
+          </a:effectRef>
+          <a:fontRef idx="minor">
+            <a:schemeClr val="lt1"/>
+          </a:fontRef>
+        </p:style>
+        <p:txBody>
+          <a:bodyPr rtlCol="0" anchor="ctr"/>
+          <a:lstStyle/>
+          <a:p>
+            <a:pPr algn="ctr"/>
+            <a:endParaRPr lang="da-DK"/>
+          </a:p>
+        </p:txBody>
+      </p:sp>
+      <p:sp>
+        <p:nvSpPr>
+          <p:cNvPr id="6" name="Rektangel 5">
+            <a:extLst>
+              <a:ext uri="{FF2B5EF4-FFF2-40B4-BE49-F238E27FC236}">
+                <a16:creationId xmlns:a16="http://schemas.microsoft.com/office/drawing/2014/main" id="{B693ECBA-3E2C-49F0-DCE8-AF71440713A9}"/>
+              </a:ext>
+            </a:extLst>
+          </p:cNvPr>
+          <p:cNvSpPr/>
+          <p:nvPr/>
+        </p:nvSpPr>
+        <p:spPr>
+          <a:xfrm>
+            <a:off x="-1" y="1199535"/>
+            <a:ext cx="285136" cy="171979"/>
+          </a:xfrm>
+          <a:prstGeom prst="rect">
+            <a:avLst/>
+          </a:prstGeom>
+          <a:gradFill flip="none" rotWithShape="1">
+            <a:gsLst>
+              <a:gs pos="0">
+                <a:srgbClr val="A1D3FF"/>
+              </a:gs>
+              <a:gs pos="100000">
+                <a:srgbClr val="A6FFD4"/>
+              </a:gs>
+            </a:gsLst>
+            <a:lin ang="0" scaled="1"/>
+            <a:tileRect/>
+          </a:gradFill>
+          <a:ln>
+            <a:noFill/>
+          </a:ln>
+        </p:spPr>
+        <p:style>
+          <a:lnRef idx="2">
+            <a:schemeClr val="accent1">
+              <a:shade val="15000"/>
+            </a:schemeClr>
+          </a:lnRef>
+          <a:fillRef idx="1">
+            <a:schemeClr val="accent1"/>
+          </a:fillRef>
+          <a:effectRef idx="0">
+            <a:schemeClr val="accent1"/>
+          </a:effectRef>
+          <a:fontRef idx="minor">
+            <a:schemeClr val="lt1"/>
+          </a:fontRef>
+        </p:style>
+        <p:txBody>
+          <a:bodyPr rtlCol="0" anchor="ctr"/>
+          <a:lstStyle/>
+          <a:p>
+            <a:pPr algn="ctr"/>
+            <a:endParaRPr lang="da-DK"/>
+          </a:p>
+        </p:txBody>
+      </p:sp>
+      <p:pic>
+        <p:nvPicPr>
+          <p:cNvPr id="10" name="Billede 9" descr="Et billede, der indeholder tekst, Font/skrifttype, Grafik, logo&#10;&#10;Automatisk genereret beskrivelse">
+            <a:extLst>
+              <a:ext uri="{FF2B5EF4-FFF2-40B4-BE49-F238E27FC236}">
+                <a16:creationId xmlns:a16="http://schemas.microsoft.com/office/drawing/2014/main" id="{F7CEECE9-D736-B387-B8AE-1C1E69832D84}"/>
+              </a:ext>
+            </a:extLst>
+          </p:cNvPr>
+          <p:cNvPicPr>
+            <a:picLocks noChangeAspect="1"/>
+          </p:cNvPicPr>
+          <p:nvPr/>
+        </p:nvPicPr>
+        <p:blipFill>
+          <a:blip r:embed="rId2">
+            <a:extLst>
+              <a:ext uri="{28A0092B-C50C-407E-A947-70E740481C1C}">
+                <a14:useLocalDpi xmlns:a14="http://schemas.microsoft.com/office/drawing/2010/main" val="0"/>
+              </a:ext>
+            </a:extLst>
+          </a:blip>
+          <a:stretch>
+            <a:fillRect/>
+          </a:stretch>
+        </p:blipFill>
+        <p:spPr>
+          <a:xfrm>
+            <a:off x="412462" y="153162"/>
+            <a:ext cx="1554480" cy="874395"/>
+          </a:xfrm>
+          <a:prstGeom prst="rect">
+            <a:avLst/>
+          </a:prstGeom>
+        </p:spPr>
+      </p:pic>
+      <p:sp>
+        <p:nvSpPr>
+          <p:cNvPr id="7" name="Tekstfelt 6">
+            <a:extLst>
+              <a:ext uri="{FF2B5EF4-FFF2-40B4-BE49-F238E27FC236}">
+                <a16:creationId xmlns:a16="http://schemas.microsoft.com/office/drawing/2014/main" id="{56473B69-1AE1-CF54-B73F-5AD3FAAFA676}"/>
+              </a:ext>
+            </a:extLst>
+          </p:cNvPr>
+          <p:cNvSpPr txBox="1"/>
+          <p:nvPr/>
+        </p:nvSpPr>
+        <p:spPr>
+          <a:xfrm>
+            <a:off x="9330813" y="415102"/>
+            <a:ext cx="2448725" cy="461665"/>
+          </a:xfrm>
+          <a:prstGeom prst="rect">
+            <a:avLst/>
+          </a:prstGeom>
+          <a:noFill/>
+        </p:spPr>
+        <p:txBody>
+          <a:bodyPr wrap="square" rtlCol="0">
+            <a:spAutoFit/>
+          </a:bodyPr>
+          <a:lstStyle/>
+          <a:p>
+            <a:pPr algn="r"/>
+            <a:r>
+              <a:rPr lang="da-DK" sz="2400" b="1" dirty="0">
+                <a:solidFill>
+                  <a:schemeClr val="bg1"/>
+                </a:solidFill>
+                <a:latin typeface="Arial" panose="020B0604020202020204" pitchFamily="34" charset="0"/>
+                <a:cs typeface="Arial" panose="020B0604020202020204" pitchFamily="34" charset="0"/>
+              </a:rPr>
+              <a:t>Test</a:t>
+            </a:r>
+            <a:endParaRPr lang="da-DK" sz="2400" dirty="0">
+              <a:solidFill>
+                <a:schemeClr val="bg1"/>
+              </a:solidFill>
+              <a:latin typeface="Arial" panose="020B0604020202020204" pitchFamily="34" charset="0"/>
+              <a:cs typeface="Arial" panose="020B0604020202020204" pitchFamily="34" charset="0"/>
+            </a:endParaRPr>
+          </a:p>
+        </p:txBody>
+      </p:sp>
+      <p:sp>
+        <p:nvSpPr>
+          <p:cNvPr id="3" name="Tekstfelt 2">
+            <a:extLst>
+              <a:ext uri="{FF2B5EF4-FFF2-40B4-BE49-F238E27FC236}">
+                <a16:creationId xmlns:a16="http://schemas.microsoft.com/office/drawing/2014/main" id="{CD844449-2E91-B18A-C28C-5F321A08FB0C}"/>
+              </a:ext>
+            </a:extLst>
+          </p:cNvPr>
+          <p:cNvSpPr txBox="1"/>
+          <p:nvPr/>
+        </p:nvSpPr>
+        <p:spPr>
+          <a:xfrm>
+            <a:off x="12074019" y="414678"/>
+            <a:ext cx="2448725" cy="461665"/>
+          </a:xfrm>
+          <a:prstGeom prst="rect">
+            <a:avLst/>
+          </a:prstGeom>
+          <a:noFill/>
+        </p:spPr>
+        <p:txBody>
+          <a:bodyPr wrap="square" rtlCol="0">
+            <a:spAutoFit/>
+          </a:bodyPr>
+          <a:lstStyle/>
+          <a:p>
+            <a:pPr algn="r"/>
+            <a:r>
+              <a:rPr lang="da-DK" sz="2400" b="1" dirty="0" err="1">
+                <a:solidFill>
+                  <a:schemeClr val="bg1"/>
+                </a:solidFill>
+                <a:latin typeface="Arial" panose="020B0604020202020204" pitchFamily="34" charset="0"/>
+                <a:cs typeface="Arial" panose="020B0604020202020204" pitchFamily="34" charset="0"/>
+              </a:rPr>
+              <a:t>Gantt</a:t>
+            </a:r>
+            <a:r>
+              <a:rPr lang="da-DK" sz="2400" b="1" dirty="0">
+                <a:solidFill>
+                  <a:schemeClr val="bg1"/>
+                </a:solidFill>
+                <a:latin typeface="Arial" panose="020B0604020202020204" pitchFamily="34" charset="0"/>
+                <a:cs typeface="Arial" panose="020B0604020202020204" pitchFamily="34" charset="0"/>
+              </a:rPr>
+              <a:t> skema </a:t>
+            </a:r>
+          </a:p>
+        </p:txBody>
+      </p:sp>
+      <p:sp>
+        <p:nvSpPr>
+          <p:cNvPr id="8" name="Undertitel 7">
+            <a:extLst>
+              <a:ext uri="{FF2B5EF4-FFF2-40B4-BE49-F238E27FC236}">
+                <a16:creationId xmlns:a16="http://schemas.microsoft.com/office/drawing/2014/main" id="{D0674ADC-33FC-ED18-BD85-E8157946DE1F}"/>
+              </a:ext>
+            </a:extLst>
+          </p:cNvPr>
+          <p:cNvSpPr>
+            <a:spLocks noGrp="1"/>
+          </p:cNvSpPr>
+          <p:nvPr>
+            <p:ph type="subTitle" idx="1"/>
+          </p:nvPr>
+        </p:nvSpPr>
+        <p:spPr/>
+        <p:txBody>
+          <a:bodyPr/>
+          <a:lstStyle/>
+          <a:p>
+            <a:endParaRPr lang="da-DK"/>
+          </a:p>
+        </p:txBody>
+      </p:sp>
+      <p:sp>
+        <p:nvSpPr>
+          <p:cNvPr id="11" name="Titel 10">
+            <a:extLst>
+              <a:ext uri="{FF2B5EF4-FFF2-40B4-BE49-F238E27FC236}">
+                <a16:creationId xmlns:a16="http://schemas.microsoft.com/office/drawing/2014/main" id="{4B04716F-6D07-3EFB-BC4C-DA13AE2EECD9}"/>
+              </a:ext>
+            </a:extLst>
+          </p:cNvPr>
+          <p:cNvSpPr>
+            <a:spLocks noGrp="1"/>
+          </p:cNvSpPr>
+          <p:nvPr>
+            <p:ph type="ctrTitle"/>
+          </p:nvPr>
+        </p:nvSpPr>
+        <p:spPr/>
+        <p:txBody>
+          <a:bodyPr/>
+          <a:lstStyle/>
+          <a:p>
+            <a:endParaRPr lang="da-DK"/>
+          </a:p>
+        </p:txBody>
+      </p:sp>
+    </p:spTree>
+    <p:extLst>
+      <p:ext uri="{BB962C8B-B14F-4D97-AF65-F5344CB8AC3E}">
+        <p14:creationId xmlns:p14="http://schemas.microsoft.com/office/powerpoint/2010/main" val="3670996241"/>
+      </p:ext>
+    </p:extLst>
+  </p:cSld>
+  <p:clrMapOvr>
+    <a:masterClrMapping/>
+  </p:clrMapOvr>
+  <mc:AlternateContent xmlns:mc="http://schemas.openxmlformats.org/markup-compatibility/2006" xmlns:p159="http://schemas.microsoft.com/office/powerpoint/2015/09/main">
+    <mc:Choice Requires="p159">
+      <p:transition spd="slow">
+        <p159:morph option="byObject"/>
+      </p:transition>
+    </mc:Choice>
+    <mc:Fallback xmlns="">
+      <p:transition spd="slow">
+        <p:fade/>
+      </p:transition>
+    </mc:Fallback>
+  </mc:AlternateContent>
+</p:sld>
+</file>
+
+<file path=ppt/slides/slide8.xml><?xml version="1.0" encoding="utf-8"?>
+<p:sld xmlns:a="http://schemas.openxmlformats.org/drawingml/2006/main" xmlns:r="http://schemas.openxmlformats.org/officeDocument/2006/relationships" xmlns:p="http://schemas.openxmlformats.org/presentationml/2006/main">
+  <p:cSld>
+    <p:spTree>
+      <p:nvGrpSpPr>
+        <p:cNvPr id="1" name=""/>
+        <p:cNvGrpSpPr/>
+        <p:nvPr/>
+      </p:nvGrpSpPr>
+      <p:grpSpPr>
+        <a:xfrm>
+          <a:off x="0" y="0"/>
+          <a:ext cx="0" cy="0"/>
+          <a:chOff x="0" y="0"/>
+          <a:chExt cx="0" cy="0"/>
+        </a:xfrm>
+      </p:grpSpPr>
+      <p:sp>
+        <p:nvSpPr>
+          <p:cNvPr id="4" name="Rektangel 3">
+            <a:extLst>
+              <a:ext uri="{FF2B5EF4-FFF2-40B4-BE49-F238E27FC236}">
+                <a16:creationId xmlns:a16="http://schemas.microsoft.com/office/drawing/2014/main" id="{15614B7A-38D6-DAB1-14B3-9E39F0F268AD}"/>
+              </a:ext>
+            </a:extLst>
+          </p:cNvPr>
+          <p:cNvSpPr/>
+          <p:nvPr/>
+        </p:nvSpPr>
+        <p:spPr>
+          <a:xfrm>
+            <a:off x="1" y="0"/>
+            <a:ext cx="12192000" cy="1199536"/>
+          </a:xfrm>
+          <a:prstGeom prst="rect">
+            <a:avLst/>
+          </a:prstGeom>
+          <a:solidFill>
+            <a:srgbClr val="53806A"/>
+          </a:solidFill>
+          <a:ln>
+            <a:noFill/>
+          </a:ln>
+        </p:spPr>
+        <p:style>
+          <a:lnRef idx="2">
+            <a:schemeClr val="accent1">
+              <a:shade val="15000"/>
+            </a:schemeClr>
+          </a:lnRef>
+          <a:fillRef idx="1">
+            <a:schemeClr val="accent1"/>
+          </a:fillRef>
+          <a:effectRef idx="0">
+            <a:schemeClr val="accent1"/>
+          </a:effectRef>
+          <a:fontRef idx="minor">
+            <a:schemeClr val="lt1"/>
+          </a:fontRef>
+        </p:style>
+        <p:txBody>
+          <a:bodyPr rtlCol="0" anchor="ctr"/>
+          <a:lstStyle/>
+          <a:p>
+            <a:pPr algn="ctr"/>
+            <a:endParaRPr lang="da-DK"/>
+          </a:p>
+        </p:txBody>
+      </p:sp>
+      <p:sp>
+        <p:nvSpPr>
+          <p:cNvPr id="5" name="Rektangel 4">
+            <a:extLst>
+              <a:ext uri="{FF2B5EF4-FFF2-40B4-BE49-F238E27FC236}">
+                <a16:creationId xmlns:a16="http://schemas.microsoft.com/office/drawing/2014/main" id="{622AF568-0B1A-E2F3-FBCD-91371B1B05CC}"/>
+              </a:ext>
+            </a:extLst>
+          </p:cNvPr>
+          <p:cNvSpPr/>
+          <p:nvPr/>
+        </p:nvSpPr>
+        <p:spPr>
+          <a:xfrm>
+            <a:off x="0" y="1199536"/>
+            <a:ext cx="12192000" cy="153162"/>
+          </a:xfrm>
+          <a:prstGeom prst="rect">
+            <a:avLst/>
+          </a:prstGeom>
+          <a:solidFill>
+            <a:srgbClr val="3C5D4D"/>
+          </a:solidFill>
+          <a:ln>
+            <a:noFill/>
+          </a:ln>
+        </p:spPr>
+        <p:style>
+          <a:lnRef idx="2">
+            <a:schemeClr val="accent1">
+              <a:shade val="15000"/>
+            </a:schemeClr>
+          </a:lnRef>
+          <a:fillRef idx="1">
+            <a:schemeClr val="accent1"/>
+          </a:fillRef>
+          <a:effectRef idx="0">
+            <a:schemeClr val="accent1"/>
+          </a:effectRef>
+          <a:fontRef idx="minor">
+            <a:schemeClr val="lt1"/>
+          </a:fontRef>
+        </p:style>
+        <p:txBody>
+          <a:bodyPr rtlCol="0" anchor="ctr"/>
+          <a:lstStyle/>
+          <a:p>
+            <a:pPr algn="ctr"/>
+            <a:endParaRPr lang="da-DK"/>
+          </a:p>
+        </p:txBody>
+      </p:sp>
+      <p:sp>
+        <p:nvSpPr>
+          <p:cNvPr id="6" name="Rektangel 5">
+            <a:extLst>
+              <a:ext uri="{FF2B5EF4-FFF2-40B4-BE49-F238E27FC236}">
+                <a16:creationId xmlns:a16="http://schemas.microsoft.com/office/drawing/2014/main" id="{B693ECBA-3E2C-49F0-DCE8-AF71440713A9}"/>
+              </a:ext>
+            </a:extLst>
+          </p:cNvPr>
+          <p:cNvSpPr/>
+          <p:nvPr/>
+        </p:nvSpPr>
+        <p:spPr>
+          <a:xfrm>
+            <a:off x="-1" y="1199535"/>
+            <a:ext cx="285136" cy="171979"/>
+          </a:xfrm>
+          <a:prstGeom prst="rect">
+            <a:avLst/>
+          </a:prstGeom>
+          <a:gradFill flip="none" rotWithShape="1">
+            <a:gsLst>
+              <a:gs pos="0">
+                <a:srgbClr val="A1D3FF"/>
+              </a:gs>
+              <a:gs pos="100000">
+                <a:srgbClr val="A6FFD4"/>
+              </a:gs>
+            </a:gsLst>
+            <a:lin ang="0" scaled="1"/>
+            <a:tileRect/>
+          </a:gradFill>
+          <a:ln>
+            <a:noFill/>
+          </a:ln>
+        </p:spPr>
+        <p:style>
+          <a:lnRef idx="2">
+            <a:schemeClr val="accent1">
+              <a:shade val="15000"/>
+            </a:schemeClr>
+          </a:lnRef>
+          <a:fillRef idx="1">
+            <a:schemeClr val="accent1"/>
+          </a:fillRef>
+          <a:effectRef idx="0">
+            <a:schemeClr val="accent1"/>
+          </a:effectRef>
+          <a:fontRef idx="minor">
+            <a:schemeClr val="lt1"/>
+          </a:fontRef>
+        </p:style>
+        <p:txBody>
+          <a:bodyPr rtlCol="0" anchor="ctr"/>
+          <a:lstStyle/>
+          <a:p>
+            <a:pPr algn="ctr"/>
+            <a:endParaRPr lang="da-DK"/>
+          </a:p>
+        </p:txBody>
+      </p:sp>
+      <p:pic>
+        <p:nvPicPr>
+          <p:cNvPr id="10" name="Billede 9" descr="Et billede, der indeholder tekst, Font/skrifttype, Grafik, logo&#10;&#10;Automatisk genereret beskrivelse">
+            <a:extLst>
+              <a:ext uri="{FF2B5EF4-FFF2-40B4-BE49-F238E27FC236}">
+                <a16:creationId xmlns:a16="http://schemas.microsoft.com/office/drawing/2014/main" id="{F7CEECE9-D736-B387-B8AE-1C1E69832D84}"/>
+              </a:ext>
+            </a:extLst>
+          </p:cNvPr>
+          <p:cNvPicPr>
+            <a:picLocks noChangeAspect="1"/>
+          </p:cNvPicPr>
+          <p:nvPr/>
+        </p:nvPicPr>
+        <p:blipFill>
+          <a:blip r:embed="rId2">
+            <a:extLst>
+              <a:ext uri="{28A0092B-C50C-407E-A947-70E740481C1C}">
+                <a14:useLocalDpi xmlns:a14="http://schemas.microsoft.com/office/drawing/2010/main" val="0"/>
+              </a:ext>
+            </a:extLst>
+          </a:blip>
+          <a:stretch>
+            <a:fillRect/>
+          </a:stretch>
+        </p:blipFill>
+        <p:spPr>
+          <a:xfrm>
+            <a:off x="412462" y="153162"/>
+            <a:ext cx="1554480" cy="874395"/>
+          </a:xfrm>
+          <a:prstGeom prst="rect">
+            <a:avLst/>
+          </a:prstGeom>
+        </p:spPr>
+      </p:pic>
+      <p:sp>
+        <p:nvSpPr>
+          <p:cNvPr id="7" name="Tekstfelt 6">
+            <a:extLst>
+              <a:ext uri="{FF2B5EF4-FFF2-40B4-BE49-F238E27FC236}">
+                <a16:creationId xmlns:a16="http://schemas.microsoft.com/office/drawing/2014/main" id="{56473B69-1AE1-CF54-B73F-5AD3FAAFA676}"/>
+              </a:ext>
+            </a:extLst>
+          </p:cNvPr>
+          <p:cNvSpPr txBox="1"/>
+          <p:nvPr/>
+        </p:nvSpPr>
+        <p:spPr>
+          <a:xfrm>
+            <a:off x="9330813" y="415102"/>
+            <a:ext cx="2448725" cy="461665"/>
+          </a:xfrm>
+          <a:prstGeom prst="rect">
+            <a:avLst/>
+          </a:prstGeom>
+          <a:noFill/>
+        </p:spPr>
+        <p:txBody>
+          <a:bodyPr wrap="square" rtlCol="0">
+            <a:spAutoFit/>
+          </a:bodyPr>
+          <a:lstStyle/>
+          <a:p>
+            <a:pPr algn="r"/>
+            <a:r>
+              <a:rPr lang="da-DK" sz="2400" b="1" dirty="0" err="1">
+                <a:solidFill>
+                  <a:schemeClr val="bg1"/>
+                </a:solidFill>
+                <a:latin typeface="Arial" panose="020B0604020202020204" pitchFamily="34" charset="0"/>
+                <a:cs typeface="Arial" panose="020B0604020202020204" pitchFamily="34" charset="0"/>
+              </a:rPr>
+              <a:t>Gantt</a:t>
+            </a:r>
+            <a:r>
+              <a:rPr lang="da-DK" sz="2400" b="1" dirty="0">
+                <a:solidFill>
+                  <a:schemeClr val="bg1"/>
+                </a:solidFill>
+                <a:latin typeface="Arial" panose="020B0604020202020204" pitchFamily="34" charset="0"/>
+                <a:cs typeface="Arial" panose="020B0604020202020204" pitchFamily="34" charset="0"/>
+              </a:rPr>
+              <a:t> skema </a:t>
+            </a:r>
+          </a:p>
+        </p:txBody>
+      </p:sp>
+      <p:sp>
+        <p:nvSpPr>
+          <p:cNvPr id="3" name="Tekstfelt 2">
+            <a:extLst>
+              <a:ext uri="{FF2B5EF4-FFF2-40B4-BE49-F238E27FC236}">
+                <a16:creationId xmlns:a16="http://schemas.microsoft.com/office/drawing/2014/main" id="{CD844449-2E91-B18A-C28C-5F321A08FB0C}"/>
+              </a:ext>
+            </a:extLst>
+          </p:cNvPr>
+          <p:cNvSpPr txBox="1"/>
+          <p:nvPr/>
+        </p:nvSpPr>
+        <p:spPr>
+          <a:xfrm>
+            <a:off x="12074019" y="414678"/>
+            <a:ext cx="2448725" cy="461665"/>
+          </a:xfrm>
+          <a:prstGeom prst="rect">
+            <a:avLst/>
+          </a:prstGeom>
+          <a:noFill/>
+        </p:spPr>
+        <p:txBody>
+          <a:bodyPr wrap="square" rtlCol="0">
+            <a:spAutoFit/>
+          </a:bodyPr>
+          <a:lstStyle/>
+          <a:p>
+            <a:pPr algn="r"/>
+            <a:r>
+              <a:rPr lang="da-DK" sz="2400" b="1" dirty="0">
+                <a:solidFill>
+                  <a:schemeClr val="bg1"/>
+                </a:solidFill>
+                <a:latin typeface="Arial" panose="020B0604020202020204" pitchFamily="34" charset="0"/>
+                <a:cs typeface="Arial" panose="020B0604020202020204" pitchFamily="34" charset="0"/>
+              </a:rPr>
+              <a:t>Styleguide </a:t>
+            </a:r>
+          </a:p>
+        </p:txBody>
+      </p:sp>
+      <p:sp>
+        <p:nvSpPr>
+          <p:cNvPr id="8" name="Titel 7">
+            <a:extLst>
+              <a:ext uri="{FF2B5EF4-FFF2-40B4-BE49-F238E27FC236}">
+                <a16:creationId xmlns:a16="http://schemas.microsoft.com/office/drawing/2014/main" id="{9EB20857-342C-8CDA-02B7-FD9A56C18D64}"/>
+              </a:ext>
+            </a:extLst>
+          </p:cNvPr>
+          <p:cNvSpPr>
+            <a:spLocks noGrp="1"/>
+          </p:cNvSpPr>
+          <p:nvPr>
+            <p:ph type="ctrTitle"/>
+          </p:nvPr>
+        </p:nvSpPr>
+        <p:spPr/>
+        <p:txBody>
+          <a:bodyPr/>
+          <a:lstStyle/>
+          <a:p>
+            <a:endParaRPr lang="da-DK"/>
+          </a:p>
+        </p:txBody>
+      </p:sp>
+      <p:sp>
+        <p:nvSpPr>
+          <p:cNvPr id="11" name="Undertitel 10">
+            <a:extLst>
+              <a:ext uri="{FF2B5EF4-FFF2-40B4-BE49-F238E27FC236}">
+                <a16:creationId xmlns:a16="http://schemas.microsoft.com/office/drawing/2014/main" id="{C6F93E7D-19C2-C67A-5C54-DA03BABE8E2C}"/>
+              </a:ext>
+            </a:extLst>
+          </p:cNvPr>
+          <p:cNvSpPr>
+            <a:spLocks noGrp="1"/>
+          </p:cNvSpPr>
+          <p:nvPr>
+            <p:ph type="subTitle" idx="1"/>
+          </p:nvPr>
+        </p:nvSpPr>
+        <p:spPr/>
+        <p:txBody>
+          <a:bodyPr/>
+          <a:lstStyle/>
+          <a:p>
+            <a:endParaRPr lang="da-DK"/>
+          </a:p>
+        </p:txBody>
+      </p:sp>
+    </p:spTree>
+    <p:extLst>
+      <p:ext uri="{BB962C8B-B14F-4D97-AF65-F5344CB8AC3E}">
+        <p14:creationId xmlns:p14="http://schemas.microsoft.com/office/powerpoint/2010/main" val="4175145288"/>
+      </p:ext>
+    </p:extLst>
+  </p:cSld>
+  <p:clrMapOvr>
+    <a:masterClrMapping/>
+  </p:clrMapOvr>
+  <mc:AlternateContent xmlns:mc="http://schemas.openxmlformats.org/markup-compatibility/2006" xmlns:p159="http://schemas.microsoft.com/office/powerpoint/2015/09/main">
+    <mc:Choice Requires="p159">
+      <p:transition spd="slow">
+        <p159:morph option="byObject"/>
+      </p:transition>
+    </mc:Choice>
+    <mc:Fallback xmlns="">
+      <p:transition spd="slow">
+        <p:fade/>
+      </p:transition>
+    </mc:Fallback>
+  </mc:AlternateContent>
+</p:sld>
+</file>
+
+<file path=ppt/slides/slide9.xml><?xml version="1.0" encoding="utf-8"?>
+<p:sld xmlns:a="http://schemas.openxmlformats.org/drawingml/2006/main" xmlns:r="http://schemas.openxmlformats.org/officeDocument/2006/relationships" xmlns:p="http://schemas.openxmlformats.org/presentationml/2006/main">
+  <p:cSld>
+    <p:spTree>
+      <p:nvGrpSpPr>
+        <p:cNvPr id="1" name=""/>
+        <p:cNvGrpSpPr/>
+        <p:nvPr/>
+      </p:nvGrpSpPr>
+      <p:grpSpPr>
+        <a:xfrm>
+          <a:off x="0" y="0"/>
+          <a:ext cx="0" cy="0"/>
+          <a:chOff x="0" y="0"/>
+          <a:chExt cx="0" cy="0"/>
+        </a:xfrm>
+      </p:grpSpPr>
+      <p:sp>
+        <p:nvSpPr>
+          <p:cNvPr id="4" name="Rektangel 3">
+            <a:extLst>
+              <a:ext uri="{FF2B5EF4-FFF2-40B4-BE49-F238E27FC236}">
+                <a16:creationId xmlns:a16="http://schemas.microsoft.com/office/drawing/2014/main" id="{15614B7A-38D6-DAB1-14B3-9E39F0F268AD}"/>
+              </a:ext>
+            </a:extLst>
+          </p:cNvPr>
+          <p:cNvSpPr/>
+          <p:nvPr/>
+        </p:nvSpPr>
+        <p:spPr>
+          <a:xfrm>
+            <a:off x="1" y="0"/>
+            <a:ext cx="12192000" cy="1199536"/>
+          </a:xfrm>
+          <a:prstGeom prst="rect">
+            <a:avLst/>
+          </a:prstGeom>
+          <a:solidFill>
+            <a:srgbClr val="53806A"/>
+          </a:solidFill>
+          <a:ln>
+            <a:noFill/>
+          </a:ln>
+        </p:spPr>
+        <p:style>
+          <a:lnRef idx="2">
+            <a:schemeClr val="accent1">
+              <a:shade val="15000"/>
+            </a:schemeClr>
+          </a:lnRef>
+          <a:fillRef idx="1">
+            <a:schemeClr val="accent1"/>
+          </a:fillRef>
+          <a:effectRef idx="0">
+            <a:schemeClr val="accent1"/>
+          </a:effectRef>
+          <a:fontRef idx="minor">
+            <a:schemeClr val="lt1"/>
+          </a:fontRef>
+        </p:style>
+        <p:txBody>
+          <a:bodyPr rtlCol="0" anchor="ctr"/>
+          <a:lstStyle/>
+          <a:p>
+            <a:pPr algn="ctr"/>
+            <a:endParaRPr lang="da-DK"/>
+          </a:p>
+        </p:txBody>
+      </p:sp>
+      <p:sp>
+        <p:nvSpPr>
+          <p:cNvPr id="5" name="Rektangel 4">
+            <a:extLst>
+              <a:ext uri="{FF2B5EF4-FFF2-40B4-BE49-F238E27FC236}">
+                <a16:creationId xmlns:a16="http://schemas.microsoft.com/office/drawing/2014/main" id="{622AF568-0B1A-E2F3-FBCD-91371B1B05CC}"/>
+              </a:ext>
+            </a:extLst>
+          </p:cNvPr>
+          <p:cNvSpPr/>
+          <p:nvPr/>
+        </p:nvSpPr>
+        <p:spPr>
+          <a:xfrm>
+            <a:off x="0" y="1199536"/>
+            <a:ext cx="12192000" cy="153162"/>
+          </a:xfrm>
+          <a:prstGeom prst="rect">
+            <a:avLst/>
+          </a:prstGeom>
+          <a:solidFill>
+            <a:srgbClr val="3C5D4D"/>
+          </a:solidFill>
+          <a:ln>
+            <a:noFill/>
+          </a:ln>
+        </p:spPr>
+        <p:style>
+          <a:lnRef idx="2">
+            <a:schemeClr val="accent1">
+              <a:shade val="15000"/>
+            </a:schemeClr>
+          </a:lnRef>
+          <a:fillRef idx="1">
+            <a:schemeClr val="accent1"/>
+          </a:fillRef>
+          <a:effectRef idx="0">
+            <a:schemeClr val="accent1"/>
+          </a:effectRef>
+          <a:fontRef idx="minor">
+            <a:schemeClr val="lt1"/>
+          </a:fontRef>
+        </p:style>
+        <p:txBody>
+          <a:bodyPr rtlCol="0" anchor="ctr"/>
+          <a:lstStyle/>
+          <a:p>
+            <a:pPr algn="ctr"/>
+            <a:endParaRPr lang="da-DK"/>
+          </a:p>
+        </p:txBody>
+      </p:sp>
+      <p:sp>
+        <p:nvSpPr>
+          <p:cNvPr id="6" name="Rektangel 5">
+            <a:extLst>
+              <a:ext uri="{FF2B5EF4-FFF2-40B4-BE49-F238E27FC236}">
+                <a16:creationId xmlns:a16="http://schemas.microsoft.com/office/drawing/2014/main" id="{B693ECBA-3E2C-49F0-DCE8-AF71440713A9}"/>
+              </a:ext>
+            </a:extLst>
+          </p:cNvPr>
+          <p:cNvSpPr/>
+          <p:nvPr/>
+        </p:nvSpPr>
+        <p:spPr>
+          <a:xfrm>
+            <a:off x="-1" y="1199535"/>
+            <a:ext cx="285136" cy="171979"/>
+          </a:xfrm>
+          <a:prstGeom prst="rect">
+            <a:avLst/>
+          </a:prstGeom>
+          <a:gradFill flip="none" rotWithShape="1">
+            <a:gsLst>
+              <a:gs pos="0">
+                <a:srgbClr val="A1D3FF"/>
+              </a:gs>
+              <a:gs pos="100000">
+                <a:srgbClr val="A6FFD4"/>
+              </a:gs>
+            </a:gsLst>
+            <a:lin ang="0" scaled="1"/>
+            <a:tileRect/>
+          </a:gradFill>
+          <a:ln>
+            <a:noFill/>
+          </a:ln>
+        </p:spPr>
+        <p:style>
+          <a:lnRef idx="2">
+            <a:schemeClr val="accent1">
+              <a:shade val="15000"/>
+            </a:schemeClr>
+          </a:lnRef>
+          <a:fillRef idx="1">
+            <a:schemeClr val="accent1"/>
+          </a:fillRef>
+          <a:effectRef idx="0">
+            <a:schemeClr val="accent1"/>
+          </a:effectRef>
+          <a:fontRef idx="minor">
+            <a:schemeClr val="lt1"/>
+          </a:fontRef>
+        </p:style>
+        <p:txBody>
+          <a:bodyPr rtlCol="0" anchor="ctr"/>
+          <a:lstStyle/>
+          <a:p>
+            <a:pPr algn="ctr"/>
+            <a:endParaRPr lang="da-DK"/>
+          </a:p>
+        </p:txBody>
+      </p:sp>
+      <p:pic>
+        <p:nvPicPr>
+          <p:cNvPr id="10" name="Billede 9" descr="Et billede, der indeholder tekst, Font/skrifttype, Grafik, logo&#10;&#10;Automatisk genereret beskrivelse">
+            <a:extLst>
+              <a:ext uri="{FF2B5EF4-FFF2-40B4-BE49-F238E27FC236}">
+                <a16:creationId xmlns:a16="http://schemas.microsoft.com/office/drawing/2014/main" id="{F7CEECE9-D736-B387-B8AE-1C1E69832D84}"/>
+              </a:ext>
+            </a:extLst>
+          </p:cNvPr>
+          <p:cNvPicPr>
+            <a:picLocks noChangeAspect="1"/>
+          </p:cNvPicPr>
+          <p:nvPr/>
+        </p:nvPicPr>
+        <p:blipFill>
+          <a:blip r:embed="rId2">
+            <a:extLst>
+              <a:ext uri="{28A0092B-C50C-407E-A947-70E740481C1C}">
+                <a14:useLocalDpi xmlns:a14="http://schemas.microsoft.com/office/drawing/2010/main" val="0"/>
+              </a:ext>
+            </a:extLst>
+          </a:blip>
+          <a:stretch>
+            <a:fillRect/>
+          </a:stretch>
+        </p:blipFill>
+        <p:spPr>
+          <a:xfrm>
+            <a:off x="412462" y="153162"/>
+            <a:ext cx="1554480" cy="874395"/>
+          </a:xfrm>
+          <a:prstGeom prst="rect">
+            <a:avLst/>
+          </a:prstGeom>
+        </p:spPr>
+      </p:pic>
+      <p:sp>
+        <p:nvSpPr>
+          <p:cNvPr id="7" name="Tekstfelt 6">
+            <a:extLst>
+              <a:ext uri="{FF2B5EF4-FFF2-40B4-BE49-F238E27FC236}">
+                <a16:creationId xmlns:a16="http://schemas.microsoft.com/office/drawing/2014/main" id="{56473B69-1AE1-CF54-B73F-5AD3FAAFA676}"/>
+              </a:ext>
+            </a:extLst>
+          </p:cNvPr>
+          <p:cNvSpPr txBox="1"/>
+          <p:nvPr/>
+        </p:nvSpPr>
+        <p:spPr>
+          <a:xfrm>
+            <a:off x="9330813" y="415102"/>
+            <a:ext cx="2448725" cy="461665"/>
+          </a:xfrm>
+          <a:prstGeom prst="rect">
+            <a:avLst/>
+          </a:prstGeom>
+          <a:noFill/>
+        </p:spPr>
+        <p:txBody>
+          <a:bodyPr wrap="square" rtlCol="0">
+            <a:spAutoFit/>
+          </a:bodyPr>
+          <a:lstStyle/>
+          <a:p>
+            <a:pPr algn="r"/>
+            <a:r>
+              <a:rPr lang="da-DK" sz="2400" b="1" dirty="0">
+                <a:solidFill>
+                  <a:schemeClr val="bg1"/>
+                </a:solidFill>
+                <a:latin typeface="Arial" panose="020B0604020202020204" pitchFamily="34" charset="0"/>
+                <a:cs typeface="Arial" panose="020B0604020202020204" pitchFamily="34" charset="0"/>
+              </a:rPr>
+              <a:t>Styleguide</a:t>
+            </a:r>
+          </a:p>
+        </p:txBody>
+      </p:sp>
+      <p:sp>
+        <p:nvSpPr>
+          <p:cNvPr id="3" name="Tekstfelt 2">
+            <a:extLst>
+              <a:ext uri="{FF2B5EF4-FFF2-40B4-BE49-F238E27FC236}">
+                <a16:creationId xmlns:a16="http://schemas.microsoft.com/office/drawing/2014/main" id="{CD844449-2E91-B18A-C28C-5F321A08FB0C}"/>
+              </a:ext>
+            </a:extLst>
+          </p:cNvPr>
+          <p:cNvSpPr txBox="1"/>
+          <p:nvPr/>
+        </p:nvSpPr>
+        <p:spPr>
+          <a:xfrm>
+            <a:off x="12074019" y="414678"/>
+            <a:ext cx="2448725" cy="461665"/>
+          </a:xfrm>
+          <a:prstGeom prst="rect">
+            <a:avLst/>
+          </a:prstGeom>
+          <a:noFill/>
+        </p:spPr>
+        <p:txBody>
+          <a:bodyPr wrap="square" rtlCol="0">
+            <a:spAutoFit/>
+          </a:bodyPr>
+          <a:lstStyle/>
+          <a:p>
+            <a:pPr algn="r"/>
+            <a:r>
+              <a:rPr lang="da-DK" sz="2400" b="1" dirty="0">
+                <a:solidFill>
+                  <a:schemeClr val="bg1"/>
+                </a:solidFill>
+                <a:latin typeface="Arial" panose="020B0604020202020204" pitchFamily="34" charset="0"/>
+                <a:cs typeface="Arial" panose="020B0604020202020204" pitchFamily="34" charset="0"/>
+              </a:rPr>
+              <a:t>Wireframes </a:t>
+            </a:r>
+          </a:p>
+        </p:txBody>
+      </p:sp>
+      <p:sp>
+        <p:nvSpPr>
+          <p:cNvPr id="8" name="Titel 7">
+            <a:extLst>
+              <a:ext uri="{FF2B5EF4-FFF2-40B4-BE49-F238E27FC236}">
+                <a16:creationId xmlns:a16="http://schemas.microsoft.com/office/drawing/2014/main" id="{3F8B6F2D-6194-2865-B34C-4D9C53681C34}"/>
+              </a:ext>
+            </a:extLst>
+          </p:cNvPr>
+          <p:cNvSpPr>
+            <a:spLocks noGrp="1"/>
+          </p:cNvSpPr>
+          <p:nvPr>
+            <p:ph type="ctrTitle"/>
+          </p:nvPr>
+        </p:nvSpPr>
+        <p:spPr/>
+        <p:txBody>
+          <a:bodyPr/>
+          <a:lstStyle/>
+          <a:p>
+            <a:endParaRPr lang="da-DK"/>
+          </a:p>
+        </p:txBody>
+      </p:sp>
+      <p:sp>
+        <p:nvSpPr>
+          <p:cNvPr id="11" name="Undertitel 10">
+            <a:extLst>
+              <a:ext uri="{FF2B5EF4-FFF2-40B4-BE49-F238E27FC236}">
+                <a16:creationId xmlns:a16="http://schemas.microsoft.com/office/drawing/2014/main" id="{D326BA76-EE7A-E9AE-CEA8-AD7C64AD3894}"/>
+              </a:ext>
+            </a:extLst>
+          </p:cNvPr>
+          <p:cNvSpPr>
+            <a:spLocks noGrp="1"/>
+          </p:cNvSpPr>
+          <p:nvPr>
+            <p:ph type="subTitle" idx="1"/>
+          </p:nvPr>
+        </p:nvSpPr>
+        <p:spPr/>
+        <p:txBody>
+          <a:bodyPr/>
+          <a:lstStyle/>
+          <a:p>
+            <a:endParaRPr lang="da-DK"/>
+          </a:p>
+        </p:txBody>
+      </p:sp>
+    </p:spTree>
+    <p:extLst>
+      <p:ext uri="{BB962C8B-B14F-4D97-AF65-F5344CB8AC3E}">
+        <p14:creationId xmlns:p14="http://schemas.microsoft.com/office/powerpoint/2010/main" val="125418784"/>
+      </p:ext>
+    </p:extLst>
+  </p:cSld>
+  <p:clrMapOvr>
+    <a:masterClrMapping/>
+  </p:clrMapOvr>
+  <mc:AlternateContent xmlns:mc="http://schemas.openxmlformats.org/markup-compatibility/2006" xmlns:p159="http://schemas.microsoft.com/office/powerpoint/2015/09/main">
+    <mc:Choice Requires="p159">
+      <p:transition spd="slow">
+        <p159:morph option="byObject"/>
+      </p:transition>
+    </mc:Choice>
+    <mc:Fallback xmlns="">
       <p:transition spd="slow">
         <p:fade/>
       </p:transition>

--- a/Fremlæggelse/Gruppe 4.pptx
+++ b/Fremlæggelse/Gruppe 4.pptx
@@ -9,14 +9,15 @@
     <p:sldId id="265" r:id="rId3"/>
     <p:sldId id="266" r:id="rId4"/>
     <p:sldId id="267" r:id="rId5"/>
-    <p:sldId id="268" r:id="rId6"/>
-    <p:sldId id="258" r:id="rId7"/>
-    <p:sldId id="259" r:id="rId8"/>
-    <p:sldId id="260" r:id="rId9"/>
-    <p:sldId id="261" r:id="rId10"/>
-    <p:sldId id="262" r:id="rId11"/>
-    <p:sldId id="263" r:id="rId12"/>
-    <p:sldId id="264" r:id="rId13"/>
+    <p:sldId id="269" r:id="rId6"/>
+    <p:sldId id="268" r:id="rId7"/>
+    <p:sldId id="258" r:id="rId8"/>
+    <p:sldId id="259" r:id="rId9"/>
+    <p:sldId id="260" r:id="rId10"/>
+    <p:sldId id="261" r:id="rId11"/>
+    <p:sldId id="262" r:id="rId12"/>
+    <p:sldId id="263" r:id="rId13"/>
+    <p:sldId id="264" r:id="rId14"/>
   </p:sldIdLst>
   <p:sldSz cx="12192000" cy="6858000"/>
   <p:notesSz cx="6858000" cy="9144000"/>
@@ -5187,7 +5188,7 @@
                 <a:latin typeface="Arial" panose="020B0604020202020204" pitchFamily="34" charset="0"/>
                 <a:cs typeface="Arial" panose="020B0604020202020204" pitchFamily="34" charset="0"/>
               </a:rPr>
-              <a:t>Wireframes</a:t>
+              <a:t>Styleguide</a:t>
             </a:r>
           </a:p>
         </p:txBody>
@@ -5206,8 +5207,8 @@
         </p:nvSpPr>
         <p:spPr>
           <a:xfrm>
-            <a:off x="12074018" y="414678"/>
-            <a:ext cx="3313465" cy="461665"/>
+            <a:off x="12074019" y="414678"/>
+            <a:ext cx="2448725" cy="461665"/>
           </a:xfrm>
           <a:prstGeom prst="rect">
             <a:avLst/>
@@ -5229,17 +5230,42 @@
                 <a:latin typeface="Arial" panose="020B0604020202020204" pitchFamily="34" charset="0"/>
                 <a:cs typeface="Arial" panose="020B0604020202020204" pitchFamily="34" charset="0"/>
               </a:rPr>
-              <a:t>SEO &amp; miljøvenlige </a:t>
-            </a:r>
-          </a:p>
-        </p:txBody>
-      </p:sp>
-      <p:sp>
-        <p:nvSpPr>
-          <p:cNvPr id="8" name="Undertitel 7">
-            <a:extLst>
-              <a:ext uri="{FF2B5EF4-FFF2-40B4-BE49-F238E27FC236}">
-                <a16:creationId xmlns:a16="http://schemas.microsoft.com/office/drawing/2014/main" id="{6B741C5C-834D-3BC1-EBE6-0932FF6EF5AB}"/>
+              <a:t>Wireframes </a:t>
+            </a:r>
+          </a:p>
+        </p:txBody>
+      </p:sp>
+      <p:sp>
+        <p:nvSpPr>
+          <p:cNvPr id="8" name="Titel 7">
+            <a:extLst>
+              <a:ext uri="{FF2B5EF4-FFF2-40B4-BE49-F238E27FC236}">
+                <a16:creationId xmlns:a16="http://schemas.microsoft.com/office/drawing/2014/main" id="{3F8B6F2D-6194-2865-B34C-4D9C53681C34}"/>
+              </a:ext>
+            </a:extLst>
+          </p:cNvPr>
+          <p:cNvSpPr>
+            <a:spLocks noGrp="1"/>
+          </p:cNvSpPr>
+          <p:nvPr>
+            <p:ph type="ctrTitle"/>
+          </p:nvPr>
+        </p:nvSpPr>
+        <p:spPr/>
+        <p:txBody>
+          <a:bodyPr/>
+          <a:lstStyle/>
+          <a:p>
+            <a:endParaRPr lang="da-DK"/>
+          </a:p>
+        </p:txBody>
+      </p:sp>
+      <p:sp>
+        <p:nvSpPr>
+          <p:cNvPr id="11" name="Undertitel 10">
+            <a:extLst>
+              <a:ext uri="{FF2B5EF4-FFF2-40B4-BE49-F238E27FC236}">
+                <a16:creationId xmlns:a16="http://schemas.microsoft.com/office/drawing/2014/main" id="{D326BA76-EE7A-E9AE-CEA8-AD7C64AD3894}"/>
               </a:ext>
             </a:extLst>
           </p:cNvPr>
@@ -5259,35 +5285,10 @@
           </a:p>
         </p:txBody>
       </p:sp>
-      <p:sp>
-        <p:nvSpPr>
-          <p:cNvPr id="11" name="Titel 10">
-            <a:extLst>
-              <a:ext uri="{FF2B5EF4-FFF2-40B4-BE49-F238E27FC236}">
-                <a16:creationId xmlns:a16="http://schemas.microsoft.com/office/drawing/2014/main" id="{75AB6B0D-4A6D-50DE-F92A-255F0B1E8F0D}"/>
-              </a:ext>
-            </a:extLst>
-          </p:cNvPr>
-          <p:cNvSpPr>
-            <a:spLocks noGrp="1"/>
-          </p:cNvSpPr>
-          <p:nvPr>
-            <p:ph type="ctrTitle"/>
-          </p:nvPr>
-        </p:nvSpPr>
-        <p:spPr/>
-        <p:txBody>
-          <a:bodyPr/>
-          <a:lstStyle/>
-          <a:p>
-            <a:endParaRPr lang="da-DK"/>
-          </a:p>
-        </p:txBody>
-      </p:sp>
     </p:spTree>
     <p:extLst>
       <p:ext uri="{BB962C8B-B14F-4D97-AF65-F5344CB8AC3E}">
-        <p14:creationId xmlns:p14="http://schemas.microsoft.com/office/powerpoint/2010/main" val="860063320"/>
+        <p14:creationId xmlns:p14="http://schemas.microsoft.com/office/powerpoint/2010/main" val="125418784"/>
       </p:ext>
     </p:extLst>
   </p:cSld>
@@ -5541,6 +5542,383 @@
         </p:nvSpPr>
         <p:spPr>
           <a:xfrm>
+            <a:off x="9330813" y="415102"/>
+            <a:ext cx="2448725" cy="461665"/>
+          </a:xfrm>
+          <a:prstGeom prst="rect">
+            <a:avLst/>
+          </a:prstGeom>
+          <a:noFill/>
+        </p:spPr>
+        <p:txBody>
+          <a:bodyPr wrap="square" rtlCol="0">
+            <a:spAutoFit/>
+          </a:bodyPr>
+          <a:lstStyle/>
+          <a:p>
+            <a:pPr algn="r"/>
+            <a:r>
+              <a:rPr lang="da-DK" sz="2400" b="1" dirty="0">
+                <a:solidFill>
+                  <a:schemeClr val="bg1"/>
+                </a:solidFill>
+                <a:latin typeface="Arial" panose="020B0604020202020204" pitchFamily="34" charset="0"/>
+                <a:cs typeface="Arial" panose="020B0604020202020204" pitchFamily="34" charset="0"/>
+              </a:rPr>
+              <a:t>Wireframes</a:t>
+            </a:r>
+          </a:p>
+        </p:txBody>
+      </p:sp>
+      <p:sp>
+        <p:nvSpPr>
+          <p:cNvPr id="3" name="Tekstfelt 2">
+            <a:extLst>
+              <a:ext uri="{FF2B5EF4-FFF2-40B4-BE49-F238E27FC236}">
+                <a16:creationId xmlns:a16="http://schemas.microsoft.com/office/drawing/2014/main" id="{CD844449-2E91-B18A-C28C-5F321A08FB0C}"/>
+              </a:ext>
+            </a:extLst>
+          </p:cNvPr>
+          <p:cNvSpPr txBox="1"/>
+          <p:nvPr/>
+        </p:nvSpPr>
+        <p:spPr>
+          <a:xfrm>
+            <a:off x="12074018" y="414678"/>
+            <a:ext cx="3313465" cy="461665"/>
+          </a:xfrm>
+          <a:prstGeom prst="rect">
+            <a:avLst/>
+          </a:prstGeom>
+          <a:noFill/>
+        </p:spPr>
+        <p:txBody>
+          <a:bodyPr wrap="square" rtlCol="0">
+            <a:spAutoFit/>
+          </a:bodyPr>
+          <a:lstStyle/>
+          <a:p>
+            <a:pPr algn="r"/>
+            <a:r>
+              <a:rPr lang="da-DK" sz="2400" b="1" dirty="0">
+                <a:solidFill>
+                  <a:schemeClr val="bg1"/>
+                </a:solidFill>
+                <a:latin typeface="Arial" panose="020B0604020202020204" pitchFamily="34" charset="0"/>
+                <a:cs typeface="Arial" panose="020B0604020202020204" pitchFamily="34" charset="0"/>
+              </a:rPr>
+              <a:t>SEO &amp; miljøvenlige </a:t>
+            </a:r>
+          </a:p>
+        </p:txBody>
+      </p:sp>
+      <p:sp>
+        <p:nvSpPr>
+          <p:cNvPr id="8" name="Undertitel 7">
+            <a:extLst>
+              <a:ext uri="{FF2B5EF4-FFF2-40B4-BE49-F238E27FC236}">
+                <a16:creationId xmlns:a16="http://schemas.microsoft.com/office/drawing/2014/main" id="{6B741C5C-834D-3BC1-EBE6-0932FF6EF5AB}"/>
+              </a:ext>
+            </a:extLst>
+          </p:cNvPr>
+          <p:cNvSpPr>
+            <a:spLocks noGrp="1"/>
+          </p:cNvSpPr>
+          <p:nvPr>
+            <p:ph type="subTitle" idx="1"/>
+          </p:nvPr>
+        </p:nvSpPr>
+        <p:spPr/>
+        <p:txBody>
+          <a:bodyPr/>
+          <a:lstStyle/>
+          <a:p>
+            <a:endParaRPr lang="da-DK"/>
+          </a:p>
+        </p:txBody>
+      </p:sp>
+      <p:sp>
+        <p:nvSpPr>
+          <p:cNvPr id="11" name="Titel 10">
+            <a:extLst>
+              <a:ext uri="{FF2B5EF4-FFF2-40B4-BE49-F238E27FC236}">
+                <a16:creationId xmlns:a16="http://schemas.microsoft.com/office/drawing/2014/main" id="{75AB6B0D-4A6D-50DE-F92A-255F0B1E8F0D}"/>
+              </a:ext>
+            </a:extLst>
+          </p:cNvPr>
+          <p:cNvSpPr>
+            <a:spLocks noGrp="1"/>
+          </p:cNvSpPr>
+          <p:nvPr>
+            <p:ph type="ctrTitle"/>
+          </p:nvPr>
+        </p:nvSpPr>
+        <p:spPr/>
+        <p:txBody>
+          <a:bodyPr/>
+          <a:lstStyle/>
+          <a:p>
+            <a:endParaRPr lang="da-DK"/>
+          </a:p>
+        </p:txBody>
+      </p:sp>
+    </p:spTree>
+    <p:extLst>
+      <p:ext uri="{BB962C8B-B14F-4D97-AF65-F5344CB8AC3E}">
+        <p14:creationId xmlns:p14="http://schemas.microsoft.com/office/powerpoint/2010/main" val="860063320"/>
+      </p:ext>
+    </p:extLst>
+  </p:cSld>
+  <p:clrMapOvr>
+    <a:masterClrMapping/>
+  </p:clrMapOvr>
+  <mc:AlternateContent xmlns:mc="http://schemas.openxmlformats.org/markup-compatibility/2006" xmlns:p159="http://schemas.microsoft.com/office/powerpoint/2015/09/main">
+    <mc:Choice Requires="p159">
+      <p:transition spd="slow">
+        <p159:morph option="byObject"/>
+      </p:transition>
+    </mc:Choice>
+    <mc:Fallback xmlns="">
+      <p:transition spd="slow">
+        <p:fade/>
+      </p:transition>
+    </mc:Fallback>
+  </mc:AlternateContent>
+</p:sld>
+</file>
+
+<file path=ppt/slides/slide12.xml><?xml version="1.0" encoding="utf-8"?>
+<p:sld xmlns:a="http://schemas.openxmlformats.org/drawingml/2006/main" xmlns:r="http://schemas.openxmlformats.org/officeDocument/2006/relationships" xmlns:p="http://schemas.openxmlformats.org/presentationml/2006/main">
+  <p:cSld>
+    <p:spTree>
+      <p:nvGrpSpPr>
+        <p:cNvPr id="1" name=""/>
+        <p:cNvGrpSpPr/>
+        <p:nvPr/>
+      </p:nvGrpSpPr>
+      <p:grpSpPr>
+        <a:xfrm>
+          <a:off x="0" y="0"/>
+          <a:ext cx="0" cy="0"/>
+          <a:chOff x="0" y="0"/>
+          <a:chExt cx="0" cy="0"/>
+        </a:xfrm>
+      </p:grpSpPr>
+      <p:sp>
+        <p:nvSpPr>
+          <p:cNvPr id="4" name="Rektangel 3">
+            <a:extLst>
+              <a:ext uri="{FF2B5EF4-FFF2-40B4-BE49-F238E27FC236}">
+                <a16:creationId xmlns:a16="http://schemas.microsoft.com/office/drawing/2014/main" id="{15614B7A-38D6-DAB1-14B3-9E39F0F268AD}"/>
+              </a:ext>
+            </a:extLst>
+          </p:cNvPr>
+          <p:cNvSpPr/>
+          <p:nvPr/>
+        </p:nvSpPr>
+        <p:spPr>
+          <a:xfrm>
+            <a:off x="1" y="0"/>
+            <a:ext cx="12192000" cy="1199536"/>
+          </a:xfrm>
+          <a:prstGeom prst="rect">
+            <a:avLst/>
+          </a:prstGeom>
+          <a:solidFill>
+            <a:srgbClr val="53806A"/>
+          </a:solidFill>
+          <a:ln>
+            <a:noFill/>
+          </a:ln>
+        </p:spPr>
+        <p:style>
+          <a:lnRef idx="2">
+            <a:schemeClr val="accent1">
+              <a:shade val="15000"/>
+            </a:schemeClr>
+          </a:lnRef>
+          <a:fillRef idx="1">
+            <a:schemeClr val="accent1"/>
+          </a:fillRef>
+          <a:effectRef idx="0">
+            <a:schemeClr val="accent1"/>
+          </a:effectRef>
+          <a:fontRef idx="minor">
+            <a:schemeClr val="lt1"/>
+          </a:fontRef>
+        </p:style>
+        <p:txBody>
+          <a:bodyPr rtlCol="0" anchor="ctr"/>
+          <a:lstStyle/>
+          <a:p>
+            <a:pPr algn="ctr"/>
+            <a:endParaRPr lang="da-DK"/>
+          </a:p>
+        </p:txBody>
+      </p:sp>
+      <p:sp>
+        <p:nvSpPr>
+          <p:cNvPr id="5" name="Rektangel 4">
+            <a:extLst>
+              <a:ext uri="{FF2B5EF4-FFF2-40B4-BE49-F238E27FC236}">
+                <a16:creationId xmlns:a16="http://schemas.microsoft.com/office/drawing/2014/main" id="{622AF568-0B1A-E2F3-FBCD-91371B1B05CC}"/>
+              </a:ext>
+            </a:extLst>
+          </p:cNvPr>
+          <p:cNvSpPr/>
+          <p:nvPr/>
+        </p:nvSpPr>
+        <p:spPr>
+          <a:xfrm>
+            <a:off x="0" y="1199536"/>
+            <a:ext cx="12192000" cy="153162"/>
+          </a:xfrm>
+          <a:prstGeom prst="rect">
+            <a:avLst/>
+          </a:prstGeom>
+          <a:solidFill>
+            <a:srgbClr val="3C5D4D"/>
+          </a:solidFill>
+          <a:ln>
+            <a:noFill/>
+          </a:ln>
+        </p:spPr>
+        <p:style>
+          <a:lnRef idx="2">
+            <a:schemeClr val="accent1">
+              <a:shade val="15000"/>
+            </a:schemeClr>
+          </a:lnRef>
+          <a:fillRef idx="1">
+            <a:schemeClr val="accent1"/>
+          </a:fillRef>
+          <a:effectRef idx="0">
+            <a:schemeClr val="accent1"/>
+          </a:effectRef>
+          <a:fontRef idx="minor">
+            <a:schemeClr val="lt1"/>
+          </a:fontRef>
+        </p:style>
+        <p:txBody>
+          <a:bodyPr rtlCol="0" anchor="ctr"/>
+          <a:lstStyle/>
+          <a:p>
+            <a:pPr algn="ctr"/>
+            <a:endParaRPr lang="da-DK"/>
+          </a:p>
+        </p:txBody>
+      </p:sp>
+      <p:sp>
+        <p:nvSpPr>
+          <p:cNvPr id="6" name="Rektangel 5">
+            <a:extLst>
+              <a:ext uri="{FF2B5EF4-FFF2-40B4-BE49-F238E27FC236}">
+                <a16:creationId xmlns:a16="http://schemas.microsoft.com/office/drawing/2014/main" id="{B693ECBA-3E2C-49F0-DCE8-AF71440713A9}"/>
+              </a:ext>
+            </a:extLst>
+          </p:cNvPr>
+          <p:cNvSpPr/>
+          <p:nvPr/>
+        </p:nvSpPr>
+        <p:spPr>
+          <a:xfrm>
+            <a:off x="-1" y="1199535"/>
+            <a:ext cx="285136" cy="171979"/>
+          </a:xfrm>
+          <a:prstGeom prst="rect">
+            <a:avLst/>
+          </a:prstGeom>
+          <a:gradFill flip="none" rotWithShape="1">
+            <a:gsLst>
+              <a:gs pos="0">
+                <a:srgbClr val="A1D3FF"/>
+              </a:gs>
+              <a:gs pos="100000">
+                <a:srgbClr val="A6FFD4"/>
+              </a:gs>
+            </a:gsLst>
+            <a:lin ang="0" scaled="1"/>
+            <a:tileRect/>
+          </a:gradFill>
+          <a:ln>
+            <a:noFill/>
+          </a:ln>
+        </p:spPr>
+        <p:style>
+          <a:lnRef idx="2">
+            <a:schemeClr val="accent1">
+              <a:shade val="15000"/>
+            </a:schemeClr>
+          </a:lnRef>
+          <a:fillRef idx="1">
+            <a:schemeClr val="accent1"/>
+          </a:fillRef>
+          <a:effectRef idx="0">
+            <a:schemeClr val="accent1"/>
+          </a:effectRef>
+          <a:fontRef idx="minor">
+            <a:schemeClr val="lt1"/>
+          </a:fontRef>
+        </p:style>
+        <p:txBody>
+          <a:bodyPr rtlCol="0" anchor="ctr"/>
+          <a:lstStyle/>
+          <a:p>
+            <a:pPr algn="ctr"/>
+            <a:endParaRPr lang="da-DK"/>
+          </a:p>
+        </p:txBody>
+      </p:sp>
+      <p:pic>
+        <p:nvPicPr>
+          <p:cNvPr id="10" name="Billede 9" descr="Et billede, der indeholder tekst, Font/skrifttype, Grafik, logo&#10;&#10;Automatisk genereret beskrivelse">
+            <a:extLst>
+              <a:ext uri="{FF2B5EF4-FFF2-40B4-BE49-F238E27FC236}">
+                <a16:creationId xmlns:a16="http://schemas.microsoft.com/office/drawing/2014/main" id="{F7CEECE9-D736-B387-B8AE-1C1E69832D84}"/>
+              </a:ext>
+            </a:extLst>
+          </p:cNvPr>
+          <p:cNvPicPr>
+            <a:picLocks noChangeAspect="1"/>
+          </p:cNvPicPr>
+          <p:nvPr/>
+        </p:nvPicPr>
+        <p:blipFill>
+          <a:blip r:embed="rId2">
+            <a:extLst>
+              <a:ext uri="{28A0092B-C50C-407E-A947-70E740481C1C}">
+                <a14:useLocalDpi xmlns:a14="http://schemas.microsoft.com/office/drawing/2010/main" val="0"/>
+              </a:ext>
+            </a:extLst>
+          </a:blip>
+          <a:stretch>
+            <a:fillRect/>
+          </a:stretch>
+        </p:blipFill>
+        <p:spPr>
+          <a:xfrm>
+            <a:off x="412462" y="153162"/>
+            <a:ext cx="1554480" cy="874395"/>
+          </a:xfrm>
+          <a:prstGeom prst="rect">
+            <a:avLst/>
+          </a:prstGeom>
+        </p:spPr>
+      </p:pic>
+      <p:sp>
+        <p:nvSpPr>
+          <p:cNvPr id="7" name="Tekstfelt 6">
+            <a:extLst>
+              <a:ext uri="{FF2B5EF4-FFF2-40B4-BE49-F238E27FC236}">
+                <a16:creationId xmlns:a16="http://schemas.microsoft.com/office/drawing/2014/main" id="{56473B69-1AE1-CF54-B73F-5AD3FAAFA676}"/>
+              </a:ext>
+            </a:extLst>
+          </p:cNvPr>
+          <p:cNvSpPr txBox="1"/>
+          <p:nvPr/>
+        </p:nvSpPr>
+        <p:spPr>
+          <a:xfrm>
             <a:off x="8603227" y="415102"/>
             <a:ext cx="3176312" cy="830997"/>
           </a:xfrm>
@@ -5696,7 +6074,7 @@
 </p:sld>
 </file>
 
-<file path=ppt/slides/slide12.xml><?xml version="1.0" encoding="utf-8"?>
+<file path=ppt/slides/slide13.xml><?xml version="1.0" encoding="utf-8"?>
 <p:sld xmlns:a="http://schemas.openxmlformats.org/drawingml/2006/main" xmlns:r="http://schemas.openxmlformats.org/officeDocument/2006/relationships" xmlns:p="http://schemas.openxmlformats.org/presentationml/2006/main">
   <p:cSld>
     <p:spTree>
@@ -7729,6 +8107,36 @@
           </a:p>
         </p:txBody>
       </p:sp>
+      <p:pic>
+        <p:nvPicPr>
+          <p:cNvPr id="8" name="Billede 7">
+            <a:extLst>
+              <a:ext uri="{FF2B5EF4-FFF2-40B4-BE49-F238E27FC236}">
+                <a16:creationId xmlns:a16="http://schemas.microsoft.com/office/drawing/2014/main" id="{76AFF806-2188-1CB2-A17D-131ED7B70EDE}"/>
+              </a:ext>
+            </a:extLst>
+          </p:cNvPr>
+          <p:cNvPicPr>
+            <a:picLocks noChangeAspect="1"/>
+          </p:cNvPicPr>
+          <p:nvPr/>
+        </p:nvPicPr>
+        <p:blipFill>
+          <a:blip r:embed="rId7"/>
+          <a:stretch>
+            <a:fillRect/>
+          </a:stretch>
+        </p:blipFill>
+        <p:spPr>
+          <a:xfrm>
+            <a:off x="4586121" y="7926245"/>
+            <a:ext cx="1804847" cy="1072186"/>
+          </a:xfrm>
+          <a:prstGeom prst="rect">
+            <a:avLst/>
+          </a:prstGeom>
+        </p:spPr>
+      </p:pic>
     </p:spTree>
     <p:extLst>
       <p:ext uri="{BB962C8B-B14F-4D97-AF65-F5344CB8AC3E}">
@@ -8778,51 +9186,6 @@
           </a:prstGeom>
         </p:spPr>
       </p:pic>
-      <p:pic>
-        <p:nvPicPr>
-          <p:cNvPr id="1026" name="Picture 2" descr="Ingen tilgængelig beskrivelse.">
-            <a:extLst>
-              <a:ext uri="{FF2B5EF4-FFF2-40B4-BE49-F238E27FC236}">
-                <a16:creationId xmlns:a16="http://schemas.microsoft.com/office/drawing/2014/main" id="{BE871E1E-F66A-C434-21FD-E2B96480407F}"/>
-              </a:ext>
-            </a:extLst>
-          </p:cNvPr>
-          <p:cNvPicPr>
-            <a:picLocks noChangeAspect="1" noChangeArrowheads="1"/>
-          </p:cNvPicPr>
-          <p:nvPr/>
-        </p:nvPicPr>
-        <p:blipFill rotWithShape="1">
-          <a:blip r:embed="rId4">
-            <a:extLst>
-              <a:ext uri="{28A0092B-C50C-407E-A947-70E740481C1C}">
-                <a14:useLocalDpi xmlns:a14="http://schemas.microsoft.com/office/drawing/2010/main" val="0"/>
-              </a:ext>
-            </a:extLst>
-          </a:blip>
-          <a:srcRect l="22152" t="68825" r="73215" b="15086"/>
-          <a:stretch/>
-        </p:blipFill>
-        <p:spPr bwMode="auto">
-          <a:xfrm>
-            <a:off x="5760720" y="3051914"/>
-            <a:ext cx="1259840" cy="2078886"/>
-          </a:xfrm>
-          <a:prstGeom prst="rect">
-            <a:avLst/>
-          </a:prstGeom>
-          <a:noFill/>
-          <a:extLst>
-            <a:ext uri="{909E8E84-426E-40DD-AFC4-6F175D3DCCD1}">
-              <a14:hiddenFill xmlns:a14="http://schemas.microsoft.com/office/drawing/2010/main">
-                <a:solidFill>
-                  <a:srgbClr val="FFFFFF"/>
-                </a:solidFill>
-              </a14:hiddenFill>
-            </a:ext>
-          </a:extLst>
-        </p:spPr>
-      </p:pic>
       <p:sp>
         <p:nvSpPr>
           <p:cNvPr id="4" name="Rektangel 3">
@@ -9003,7 +9366,7 @@
           <p:nvPr/>
         </p:nvPicPr>
         <p:blipFill>
-          <a:blip r:embed="rId5">
+          <a:blip r:embed="rId4">
             <a:extLst>
               <a:ext uri="{28A0092B-C50C-407E-A947-70E740481C1C}">
                 <a14:useLocalDpi xmlns:a14="http://schemas.microsoft.com/office/drawing/2010/main" val="0"/>
@@ -9248,14 +9611,14 @@
   <p:clrMapOvr>
     <a:masterClrMapping/>
   </p:clrMapOvr>
-  <mc:AlternateContent xmlns:mc="http://schemas.openxmlformats.org/markup-compatibility/2006" xmlns:p159="http://schemas.microsoft.com/office/powerpoint/2015/09/main">
-    <mc:Choice Requires="p159">
-      <p:transition spd="slow">
+  <mc:AlternateContent xmlns:mc="http://schemas.openxmlformats.org/markup-compatibility/2006">
+    <mc:Choice xmlns:p159="http://schemas.microsoft.com/office/powerpoint/2015/09/main" Requires="p159">
+      <p:transition spd="slow" advClick="0" advTm="0">
         <p159:morph option="byObject"/>
       </p:transition>
     </mc:Choice>
-    <mc:Fallback xmlns="">
-      <p:transition spd="slow">
+    <mc:Fallback>
+      <p:transition spd="slow" advClick="0" advTm="0">
         <p:fade/>
       </p:transition>
     </mc:Fallback>
@@ -9282,10 +9645,39 @@
       </p:grpSpPr>
       <p:pic>
         <p:nvPicPr>
-          <p:cNvPr id="2" name="Billede 1">
-            <a:extLst>
-              <a:ext uri="{FF2B5EF4-FFF2-40B4-BE49-F238E27FC236}">
-                <a16:creationId xmlns:a16="http://schemas.microsoft.com/office/drawing/2014/main" id="{14D0CE99-2E8F-613F-DD29-DE0C3E38B94C}"/>
+          <p:cNvPr id="9" name="Billede 8">
+            <a:extLst>
+              <a:ext uri="{FF2B5EF4-FFF2-40B4-BE49-F238E27FC236}">
+                <a16:creationId xmlns:a16="http://schemas.microsoft.com/office/drawing/2014/main" id="{C75E8BC8-6D19-B8DD-59CB-0003E9688586}"/>
+              </a:ext>
+            </a:extLst>
+          </p:cNvPr>
+          <p:cNvPicPr>
+            <a:picLocks noChangeAspect="1"/>
+          </p:cNvPicPr>
+          <p:nvPr/>
+        </p:nvPicPr>
+        <p:blipFill rotWithShape="1">
+          <a:blip r:embed="rId2"/>
+          <a:srcRect t="-1" b="1"/>
+          <a:stretch/>
+        </p:blipFill>
+        <p:spPr>
+          <a:xfrm>
+            <a:off x="877368" y="2400419"/>
+            <a:ext cx="6233041" cy="3160415"/>
+          </a:xfrm>
+          <a:prstGeom prst="rect">
+            <a:avLst/>
+          </a:prstGeom>
+        </p:spPr>
+      </p:pic>
+      <p:pic>
+        <p:nvPicPr>
+          <p:cNvPr id="11" name="Billede 10">
+            <a:extLst>
+              <a:ext uri="{FF2B5EF4-FFF2-40B4-BE49-F238E27FC236}">
+                <a16:creationId xmlns:a16="http://schemas.microsoft.com/office/drawing/2014/main" id="{BDC13D77-D233-1295-7F63-30D40C5E1491}"/>
               </a:ext>
             </a:extLst>
           </p:cNvPr>
@@ -9295,7 +9687,7 @@
           <p:nvPr/>
         </p:nvPicPr>
         <p:blipFill>
-          <a:blip r:embed="rId2"/>
+          <a:blip r:embed="rId3"/>
           <a:stretch>
             <a:fillRect/>
           </a:stretch>
@@ -9308,6 +9700,51 @@
           <a:prstGeom prst="rect">
             <a:avLst/>
           </a:prstGeom>
+        </p:spPr>
+      </p:pic>
+      <p:pic>
+        <p:nvPicPr>
+          <p:cNvPr id="1026" name="Picture 2" descr="Ingen tilgængelig beskrivelse.">
+            <a:extLst>
+              <a:ext uri="{FF2B5EF4-FFF2-40B4-BE49-F238E27FC236}">
+                <a16:creationId xmlns:a16="http://schemas.microsoft.com/office/drawing/2014/main" id="{BE871E1E-F66A-C434-21FD-E2B96480407F}"/>
+              </a:ext>
+            </a:extLst>
+          </p:cNvPr>
+          <p:cNvPicPr>
+            <a:picLocks noChangeAspect="1" noChangeArrowheads="1"/>
+          </p:cNvPicPr>
+          <p:nvPr/>
+        </p:nvPicPr>
+        <p:blipFill rotWithShape="1">
+          <a:blip r:embed="rId4">
+            <a:extLst>
+              <a:ext uri="{28A0092B-C50C-407E-A947-70E740481C1C}">
+                <a14:useLocalDpi xmlns:a14="http://schemas.microsoft.com/office/drawing/2010/main" val="0"/>
+              </a:ext>
+            </a:extLst>
+          </a:blip>
+          <a:srcRect l="22152" t="68825" r="73215" b="16264"/>
+          <a:stretch/>
+        </p:blipFill>
+        <p:spPr bwMode="auto">
+          <a:xfrm>
+            <a:off x="5775961" y="3097161"/>
+            <a:ext cx="1196340" cy="1832979"/>
+          </a:xfrm>
+          <a:prstGeom prst="rect">
+            <a:avLst/>
+          </a:prstGeom>
+          <a:noFill/>
+          <a:extLst>
+            <a:ext uri="{909E8E84-426E-40DD-AFC4-6F175D3DCCD1}">
+              <a14:hiddenFill xmlns:a14="http://schemas.microsoft.com/office/drawing/2010/main">
+                <a:solidFill>
+                  <a:srgbClr val="FFFFFF"/>
+                </a:solidFill>
+              </a14:hiddenFill>
+            </a:ext>
+          </a:extLst>
         </p:spPr>
       </p:pic>
       <p:sp>
@@ -9490,7 +9927,7 @@
           <p:nvPr/>
         </p:nvPicPr>
         <p:blipFill>
-          <a:blip r:embed="rId3">
+          <a:blip r:embed="rId5">
             <a:extLst>
               <a:ext uri="{28A0092B-C50C-407E-A947-70E740481C1C}">
                 <a14:useLocalDpi xmlns:a14="http://schemas.microsoft.com/office/drawing/2010/main" val="0"/>
@@ -9725,73 +10162,16 @@
           </a:p>
         </p:txBody>
       </p:sp>
-      <p:pic>
-        <p:nvPicPr>
-          <p:cNvPr id="1026" name="Picture 2" descr="Ingen tilgængelig beskrivelse.">
-            <a:extLst>
-              <a:ext uri="{FF2B5EF4-FFF2-40B4-BE49-F238E27FC236}">
-                <a16:creationId xmlns:a16="http://schemas.microsoft.com/office/drawing/2014/main" id="{BE871E1E-F66A-C434-21FD-E2B96480407F}"/>
-              </a:ext>
-            </a:extLst>
-          </p:cNvPr>
-          <p:cNvPicPr>
-            <a:picLocks noChangeAspect="1" noChangeArrowheads="1"/>
-          </p:cNvPicPr>
-          <p:nvPr/>
-        </p:nvPicPr>
-        <p:blipFill rotWithShape="1">
-          <a:blip r:embed="rId4">
-            <a:extLst>
-              <a:ext uri="{28A0092B-C50C-407E-A947-70E740481C1C}">
-                <a14:useLocalDpi xmlns:a14="http://schemas.microsoft.com/office/drawing/2010/main" val="0"/>
-              </a:ext>
-            </a:extLst>
-          </a:blip>
-          <a:srcRect l="99" t="-1257" r="249" b="801"/>
-          <a:stretch/>
-        </p:blipFill>
-        <p:spPr bwMode="auto">
-          <a:xfrm>
-            <a:off x="184136" y="1899547"/>
-            <a:ext cx="7718602" cy="3748365"/>
-          </a:xfrm>
-          <a:prstGeom prst="rect">
-            <a:avLst/>
-          </a:prstGeom>
-          <a:noFill/>
-          <a:extLst>
-            <a:ext uri="{909E8E84-426E-40DD-AFC4-6F175D3DCCD1}">
-              <a14:hiddenFill xmlns:a14="http://schemas.microsoft.com/office/drawing/2010/main">
-                <a:solidFill>
-                  <a:srgbClr val="FFFFFF"/>
-                </a:solidFill>
-              </a14:hiddenFill>
-            </a:ext>
-          </a:extLst>
-        </p:spPr>
-      </p:pic>
     </p:spTree>
     <p:extLst>
       <p:ext uri="{BB962C8B-B14F-4D97-AF65-F5344CB8AC3E}">
-        <p14:creationId xmlns:p14="http://schemas.microsoft.com/office/powerpoint/2010/main" val="1141509015"/>
+        <p14:creationId xmlns:p14="http://schemas.microsoft.com/office/powerpoint/2010/main" val="715195946"/>
       </p:ext>
     </p:extLst>
   </p:cSld>
   <p:clrMapOvr>
     <a:masterClrMapping/>
   </p:clrMapOvr>
-  <mc:AlternateContent xmlns:mc="http://schemas.openxmlformats.org/markup-compatibility/2006" xmlns:p159="http://schemas.microsoft.com/office/powerpoint/2015/09/main">
-    <mc:Choice Requires="p159">
-      <p:transition spd="slow">
-        <p159:morph option="byObject"/>
-      </p:transition>
-    </mc:Choice>
-    <mc:Fallback xmlns="">
-      <p:transition spd="slow">
-        <p:fade/>
-      </p:transition>
-    </mc:Fallback>
-  </mc:AlternateContent>
 </p:sld>
 </file>
 
@@ -9812,6 +10192,36 @@
           <a:chExt cx="0" cy="0"/>
         </a:xfrm>
       </p:grpSpPr>
+      <p:pic>
+        <p:nvPicPr>
+          <p:cNvPr id="2" name="Billede 1">
+            <a:extLst>
+              <a:ext uri="{FF2B5EF4-FFF2-40B4-BE49-F238E27FC236}">
+                <a16:creationId xmlns:a16="http://schemas.microsoft.com/office/drawing/2014/main" id="{14D0CE99-2E8F-613F-DD29-DE0C3E38B94C}"/>
+              </a:ext>
+            </a:extLst>
+          </p:cNvPr>
+          <p:cNvPicPr>
+            <a:picLocks noChangeAspect="1"/>
+          </p:cNvPicPr>
+          <p:nvPr/>
+        </p:nvPicPr>
+        <p:blipFill>
+          <a:blip r:embed="rId2"/>
+          <a:stretch>
+            <a:fillRect/>
+          </a:stretch>
+        </p:blipFill>
+        <p:spPr>
+          <a:xfrm>
+            <a:off x="877368" y="1949773"/>
+            <a:ext cx="6225203" cy="3698139"/>
+          </a:xfrm>
+          <a:prstGeom prst="rect">
+            <a:avLst/>
+          </a:prstGeom>
+        </p:spPr>
+      </p:pic>
       <p:sp>
         <p:nvSpPr>
           <p:cNvPr id="4" name="Rektangel 3">
@@ -9992,7 +10402,7 @@
           <p:nvPr/>
         </p:nvPicPr>
         <p:blipFill>
-          <a:blip r:embed="rId2">
+          <a:blip r:embed="rId3">
             <a:extLst>
               <a:ext uri="{28A0092B-C50C-407E-A947-70E740481C1C}">
                 <a14:useLocalDpi xmlns:a14="http://schemas.microsoft.com/office/drawing/2010/main" val="0"/>
@@ -10028,6 +10438,77 @@
         <p:spPr>
           <a:xfrm>
             <a:off x="9330813" y="415102"/>
+            <a:ext cx="2448725" cy="461665"/>
+          </a:xfrm>
+          <a:prstGeom prst="rect">
+            <a:avLst/>
+          </a:prstGeom>
+          <a:noFill/>
+        </p:spPr>
+        <p:txBody>
+          <a:bodyPr wrap="square" rtlCol="0">
+            <a:spAutoFit/>
+          </a:bodyPr>
+          <a:lstStyle/>
+          <a:p>
+            <a:pPr algn="r"/>
+            <a:r>
+              <a:rPr lang="da-DK" sz="2400" b="1" dirty="0">
+                <a:solidFill>
+                  <a:schemeClr val="bg1"/>
+                </a:solidFill>
+                <a:latin typeface="Arial" panose="020B0604020202020204" pitchFamily="34" charset="0"/>
+                <a:cs typeface="Arial" panose="020B0604020202020204" pitchFamily="34" charset="0"/>
+              </a:rPr>
+              <a:t>P</a:t>
+            </a:r>
+            <a:r>
+              <a:rPr lang="da-DK" sz="2400" b="1" i="0" u="none" strike="noStrike" dirty="0">
+                <a:solidFill>
+                  <a:schemeClr val="bg1"/>
+                </a:solidFill>
+                <a:effectLst/>
+                <a:latin typeface="Arial" panose="020B0604020202020204" pitchFamily="34" charset="0"/>
+                <a:cs typeface="Arial" panose="020B0604020202020204" pitchFamily="34" charset="0"/>
+              </a:rPr>
+              <a:t>rioriteringer</a:t>
+            </a:r>
+            <a:r>
+              <a:rPr lang="da-DK" sz="2400" i="0" u="none" strike="noStrike" dirty="0">
+                <a:solidFill>
+                  <a:schemeClr val="bg1"/>
+                </a:solidFill>
+                <a:effectLst/>
+                <a:latin typeface="Arial" panose="020B0604020202020204" pitchFamily="34" charset="0"/>
+                <a:cs typeface="Arial" panose="020B0604020202020204" pitchFamily="34" charset="0"/>
+              </a:rPr>
+              <a:t> </a:t>
+            </a:r>
+            <a:endParaRPr lang="da-DK" sz="2400" dirty="0">
+              <a:solidFill>
+                <a:schemeClr val="bg1"/>
+              </a:solidFill>
+              <a:latin typeface="Arial" panose="020B0604020202020204" pitchFamily="34" charset="0"/>
+              <a:cs typeface="Arial" panose="020B0604020202020204" pitchFamily="34" charset="0"/>
+            </a:endParaRPr>
+          </a:p>
+        </p:txBody>
+      </p:sp>
+      <p:sp>
+        <p:nvSpPr>
+          <p:cNvPr id="18" name="Tekstfelt 17">
+            <a:extLst>
+              <a:ext uri="{FF2B5EF4-FFF2-40B4-BE49-F238E27FC236}">
+                <a16:creationId xmlns:a16="http://schemas.microsoft.com/office/drawing/2014/main" id="{9625D84E-8142-561B-5AEE-491CB041BB8C}"/>
+              </a:ext>
+            </a:extLst>
+          </p:cNvPr>
+          <p:cNvSpPr txBox="1"/>
+          <p:nvPr/>
+        </p:nvSpPr>
+        <p:spPr>
+          <a:xfrm>
+            <a:off x="12074019" y="414678"/>
             <a:ext cx="2448725" cy="461665"/>
           </a:xfrm>
           <a:prstGeom prst="rect">
@@ -10064,10 +10545,10 @@
       </p:sp>
       <p:sp>
         <p:nvSpPr>
-          <p:cNvPr id="3" name="Tekstfelt 2">
-            <a:extLst>
-              <a:ext uri="{FF2B5EF4-FFF2-40B4-BE49-F238E27FC236}">
-                <a16:creationId xmlns:a16="http://schemas.microsoft.com/office/drawing/2014/main" id="{CD844449-2E91-B18A-C28C-5F321A08FB0C}"/>
+          <p:cNvPr id="8" name="Tekstfelt 7">
+            <a:extLst>
+              <a:ext uri="{FF2B5EF4-FFF2-40B4-BE49-F238E27FC236}">
+                <a16:creationId xmlns:a16="http://schemas.microsoft.com/office/drawing/2014/main" id="{DDBB91F5-F9C3-2210-B7AF-76B72E7DF7A8}"/>
               </a:ext>
             </a:extLst>
           </p:cNvPr>
@@ -10076,8 +10557,8 @@
         </p:nvSpPr>
         <p:spPr>
           <a:xfrm>
-            <a:off x="12074019" y="414678"/>
-            <a:ext cx="2448725" cy="461665"/>
+            <a:off x="8190272" y="2367568"/>
+            <a:ext cx="2861187" cy="923330"/>
           </a:xfrm>
           <a:prstGeom prst="rect">
             <a:avLst/>
@@ -10090,31 +10571,121 @@
           </a:bodyPr>
           <a:lstStyle/>
           <a:p>
-            <a:pPr algn="r"/>
-            <a:r>
-              <a:rPr lang="da-DK" sz="2400" b="1" dirty="0">
+            <a:r>
+              <a:rPr lang="da-DK" b="1" dirty="0">
                 <a:solidFill>
-                  <a:schemeClr val="bg1"/>
+                  <a:srgbClr val="000000"/>
                 </a:solidFill>
                 <a:latin typeface="Arial" panose="020B0604020202020204" pitchFamily="34" charset="0"/>
-                <a:cs typeface="Arial" panose="020B0604020202020204" pitchFamily="34" charset="0"/>
               </a:rPr>
-              <a:t>Test</a:t>
-            </a:r>
-            <a:endParaRPr lang="da-DK" sz="2400" dirty="0">
+              <a:t>V</a:t>
+            </a:r>
+            <a:r>
+              <a:rPr lang="da-DK" sz="1800" b="1" i="0" u="none" strike="noStrike" dirty="0">
+                <a:solidFill>
+                  <a:srgbClr val="000000"/>
+                </a:solidFill>
+                <a:effectLst/>
+                <a:latin typeface="Arial" panose="020B0604020202020204" pitchFamily="34" charset="0"/>
+              </a:rPr>
+              <a:t>ideo</a:t>
+            </a:r>
+            <a:br>
+              <a:rPr lang="da-DK" sz="1800" b="0" i="0" u="none" strike="noStrike" dirty="0">
+                <a:solidFill>
+                  <a:srgbClr val="000000"/>
+                </a:solidFill>
+                <a:effectLst/>
+                <a:latin typeface="Arial" panose="020B0604020202020204" pitchFamily="34" charset="0"/>
+              </a:rPr>
+            </a:br>
+            <a:r>
+              <a:rPr lang="da-DK" sz="1800" b="0" i="0" u="none" strike="noStrike" dirty="0">
+                <a:solidFill>
+                  <a:srgbClr val="000000"/>
+                </a:solidFill>
+                <a:effectLst/>
+                <a:latin typeface="Arial" panose="020B0604020202020204" pitchFamily="34" charset="0"/>
+              </a:rPr>
+              <a:t>- Photoshop</a:t>
+            </a:r>
+            <a:br>
+              <a:rPr lang="da-DK" sz="1800" b="0" i="0" u="none" strike="noStrike" dirty="0">
+                <a:solidFill>
+                  <a:srgbClr val="000000"/>
+                </a:solidFill>
+                <a:effectLst/>
+                <a:latin typeface="Arial" panose="020B0604020202020204" pitchFamily="34" charset="0"/>
+              </a:rPr>
+            </a:br>
+            <a:r>
+              <a:rPr lang="da-DK" sz="1800" b="0" i="0" u="none" strike="noStrike" dirty="0">
+                <a:solidFill>
+                  <a:srgbClr val="000000"/>
+                </a:solidFill>
+                <a:effectLst/>
+                <a:latin typeface="Arial" panose="020B0604020202020204" pitchFamily="34" charset="0"/>
+              </a:rPr>
+              <a:t>- AI stemme</a:t>
+            </a:r>
+            <a:endParaRPr lang="da-DK" dirty="0">
               <a:solidFill>
-                <a:schemeClr val="bg1"/>
+                <a:srgbClr val="000000"/>
               </a:solidFill>
               <a:latin typeface="Arial" panose="020B0604020202020204" pitchFamily="34" charset="0"/>
-              <a:cs typeface="Arial" panose="020B0604020202020204" pitchFamily="34" charset="0"/>
             </a:endParaRPr>
           </a:p>
         </p:txBody>
       </p:sp>
+      <p:pic>
+        <p:nvPicPr>
+          <p:cNvPr id="1026" name="Picture 2" descr="Ingen tilgængelig beskrivelse.">
+            <a:extLst>
+              <a:ext uri="{FF2B5EF4-FFF2-40B4-BE49-F238E27FC236}">
+                <a16:creationId xmlns:a16="http://schemas.microsoft.com/office/drawing/2014/main" id="{BE871E1E-F66A-C434-21FD-E2B96480407F}"/>
+              </a:ext>
+            </a:extLst>
+          </p:cNvPr>
+          <p:cNvPicPr>
+            <a:picLocks noChangeAspect="1" noChangeArrowheads="1"/>
+          </p:cNvPicPr>
+          <p:nvPr/>
+        </p:nvPicPr>
+        <p:blipFill rotWithShape="1">
+          <a:blip r:embed="rId4">
+            <a:extLst>
+              <a:ext uri="{28A0092B-C50C-407E-A947-70E740481C1C}">
+                <a14:useLocalDpi xmlns:a14="http://schemas.microsoft.com/office/drawing/2010/main" val="0"/>
+              </a:ext>
+            </a:extLst>
+          </a:blip>
+          <a:srcRect l="99" t="-1257" r="249" b="801"/>
+          <a:stretch/>
+        </p:blipFill>
+        <p:spPr bwMode="auto">
+          <a:xfrm>
+            <a:off x="184136" y="1899547"/>
+            <a:ext cx="7718602" cy="3748365"/>
+          </a:xfrm>
+          <a:prstGeom prst="rect">
+            <a:avLst/>
+          </a:prstGeom>
+          <a:noFill/>
+          <a:extLst>
+            <a:ext uri="{909E8E84-426E-40DD-AFC4-6F175D3DCCD1}">
+              <a14:hiddenFill xmlns:a14="http://schemas.microsoft.com/office/drawing/2010/main">
+                <a:solidFill>
+                  <a:srgbClr val="FFFFFF"/>
+                </a:solidFill>
+              </a14:hiddenFill>
+            </a:ext>
+          </a:extLst>
+        </p:spPr>
+      </p:pic>
     </p:spTree>
     <p:extLst>
       <p:ext uri="{BB962C8B-B14F-4D97-AF65-F5344CB8AC3E}">
-        <p14:creationId xmlns:p14="http://schemas.microsoft.com/office/powerpoint/2010/main" val="1099747552"/>
+        <p14:creationId xmlns:p14="http://schemas.microsoft.com/office/powerpoint/2010/main" val="1141509015"/>
       </p:ext>
     </p:extLst>
   </p:cSld>
@@ -10391,7 +10962,7 @@
                 <a:latin typeface="Arial" panose="020B0604020202020204" pitchFamily="34" charset="0"/>
                 <a:cs typeface="Arial" panose="020B0604020202020204" pitchFamily="34" charset="0"/>
               </a:rPr>
-              <a:t>Test</a:t>
+              <a:t>Målgruppe</a:t>
             </a:r>
             <a:endParaRPr lang="da-DK" sz="2400" dirty="0">
               <a:solidFill>
@@ -10433,16 +11004,6 @@
           <a:p>
             <a:pPr algn="r"/>
             <a:r>
-              <a:rPr lang="da-DK" sz="2400" b="1" dirty="0" err="1">
-                <a:solidFill>
-                  <a:schemeClr val="bg1"/>
-                </a:solidFill>
-                <a:latin typeface="Arial" panose="020B0604020202020204" pitchFamily="34" charset="0"/>
-                <a:cs typeface="Arial" panose="020B0604020202020204" pitchFamily="34" charset="0"/>
-              </a:rPr>
-              <a:t>Gantt</a:t>
-            </a:r>
-            <a:r>
               <a:rPr lang="da-DK" sz="2400" b="1" dirty="0">
                 <a:solidFill>
                   <a:schemeClr val="bg1"/>
@@ -10450,65 +11011,22 @@
                 <a:latin typeface="Arial" panose="020B0604020202020204" pitchFamily="34" charset="0"/>
                 <a:cs typeface="Arial" panose="020B0604020202020204" pitchFamily="34" charset="0"/>
               </a:rPr>
-              <a:t> skema </a:t>
-            </a:r>
-          </a:p>
-        </p:txBody>
-      </p:sp>
-      <p:sp>
-        <p:nvSpPr>
-          <p:cNvPr id="8" name="Undertitel 7">
-            <a:extLst>
-              <a:ext uri="{FF2B5EF4-FFF2-40B4-BE49-F238E27FC236}">
-                <a16:creationId xmlns:a16="http://schemas.microsoft.com/office/drawing/2014/main" id="{D0674ADC-33FC-ED18-BD85-E8157946DE1F}"/>
-              </a:ext>
-            </a:extLst>
-          </p:cNvPr>
-          <p:cNvSpPr>
-            <a:spLocks noGrp="1"/>
-          </p:cNvSpPr>
-          <p:nvPr>
-            <p:ph type="subTitle" idx="1"/>
-          </p:nvPr>
-        </p:nvSpPr>
-        <p:spPr/>
-        <p:txBody>
-          <a:bodyPr/>
-          <a:lstStyle/>
-          <a:p>
-            <a:endParaRPr lang="da-DK"/>
-          </a:p>
-        </p:txBody>
-      </p:sp>
-      <p:sp>
-        <p:nvSpPr>
-          <p:cNvPr id="11" name="Titel 10">
-            <a:extLst>
-              <a:ext uri="{FF2B5EF4-FFF2-40B4-BE49-F238E27FC236}">
-                <a16:creationId xmlns:a16="http://schemas.microsoft.com/office/drawing/2014/main" id="{4B04716F-6D07-3EFB-BC4C-DA13AE2EECD9}"/>
-              </a:ext>
-            </a:extLst>
-          </p:cNvPr>
-          <p:cNvSpPr>
-            <a:spLocks noGrp="1"/>
-          </p:cNvSpPr>
-          <p:nvPr>
-            <p:ph type="ctrTitle"/>
-          </p:nvPr>
-        </p:nvSpPr>
-        <p:spPr/>
-        <p:txBody>
-          <a:bodyPr/>
-          <a:lstStyle/>
-          <a:p>
-            <a:endParaRPr lang="da-DK"/>
+              <a:t>Test</a:t>
+            </a:r>
+            <a:endParaRPr lang="da-DK" sz="2400" dirty="0">
+              <a:solidFill>
+                <a:schemeClr val="bg1"/>
+              </a:solidFill>
+              <a:latin typeface="Arial" panose="020B0604020202020204" pitchFamily="34" charset="0"/>
+              <a:cs typeface="Arial" panose="020B0604020202020204" pitchFamily="34" charset="0"/>
+            </a:endParaRPr>
           </a:p>
         </p:txBody>
       </p:sp>
     </p:spTree>
     <p:extLst>
       <p:ext uri="{BB962C8B-B14F-4D97-AF65-F5344CB8AC3E}">
-        <p14:creationId xmlns:p14="http://schemas.microsoft.com/office/powerpoint/2010/main" val="3670996241"/>
+        <p14:creationId xmlns:p14="http://schemas.microsoft.com/office/powerpoint/2010/main" val="1099747552"/>
       </p:ext>
     </p:extLst>
   </p:cSld>
@@ -10778,6 +11296,55 @@
           <a:p>
             <a:pPr algn="r"/>
             <a:r>
+              <a:rPr lang="da-DK" sz="2400" b="1" dirty="0">
+                <a:solidFill>
+                  <a:schemeClr val="bg1"/>
+                </a:solidFill>
+                <a:latin typeface="Arial" panose="020B0604020202020204" pitchFamily="34" charset="0"/>
+                <a:cs typeface="Arial" panose="020B0604020202020204" pitchFamily="34" charset="0"/>
+              </a:rPr>
+              <a:t>Test</a:t>
+            </a:r>
+            <a:endParaRPr lang="da-DK" sz="2400" dirty="0">
+              <a:solidFill>
+                <a:schemeClr val="bg1"/>
+              </a:solidFill>
+              <a:latin typeface="Arial" panose="020B0604020202020204" pitchFamily="34" charset="0"/>
+              <a:cs typeface="Arial" panose="020B0604020202020204" pitchFamily="34" charset="0"/>
+            </a:endParaRPr>
+          </a:p>
+        </p:txBody>
+      </p:sp>
+      <p:sp>
+        <p:nvSpPr>
+          <p:cNvPr id="3" name="Tekstfelt 2">
+            <a:extLst>
+              <a:ext uri="{FF2B5EF4-FFF2-40B4-BE49-F238E27FC236}">
+                <a16:creationId xmlns:a16="http://schemas.microsoft.com/office/drawing/2014/main" id="{CD844449-2E91-B18A-C28C-5F321A08FB0C}"/>
+              </a:ext>
+            </a:extLst>
+          </p:cNvPr>
+          <p:cNvSpPr txBox="1"/>
+          <p:nvPr/>
+        </p:nvSpPr>
+        <p:spPr>
+          <a:xfrm>
+            <a:off x="12074019" y="414678"/>
+            <a:ext cx="2448725" cy="461665"/>
+          </a:xfrm>
+          <a:prstGeom prst="rect">
+            <a:avLst/>
+          </a:prstGeom>
+          <a:noFill/>
+        </p:spPr>
+        <p:txBody>
+          <a:bodyPr wrap="square" rtlCol="0">
+            <a:spAutoFit/>
+          </a:bodyPr>
+          <a:lstStyle/>
+          <a:p>
+            <a:pPr algn="r"/>
+            <a:r>
               <a:rPr lang="da-DK" sz="2400" b="1" dirty="0" err="1">
                 <a:solidFill>
                   <a:schemeClr val="bg1"/>
@@ -10802,52 +11369,35 @@
       </p:sp>
       <p:sp>
         <p:nvSpPr>
-          <p:cNvPr id="3" name="Tekstfelt 2">
-            <a:extLst>
-              <a:ext uri="{FF2B5EF4-FFF2-40B4-BE49-F238E27FC236}">
-                <a16:creationId xmlns:a16="http://schemas.microsoft.com/office/drawing/2014/main" id="{CD844449-2E91-B18A-C28C-5F321A08FB0C}"/>
-              </a:ext>
-            </a:extLst>
-          </p:cNvPr>
-          <p:cNvSpPr txBox="1"/>
-          <p:nvPr/>
-        </p:nvSpPr>
-        <p:spPr>
-          <a:xfrm>
-            <a:off x="12074019" y="414678"/>
-            <a:ext cx="2448725" cy="461665"/>
-          </a:xfrm>
-          <a:prstGeom prst="rect">
-            <a:avLst/>
-          </a:prstGeom>
-          <a:noFill/>
-        </p:spPr>
-        <p:txBody>
-          <a:bodyPr wrap="square" rtlCol="0">
-            <a:spAutoFit/>
-          </a:bodyPr>
-          <a:lstStyle/>
-          <a:p>
-            <a:pPr algn="r"/>
-            <a:r>
-              <a:rPr lang="da-DK" sz="2400" b="1" dirty="0">
-                <a:solidFill>
-                  <a:schemeClr val="bg1"/>
-                </a:solidFill>
-                <a:latin typeface="Arial" panose="020B0604020202020204" pitchFamily="34" charset="0"/>
-                <a:cs typeface="Arial" panose="020B0604020202020204" pitchFamily="34" charset="0"/>
-              </a:rPr>
-              <a:t>Styleguide </a:t>
-            </a:r>
-          </a:p>
-        </p:txBody>
-      </p:sp>
-      <p:sp>
-        <p:nvSpPr>
-          <p:cNvPr id="8" name="Titel 7">
-            <a:extLst>
-              <a:ext uri="{FF2B5EF4-FFF2-40B4-BE49-F238E27FC236}">
-                <a16:creationId xmlns:a16="http://schemas.microsoft.com/office/drawing/2014/main" id="{9EB20857-342C-8CDA-02B7-FD9A56C18D64}"/>
+          <p:cNvPr id="8" name="Undertitel 7">
+            <a:extLst>
+              <a:ext uri="{FF2B5EF4-FFF2-40B4-BE49-F238E27FC236}">
+                <a16:creationId xmlns:a16="http://schemas.microsoft.com/office/drawing/2014/main" id="{D0674ADC-33FC-ED18-BD85-E8157946DE1F}"/>
+              </a:ext>
+            </a:extLst>
+          </p:cNvPr>
+          <p:cNvSpPr>
+            <a:spLocks noGrp="1"/>
+          </p:cNvSpPr>
+          <p:nvPr>
+            <p:ph type="subTitle" idx="1"/>
+          </p:nvPr>
+        </p:nvSpPr>
+        <p:spPr/>
+        <p:txBody>
+          <a:bodyPr/>
+          <a:lstStyle/>
+          <a:p>
+            <a:endParaRPr lang="da-DK"/>
+          </a:p>
+        </p:txBody>
+      </p:sp>
+      <p:sp>
+        <p:nvSpPr>
+          <p:cNvPr id="11" name="Titel 10">
+            <a:extLst>
+              <a:ext uri="{FF2B5EF4-FFF2-40B4-BE49-F238E27FC236}">
+                <a16:creationId xmlns:a16="http://schemas.microsoft.com/office/drawing/2014/main" id="{4B04716F-6D07-3EFB-BC4C-DA13AE2EECD9}"/>
               </a:ext>
             </a:extLst>
           </p:cNvPr>
@@ -10867,35 +11417,10 @@
           </a:p>
         </p:txBody>
       </p:sp>
-      <p:sp>
-        <p:nvSpPr>
-          <p:cNvPr id="11" name="Undertitel 10">
-            <a:extLst>
-              <a:ext uri="{FF2B5EF4-FFF2-40B4-BE49-F238E27FC236}">
-                <a16:creationId xmlns:a16="http://schemas.microsoft.com/office/drawing/2014/main" id="{C6F93E7D-19C2-C67A-5C54-DA03BABE8E2C}"/>
-              </a:ext>
-            </a:extLst>
-          </p:cNvPr>
-          <p:cNvSpPr>
-            <a:spLocks noGrp="1"/>
-          </p:cNvSpPr>
-          <p:nvPr>
-            <p:ph type="subTitle" idx="1"/>
-          </p:nvPr>
-        </p:nvSpPr>
-        <p:spPr/>
-        <p:txBody>
-          <a:bodyPr/>
-          <a:lstStyle/>
-          <a:p>
-            <a:endParaRPr lang="da-DK"/>
-          </a:p>
-        </p:txBody>
-      </p:sp>
     </p:spTree>
     <p:extLst>
       <p:ext uri="{BB962C8B-B14F-4D97-AF65-F5344CB8AC3E}">
-        <p14:creationId xmlns:p14="http://schemas.microsoft.com/office/powerpoint/2010/main" val="4175145288"/>
+        <p14:creationId xmlns:p14="http://schemas.microsoft.com/office/powerpoint/2010/main" val="3670996241"/>
       </p:ext>
     </p:extLst>
   </p:cSld>
@@ -11165,6 +11690,16 @@
           <a:p>
             <a:pPr algn="r"/>
             <a:r>
+              <a:rPr lang="da-DK" sz="2400" b="1" dirty="0" err="1">
+                <a:solidFill>
+                  <a:schemeClr val="bg1"/>
+                </a:solidFill>
+                <a:latin typeface="Arial" panose="020B0604020202020204" pitchFamily="34" charset="0"/>
+                <a:cs typeface="Arial" panose="020B0604020202020204" pitchFamily="34" charset="0"/>
+              </a:rPr>
+              <a:t>Gantt</a:t>
+            </a:r>
+            <a:r>
               <a:rPr lang="da-DK" sz="2400" b="1" dirty="0">
                 <a:solidFill>
                   <a:schemeClr val="bg1"/>
@@ -11172,7 +11707,7 @@
                 <a:latin typeface="Arial" panose="020B0604020202020204" pitchFamily="34" charset="0"/>
                 <a:cs typeface="Arial" panose="020B0604020202020204" pitchFamily="34" charset="0"/>
               </a:rPr>
-              <a:t>Styleguide</a:t>
+              <a:t> skema </a:t>
             </a:r>
           </a:p>
         </p:txBody>
@@ -11214,7 +11749,7 @@
                 <a:latin typeface="Arial" panose="020B0604020202020204" pitchFamily="34" charset="0"/>
                 <a:cs typeface="Arial" panose="020B0604020202020204" pitchFamily="34" charset="0"/>
               </a:rPr>
-              <a:t>Wireframes </a:t>
+              <a:t>Styleguide </a:t>
             </a:r>
           </a:p>
         </p:txBody>
@@ -11224,7 +11759,7 @@
           <p:cNvPr id="8" name="Titel 7">
             <a:extLst>
               <a:ext uri="{FF2B5EF4-FFF2-40B4-BE49-F238E27FC236}">
-                <a16:creationId xmlns:a16="http://schemas.microsoft.com/office/drawing/2014/main" id="{3F8B6F2D-6194-2865-B34C-4D9C53681C34}"/>
+                <a16:creationId xmlns:a16="http://schemas.microsoft.com/office/drawing/2014/main" id="{9EB20857-342C-8CDA-02B7-FD9A56C18D64}"/>
               </a:ext>
             </a:extLst>
           </p:cNvPr>
@@ -11249,7 +11784,7 @@
           <p:cNvPr id="11" name="Undertitel 10">
             <a:extLst>
               <a:ext uri="{FF2B5EF4-FFF2-40B4-BE49-F238E27FC236}">
-                <a16:creationId xmlns:a16="http://schemas.microsoft.com/office/drawing/2014/main" id="{D326BA76-EE7A-E9AE-CEA8-AD7C64AD3894}"/>
+                <a16:creationId xmlns:a16="http://schemas.microsoft.com/office/drawing/2014/main" id="{C6F93E7D-19C2-C67A-5C54-DA03BABE8E2C}"/>
               </a:ext>
             </a:extLst>
           </p:cNvPr>
@@ -11272,7 +11807,7 @@
     </p:spTree>
     <p:extLst>
       <p:ext uri="{BB962C8B-B14F-4D97-AF65-F5344CB8AC3E}">
-        <p14:creationId xmlns:p14="http://schemas.microsoft.com/office/powerpoint/2010/main" val="125418784"/>
+        <p14:creationId xmlns:p14="http://schemas.microsoft.com/office/powerpoint/2010/main" val="4175145288"/>
       </p:ext>
     </p:extLst>
   </p:cSld>
